--- a/Material/CSS.pptx
+++ b/Material/CSS.pptx
@@ -45,6 +45,40 @@
     <p:sldId id="294" r:id="rId39"/>
     <p:sldId id="295" r:id="rId40"/>
     <p:sldId id="296" r:id="rId41"/>
+    <p:sldId id="297" r:id="rId42"/>
+    <p:sldId id="298" r:id="rId43"/>
+    <p:sldId id="299" r:id="rId44"/>
+    <p:sldId id="300" r:id="rId45"/>
+    <p:sldId id="301" r:id="rId46"/>
+    <p:sldId id="303" r:id="rId47"/>
+    <p:sldId id="304" r:id="rId48"/>
+    <p:sldId id="302" r:id="rId49"/>
+    <p:sldId id="305" r:id="rId50"/>
+    <p:sldId id="306" r:id="rId51"/>
+    <p:sldId id="307" r:id="rId52"/>
+    <p:sldId id="308" r:id="rId53"/>
+    <p:sldId id="309" r:id="rId54"/>
+    <p:sldId id="310" r:id="rId55"/>
+    <p:sldId id="311" r:id="rId56"/>
+    <p:sldId id="312" r:id="rId57"/>
+    <p:sldId id="313" r:id="rId58"/>
+    <p:sldId id="314" r:id="rId59"/>
+    <p:sldId id="315" r:id="rId60"/>
+    <p:sldId id="316" r:id="rId61"/>
+    <p:sldId id="317" r:id="rId62"/>
+    <p:sldId id="318" r:id="rId63"/>
+    <p:sldId id="319" r:id="rId64"/>
+    <p:sldId id="320" r:id="rId65"/>
+    <p:sldId id="321" r:id="rId66"/>
+    <p:sldId id="322" r:id="rId67"/>
+    <p:sldId id="323" r:id="rId68"/>
+    <p:sldId id="324" r:id="rId69"/>
+    <p:sldId id="325" r:id="rId70"/>
+    <p:sldId id="326" r:id="rId71"/>
+    <p:sldId id="327" r:id="rId72"/>
+    <p:sldId id="328" r:id="rId73"/>
+    <p:sldId id="329" r:id="rId74"/>
+    <p:sldId id="330" r:id="rId75"/>
   </p:sldIdLst>
   <p:sldSz cx="12192000" cy="6858000"/>
   <p:notesSz cx="6858000" cy="9144000"/>
@@ -337,7 +371,7 @@
           <a:p>
             <a:fld id="{4AAD347D-5ACD-4C99-B74B-A9C85AD731AF}" type="datetimeFigureOut">
               <a:rPr lang="en-US" dirty="0"/>
-              <a:t>5/2/2019</a:t>
+              <a:t>5/9/2019</a:t>
             </a:fld>
             <a:endParaRPr lang="en-US" dirty="0"/>
           </a:p>
@@ -607,7 +641,7 @@
           <a:p>
             <a:fld id="{4509A250-FF31-4206-8172-F9D3106AACB1}" type="datetimeFigureOut">
               <a:rPr lang="en-US" dirty="0"/>
-              <a:t>5/2/2019</a:t>
+              <a:t>5/9/2019</a:t>
             </a:fld>
             <a:endParaRPr lang="en-US" dirty="0"/>
           </a:p>
@@ -796,7 +830,7 @@
           <a:p>
             <a:fld id="{4509A250-FF31-4206-8172-F9D3106AACB1}" type="datetimeFigureOut">
               <a:rPr lang="en-US" dirty="0"/>
-              <a:t>5/2/2019</a:t>
+              <a:t>5/9/2019</a:t>
             </a:fld>
             <a:endParaRPr lang="en-US" dirty="0"/>
           </a:p>
@@ -1062,7 +1096,7 @@
           <a:p>
             <a:fld id="{4509A250-FF31-4206-8172-F9D3106AACB1}" type="datetimeFigureOut">
               <a:rPr lang="en-US" dirty="0"/>
-              <a:t>5/2/2019</a:t>
+              <a:t>5/9/2019</a:t>
             </a:fld>
             <a:endParaRPr lang="en-US" dirty="0"/>
           </a:p>
@@ -1384,7 +1418,7 @@
           <a:p>
             <a:fld id="{4509A250-FF31-4206-8172-F9D3106AACB1}" type="datetimeFigureOut">
               <a:rPr lang="en-US" dirty="0"/>
-              <a:t>5/2/2019</a:t>
+              <a:t>5/9/2019</a:t>
             </a:fld>
             <a:endParaRPr lang="en-US" dirty="0"/>
           </a:p>
@@ -1998,7 +2032,7 @@
           <a:p>
             <a:fld id="{4509A250-FF31-4206-8172-F9D3106AACB1}" type="datetimeFigureOut">
               <a:rPr lang="en-US" dirty="0"/>
-              <a:t>5/2/2019</a:t>
+              <a:t>5/9/2019</a:t>
             </a:fld>
             <a:endParaRPr lang="en-US" dirty="0"/>
           </a:p>
@@ -2840,7 +2874,7 @@
           <a:p>
             <a:fld id="{4509A250-FF31-4206-8172-F9D3106AACB1}" type="datetimeFigureOut">
               <a:rPr lang="en-US" dirty="0"/>
-              <a:t>5/2/2019</a:t>
+              <a:t>5/9/2019</a:t>
             </a:fld>
             <a:endParaRPr lang="en-US" dirty="0"/>
           </a:p>
@@ -3005,7 +3039,7 @@
           <a:p>
             <a:fld id="{4509A250-FF31-4206-8172-F9D3106AACB1}" type="datetimeFigureOut">
               <a:rPr lang="en-US" dirty="0"/>
-              <a:t>5/2/2019</a:t>
+              <a:t>5/9/2019</a:t>
             </a:fld>
             <a:endParaRPr lang="en-US" dirty="0"/>
           </a:p>
@@ -3180,7 +3214,7 @@
           <a:p>
             <a:fld id="{4509A250-FF31-4206-8172-F9D3106AACB1}" type="datetimeFigureOut">
               <a:rPr lang="en-US" dirty="0"/>
-              <a:t>5/2/2019</a:t>
+              <a:t>5/9/2019</a:t>
             </a:fld>
             <a:endParaRPr lang="en-US" dirty="0"/>
           </a:p>
@@ -3345,7 +3379,7 @@
           <a:p>
             <a:fld id="{9796027F-7875-4030-9381-8BD8C4F21935}" type="datetimeFigureOut">
               <a:rPr lang="en-US" dirty="0"/>
-              <a:t>5/2/2019</a:t>
+              <a:t>5/9/2019</a:t>
             </a:fld>
             <a:endParaRPr lang="en-US" dirty="0"/>
           </a:p>
@@ -3587,7 +3621,7 @@
           <a:p>
             <a:fld id="{9796027F-7875-4030-9381-8BD8C4F21935}" type="datetimeFigureOut">
               <a:rPr lang="en-US" dirty="0"/>
-              <a:t>5/2/2019</a:t>
+              <a:t>5/9/2019</a:t>
             </a:fld>
             <a:endParaRPr lang="en-US" dirty="0"/>
           </a:p>
@@ -3874,7 +3908,7 @@
           <a:p>
             <a:fld id="{9796027F-7875-4030-9381-8BD8C4F21935}" type="datetimeFigureOut">
               <a:rPr lang="en-US" dirty="0"/>
-              <a:t>5/2/2019</a:t>
+              <a:t>5/9/2019</a:t>
             </a:fld>
             <a:endParaRPr lang="en-US" dirty="0"/>
           </a:p>
@@ -4313,7 +4347,7 @@
           <a:p>
             <a:fld id="{9796027F-7875-4030-9381-8BD8C4F21935}" type="datetimeFigureOut">
               <a:rPr lang="en-US" dirty="0"/>
-              <a:t>5/2/2019</a:t>
+              <a:t>5/9/2019</a:t>
             </a:fld>
             <a:endParaRPr lang="en-US" dirty="0"/>
           </a:p>
@@ -4426,7 +4460,7 @@
           <a:p>
             <a:fld id="{4509A250-FF31-4206-8172-F9D3106AACB1}" type="datetimeFigureOut">
               <a:rPr lang="en-US" dirty="0"/>
-              <a:t>5/2/2019</a:t>
+              <a:t>5/9/2019</a:t>
             </a:fld>
             <a:endParaRPr lang="en-US" dirty="0"/>
           </a:p>
@@ -4516,7 +4550,7 @@
           <a:p>
             <a:fld id="{4509A250-FF31-4206-8172-F9D3106AACB1}" type="datetimeFigureOut">
               <a:rPr lang="en-US" dirty="0"/>
-              <a:t>5/2/2019</a:t>
+              <a:t>5/9/2019</a:t>
             </a:fld>
             <a:endParaRPr lang="en-US" dirty="0"/>
           </a:p>
@@ -4790,7 +4824,7 @@
           <a:p>
             <a:fld id="{4509A250-FF31-4206-8172-F9D3106AACB1}" type="datetimeFigureOut">
               <a:rPr lang="en-US" dirty="0"/>
-              <a:t>5/2/2019</a:t>
+              <a:t>5/9/2019</a:t>
             </a:fld>
             <a:endParaRPr lang="en-US" dirty="0"/>
           </a:p>
@@ -5060,7 +5094,7 @@
           <a:p>
             <a:fld id="{4509A250-FF31-4206-8172-F9D3106AACB1}" type="datetimeFigureOut">
               <a:rPr lang="en-US" dirty="0"/>
-              <a:t>5/2/2019</a:t>
+              <a:t>5/9/2019</a:t>
             </a:fld>
             <a:endParaRPr lang="en-US" dirty="0"/>
           </a:p>
@@ -5478,7 +5512,7 @@
           <a:p>
             <a:fld id="{4AAD347D-5ACD-4C99-B74B-A9C85AD731AF}" type="datetimeFigureOut">
               <a:rPr lang="en-US" dirty="0"/>
-              <a:t>5/2/2019</a:t>
+              <a:t>5/9/2019</a:t>
             </a:fld>
             <a:endParaRPr lang="en-US" dirty="0"/>
           </a:p>
@@ -6007,7 +6041,7 @@
           <p:cNvPr id="2" name="Título 1">
             <a:extLst>
               <a:ext uri="{FF2B5EF4-FFF2-40B4-BE49-F238E27FC236}">
-                <a16:creationId xmlns:a16="http://schemas.microsoft.com/office/drawing/2014/main" xmlns="" id="{A6178DA5-89F4-47AC-B2FD-2A70C99FF136}"/>
+                <a16:creationId xmlns:a16="http://schemas.microsoft.com/office/drawing/2014/main" id="{A6178DA5-89F4-47AC-B2FD-2A70C99FF136}"/>
               </a:ext>
             </a:extLst>
           </p:cNvPr>
@@ -6035,7 +6069,7 @@
           <p:cNvPr id="3" name="Subtítulo 2">
             <a:extLst>
               <a:ext uri="{FF2B5EF4-FFF2-40B4-BE49-F238E27FC236}">
-                <a16:creationId xmlns:a16="http://schemas.microsoft.com/office/drawing/2014/main" xmlns="" id="{14F3C210-C6EC-4161-B932-A87544B3D835}"/>
+                <a16:creationId xmlns:a16="http://schemas.microsoft.com/office/drawing/2014/main" id="{14F3C210-C6EC-4161-B932-A87544B3D835}"/>
               </a:ext>
             </a:extLst>
           </p:cNvPr>
@@ -6071,13 +6105,6 @@
   <p:clrMapOvr>
     <a:masterClrMapping/>
   </p:clrMapOvr>
-  <p:timing>
-    <p:tnLst>
-      <p:par>
-        <p:cTn id="1" dur="indefinite" restart="never" nodeType="tmRoot"/>
-      </p:par>
-    </p:tnLst>
-  </p:timing>
 </p:sld>
 </file>
 
@@ -6114,10 +6141,9 @@
           <a:lstStyle/>
           <a:p>
             <a:r>
-              <a:rPr lang="es-AR" dirty="0" smtClean="0"/>
+              <a:rPr lang="es-AR" dirty="0"/>
               <a:t>Selectores Básicos</a:t>
             </a:r>
-            <a:endParaRPr lang="es-AR" dirty="0"/>
           </a:p>
         </p:txBody>
       </p:sp>
@@ -6131,13 +6157,6 @@
   <p:clrMapOvr>
     <a:masterClrMapping/>
   </p:clrMapOvr>
-  <p:timing>
-    <p:tnLst>
-      <p:par>
-        <p:cTn id="1" dur="indefinite" restart="never" nodeType="tmRoot"/>
-      </p:par>
-    </p:tnLst>
-  </p:timing>
 </p:sld>
 </file>
 
@@ -6174,11 +6193,11 @@
           <a:lstStyle/>
           <a:p>
             <a:r>
-              <a:rPr lang="es-AR" dirty="0" smtClean="0"/>
+              <a:rPr lang="es-AR" dirty="0"/>
               <a:t>Selector universal</a:t>
             </a:r>
             <a:br>
-              <a:rPr lang="es-AR" dirty="0" smtClean="0"/>
+              <a:rPr lang="es-AR" dirty="0"/>
             </a:br>
             <a:endParaRPr lang="es-AR" dirty="0"/>
           </a:p>
@@ -6211,11 +6230,7 @@
             </a:pPr>
             <a:r>
               <a:rPr lang="es-AR" dirty="0"/>
-              <a:t>Se utiliza para seleccionar todos los elementos de la página. El siguiente ejemplo elimina el margen y el relleno de todos los elementos HTML (por ahora no es importante fijarse en la parte de la declaración de la regla CSS</a:t>
-            </a:r>
-            <a:r>
-              <a:rPr lang="es-AR" dirty="0" smtClean="0"/>
-              <a:t>):</a:t>
+              <a:t>Se utiliza para seleccionar todos los elementos de la página. El siguiente ejemplo elimina el margen y el relleno de todos los elementos HTML (por ahora no es importante fijarse en la parte de la declaración de la regla CSS):</a:t>
             </a:r>
           </a:p>
           <a:p>
@@ -6228,7 +6243,7 @@
             <a:pPr marL="0" indent="0">
               <a:buNone/>
             </a:pPr>
-            <a:endParaRPr lang="es-AR" dirty="0" smtClean="0"/>
+            <a:endParaRPr lang="es-AR" dirty="0"/>
           </a:p>
           <a:p>
             <a:pPr marL="0" indent="0">
@@ -6253,12 +6268,8 @@
               <a:buNone/>
             </a:pPr>
             <a:r>
-              <a:rPr lang="es-AR" dirty="0" smtClean="0"/>
-              <a:t>El </a:t>
-            </a:r>
-            <a:r>
-              <a:rPr lang="es-AR" dirty="0"/>
-              <a:t>selector universal se indica mediante un asterisco (*). A pesar de su sencillez, no se utiliza habitualmente, ya que es difícil que un mismo estilo se pueda aplicar a todos los elementos de una página.</a:t>
+              <a:rPr lang="es-AR" dirty="0"/>
+              <a:t>El selector universal se indica mediante un asterisco (*). A pesar de su sencillez, no se utiliza habitualmente, ya que es difícil que un mismo estilo se pueda aplicar a todos los elementos de una página.</a:t>
             </a:r>
           </a:p>
           <a:p>
@@ -6318,13 +6329,6 @@
   <p:clrMapOvr>
     <a:masterClrMapping/>
   </p:clrMapOvr>
-  <p:timing>
-    <p:tnLst>
-      <p:par>
-        <p:cTn id="1" dur="indefinite" restart="never" nodeType="tmRoot"/>
-      </p:par>
-    </p:tnLst>
-  </p:timing>
 </p:sld>
 </file>
 
@@ -6361,10 +6365,9 @@
           <a:lstStyle/>
           <a:p>
             <a:r>
-              <a:rPr lang="es-AR" dirty="0" smtClean="0"/>
+              <a:rPr lang="es-AR" dirty="0"/>
               <a:t>Selector de etiqueta</a:t>
             </a:r>
-            <a:endParaRPr lang="es-AR" dirty="0"/>
           </a:p>
         </p:txBody>
       </p:sp>
@@ -6388,30 +6391,22 @@
             </a:pPr>
             <a:r>
               <a:rPr lang="es-AR" dirty="0"/>
-              <a:t>Selecciona todos los elementos de la página cuya etiqueta HTML coincide con el valor del selector. El siguiente ejemplo selecciona todos los párrafos de la página</a:t>
-            </a:r>
-            <a:r>
-              <a:rPr lang="es-AR" dirty="0" smtClean="0"/>
-              <a:t>:</a:t>
+              <a:t>Selecciona todos los elementos de la página cuya etiqueta HTML coincide con el valor del selector. El siguiente ejemplo selecciona todos los párrafos de la página:</a:t>
             </a:r>
           </a:p>
           <a:p>
             <a:pPr marL="0" indent="0">
               <a:buNone/>
             </a:pPr>
-            <a:endParaRPr lang="es-AR" dirty="0" smtClean="0"/>
+            <a:endParaRPr lang="es-AR" dirty="0"/>
           </a:p>
           <a:p>
             <a:pPr marL="0" indent="0">
               <a:buNone/>
             </a:pPr>
             <a:r>
-              <a:rPr lang="es-AR" dirty="0" smtClean="0"/>
-              <a:t>                                             p </a:t>
-            </a:r>
-            <a:r>
-              <a:rPr lang="es-AR" dirty="0"/>
-              <a:t>{</a:t>
+              <a:rPr lang="es-AR" dirty="0"/>
+              <a:t>                                             p {</a:t>
             </a:r>
           </a:p>
           <a:p>
@@ -6419,20 +6414,18 @@
               <a:buNone/>
             </a:pPr>
             <a:r>
-              <a:rPr lang="es-AR" dirty="0" smtClean="0"/>
+              <a:rPr lang="es-AR" dirty="0"/>
               <a:t>                                                      ...</a:t>
             </a:r>
-            <a:endParaRPr lang="es-AR" dirty="0"/>
           </a:p>
           <a:p>
             <a:pPr marL="0" indent="0">
               <a:buNone/>
             </a:pPr>
             <a:r>
-              <a:rPr lang="es-AR" dirty="0" smtClean="0"/>
+              <a:rPr lang="es-AR" dirty="0"/>
               <a:t>                                            }</a:t>
             </a:r>
-            <a:endParaRPr lang="es-AR" dirty="0"/>
           </a:p>
           <a:p>
             <a:pPr marL="0" indent="0">
@@ -6455,13 +6448,6 @@
   <p:clrMapOvr>
     <a:masterClrMapping/>
   </p:clrMapOvr>
-  <p:timing>
-    <p:tnLst>
-      <p:par>
-        <p:cTn id="1" dur="indefinite" restart="never" nodeType="tmRoot"/>
-      </p:par>
-    </p:tnLst>
-  </p:timing>
 </p:sld>
 </file>
 
@@ -6499,24 +6485,15 @@
           <a:p>
             <a:r>
               <a:rPr lang="es-AR" dirty="0"/>
-              <a:t>Selector de </a:t>
-            </a:r>
-            <a:r>
-              <a:rPr lang="es-AR" dirty="0" smtClean="0"/>
-              <a:t>etiqueta II</a:t>
+              <a:t>Selector de etiqueta II</a:t>
             </a:r>
             <a:br>
-              <a:rPr lang="es-AR" dirty="0" smtClean="0"/>
+              <a:rPr lang="es-AR" dirty="0"/>
             </a:br>
             <a:r>
               <a:rPr lang="es-AR" dirty="0"/>
-              <a:t>	</a:t>
-            </a:r>
-            <a:r>
-              <a:rPr lang="es-AR" dirty="0" smtClean="0"/>
-              <a:t>encadenamiento</a:t>
-            </a:r>
-            <a:endParaRPr lang="es-AR" dirty="0"/>
+              <a:t>	encadenamiento</a:t>
+            </a:r>
           </a:p>
         </p:txBody>
       </p:sp>
@@ -6544,44 +6521,35 @@
           <a:p>
             <a:r>
               <a:rPr lang="es-AR" dirty="0"/>
-              <a:t>Si se quiere aplicar los mismos estilos a dos etiquetas diferentes, se pueden encadenar los selectores. En el siguiente ejemplo, los títulos de sección h1, h2 y h3 comparten los mismos estilos</a:t>
-            </a:r>
-            <a:r>
-              <a:rPr lang="es-AR" dirty="0" smtClean="0"/>
-              <a:t>:</a:t>
-            </a:r>
-          </a:p>
-          <a:p>
-            <a:endParaRPr lang="es-AR" dirty="0"/>
-          </a:p>
-          <a:p>
-            <a:endParaRPr lang="es-AR" dirty="0" smtClean="0"/>
-          </a:p>
-          <a:p>
-            <a:endParaRPr lang="es-AR" dirty="0" smtClean="0"/>
-          </a:p>
-          <a:p>
-            <a:endParaRPr lang="es-AR" dirty="0"/>
-          </a:p>
-          <a:p>
-            <a:endParaRPr lang="es-AR" dirty="0" smtClean="0"/>
-          </a:p>
-          <a:p>
-            <a:endParaRPr lang="es-AR" dirty="0" smtClean="0"/>
-          </a:p>
-          <a:p>
-            <a:endParaRPr lang="es-AR" dirty="0" smtClean="0"/>
-          </a:p>
-          <a:p>
-            <a:r>
-              <a:rPr lang="es-AR" dirty="0"/>
-              <a:t>En este caso, CSS permite agrupar todas las reglas individuales en una sola regla con un selector múltiple. Para ello, se incluyen todos los selectores separados por una coma </a:t>
-            </a:r>
-            <a:r>
-              <a:rPr lang="es-AR" dirty="0" smtClean="0"/>
-              <a:t>(,)</a:t>
-            </a:r>
-            <a:endParaRPr lang="es-AR" dirty="0"/>
+              <a:t>Si se quiere aplicar los mismos estilos a dos etiquetas diferentes, se pueden encadenar los selectores. En el siguiente ejemplo, los títulos de sección h1, h2 y h3 comparten los mismos estilos:</a:t>
+            </a:r>
+          </a:p>
+          <a:p>
+            <a:endParaRPr lang="es-AR" dirty="0"/>
+          </a:p>
+          <a:p>
+            <a:endParaRPr lang="es-AR" dirty="0"/>
+          </a:p>
+          <a:p>
+            <a:endParaRPr lang="es-AR" dirty="0"/>
+          </a:p>
+          <a:p>
+            <a:endParaRPr lang="es-AR" dirty="0"/>
+          </a:p>
+          <a:p>
+            <a:endParaRPr lang="es-AR" dirty="0"/>
+          </a:p>
+          <a:p>
+            <a:endParaRPr lang="es-AR" dirty="0"/>
+          </a:p>
+          <a:p>
+            <a:endParaRPr lang="es-AR" dirty="0"/>
+          </a:p>
+          <a:p>
+            <a:r>
+              <a:rPr lang="es-AR" dirty="0"/>
+              <a:t>En este caso, CSS permite agrupar todas las reglas individuales en una sola regla con un selector múltiple. Para ello, se incluyen todos los selectores separados por una coma (,)</a:t>
+            </a:r>
           </a:p>
         </p:txBody>
       </p:sp>
@@ -6655,13 +6623,6 @@
   <p:clrMapOvr>
     <a:masterClrMapping/>
   </p:clrMapOvr>
-  <p:timing>
-    <p:tnLst>
-      <p:par>
-        <p:cTn id="1" dur="indefinite" restart="never" nodeType="tmRoot"/>
-      </p:par>
-    </p:tnLst>
-  </p:timing>
 </p:sld>
 </file>
 
@@ -6704,15 +6665,7 @@
           <a:p>
             <a:r>
               <a:rPr lang="es-AR" dirty="0"/>
-              <a:t>Selector de </a:t>
-            </a:r>
-            <a:r>
-              <a:rPr lang="es-AR" dirty="0" smtClean="0"/>
-              <a:t>etiqueta III</a:t>
-            </a:r>
-            <a:r>
-              <a:rPr lang="es-AR" dirty="0"/>
-              <a:t/>
+              <a:t>Selector de etiqueta III</a:t>
             </a:r>
             <a:br>
               <a:rPr lang="es-AR" dirty="0"/>
@@ -6791,13 +6744,6 @@
   <p:clrMapOvr>
     <a:masterClrMapping/>
   </p:clrMapOvr>
-  <p:timing>
-    <p:tnLst>
-      <p:par>
-        <p:cTn id="1" dur="indefinite" restart="never" nodeType="tmRoot"/>
-      </p:par>
-    </p:tnLst>
-  </p:timing>
 </p:sld>
 </file>
 
@@ -6834,10 +6780,9 @@
           <a:lstStyle/>
           <a:p>
             <a:r>
-              <a:rPr lang="es-AR" dirty="0" smtClean="0"/>
+              <a:rPr lang="es-AR" dirty="0"/>
               <a:t>Selector descendente</a:t>
             </a:r>
-            <a:endParaRPr lang="es-AR" dirty="0"/>
           </a:p>
         </p:txBody>
       </p:sp>
@@ -6868,52 +6813,23 @@
             </a:pPr>
             <a:r>
               <a:rPr lang="es-AR" dirty="0"/>
-              <a:t>Selecciona los elementos que se encuentran dentro de otros elementos. Un elemento es descendiente de otro cuando se encuentra entre las etiquetas de apertura y de cierre del otro elemento</a:t>
-            </a:r>
-            <a:r>
-              <a:rPr lang="es-AR" dirty="0" smtClean="0"/>
-              <a:t>.</a:t>
-            </a:r>
-            <a:endParaRPr lang="es-AR" dirty="0"/>
+              <a:t>Selecciona los elementos que se encuentran dentro de otros elementos. Un elemento es descendiente de otro cuando se encuentra entre las etiquetas de apertura y de cierre del otro elemento.</a:t>
+            </a:r>
           </a:p>
           <a:p>
             <a:pPr marL="0" indent="0" algn="just">
               <a:buNone/>
             </a:pPr>
             <a:r>
-              <a:rPr lang="es-AR" dirty="0" smtClean="0"/>
-              <a:t>El </a:t>
-            </a:r>
-            <a:r>
-              <a:rPr lang="es-AR" dirty="0"/>
-              <a:t>selector del siguiente ejemplo selecciona todos los elementos &lt;span&gt; de la página </a:t>
-            </a:r>
-            <a:r>
-              <a:rPr lang="es-AR" dirty="0" smtClean="0"/>
-              <a:t>        que </a:t>
-            </a:r>
-            <a:r>
-              <a:rPr lang="es-AR" dirty="0"/>
-              <a:t>se </a:t>
-            </a:r>
-            <a:r>
-              <a:rPr lang="es-AR" dirty="0" smtClean="0"/>
-              <a:t>encuentren </a:t>
-            </a:r>
-            <a:r>
-              <a:rPr lang="es-AR" dirty="0"/>
-              <a:t>dentro de un elemento &lt;p</a:t>
-            </a:r>
-            <a:r>
-              <a:rPr lang="es-AR" dirty="0" smtClean="0"/>
-              <a:t>&gt;:</a:t>
+              <a:rPr lang="es-AR" dirty="0"/>
+              <a:t>El selector del siguiente ejemplo selecciona todos los elementos &lt;span&gt; de la página         que se encuentren dentro de un elemento &lt;p&gt;:</a:t>
             </a:r>
           </a:p>
           <a:p>
             <a:pPr marL="0" indent="0" algn="just">
               <a:buNone/>
             </a:pPr>
-            <a:endParaRPr lang="es-AR" dirty="0" smtClean="0"/>
+            <a:endParaRPr lang="es-AR" dirty="0"/>
           </a:p>
           <a:p>
             <a:pPr marL="0" indent="0" algn="just">
@@ -6926,16 +6842,8 @@
               <a:buNone/>
             </a:pPr>
             <a:r>
-              <a:rPr lang="es-AR" dirty="0" smtClean="0"/>
-              <a:t>Al </a:t>
-            </a:r>
-            <a:r>
-              <a:rPr lang="es-AR" dirty="0"/>
-              <a:t>resto de elementos &lt;span&gt; de la página que no están dentro de un elemento &lt;p&gt;, no se les aplica la regla CSS anterior</a:t>
-            </a:r>
-            <a:r>
-              <a:rPr lang="es-AR" dirty="0" smtClean="0"/>
-              <a:t>.</a:t>
+              <a:rPr lang="es-AR" dirty="0"/>
+              <a:t>Al resto de elementos &lt;span&gt; de la página que no están dentro de un elemento &lt;p&gt;, no se les aplica la regla CSS anterior.</a:t>
             </a:r>
           </a:p>
           <a:p>
@@ -6995,13 +6903,6 @@
   <p:clrMapOvr>
     <a:masterClrMapping/>
   </p:clrMapOvr>
-  <p:timing>
-    <p:tnLst>
-      <p:par>
-        <p:cTn id="1" dur="indefinite" restart="never" nodeType="tmRoot"/>
-      </p:par>
-    </p:tnLst>
-  </p:timing>
 </p:sld>
 </file>
 
@@ -7038,10 +6939,9 @@
           <a:lstStyle/>
           <a:p>
             <a:r>
-              <a:rPr lang="es-AR" dirty="0" smtClean="0"/>
+              <a:rPr lang="es-AR" dirty="0"/>
               <a:t>Selector descendente II</a:t>
             </a:r>
-            <a:endParaRPr lang="es-AR" dirty="0"/>
           </a:p>
         </p:txBody>
       </p:sp>
@@ -7070,7 +6970,7 @@
             <a:pPr marL="0" indent="0">
               <a:buNone/>
             </a:pPr>
-            <a:endParaRPr lang="es-AR" dirty="0" smtClean="0"/>
+            <a:endParaRPr lang="es-AR" dirty="0"/>
           </a:p>
           <a:p>
             <a:pPr marL="0" indent="0">
@@ -7082,7 +6982,7 @@
             <a:pPr marL="0" indent="0">
               <a:buNone/>
             </a:pPr>
-            <a:endParaRPr lang="es-AR" dirty="0" smtClean="0"/>
+            <a:endParaRPr lang="es-AR" dirty="0"/>
           </a:p>
           <a:p>
             <a:pPr marL="0" indent="0">
@@ -7094,7 +6994,7 @@
             <a:pPr marL="0" indent="0">
               <a:buNone/>
             </a:pPr>
-            <a:endParaRPr lang="es-AR" dirty="0" smtClean="0"/>
+            <a:endParaRPr lang="es-AR" dirty="0"/>
           </a:p>
           <a:p>
             <a:pPr marL="0" indent="0">
@@ -7106,25 +7006,16 @@
             <a:pPr marL="0" indent="0">
               <a:buNone/>
             </a:pPr>
-            <a:endParaRPr lang="es-AR" dirty="0" smtClean="0"/>
+            <a:endParaRPr lang="es-AR" dirty="0"/>
           </a:p>
           <a:p>
             <a:pPr marL="0" indent="0" algn="just">
               <a:buNone/>
             </a:pPr>
             <a:r>
-              <a:rPr lang="es-AR" dirty="0" smtClean="0"/>
-              <a:t>El </a:t>
-            </a:r>
-            <a:r>
-              <a:rPr lang="es-AR" dirty="0"/>
-              <a:t>selector p span selecciona tanto texto1 como texto2. El motivo es que en el selector descendente, un elemento no tiene que ser descendiente directo del otro. La única condición es que un elemento debe estar dentro de otro elemento, sin importar el nivel de profundidad en el que se encuentre</a:t>
-            </a:r>
-            <a:r>
-              <a:rPr lang="es-AR" dirty="0" smtClean="0"/>
-              <a:t>.</a:t>
-            </a:r>
-            <a:endParaRPr lang="es-AR" dirty="0"/>
+              <a:rPr lang="es-AR" dirty="0"/>
+              <a:t>El selector p span selecciona tanto texto1 como texto2. El motivo es que en el selector descendente, un elemento no tiene que ser descendiente directo del otro. La única condición es que un elemento debe estar dentro de otro elemento, sin importar el nivel de profundidad en el que se encuentre.</a:t>
+            </a:r>
           </a:p>
         </p:txBody>
       </p:sp>
@@ -7168,13 +7059,6 @@
   <p:clrMapOvr>
     <a:masterClrMapping/>
   </p:clrMapOvr>
-  <p:timing>
-    <p:tnLst>
-      <p:par>
-        <p:cTn id="1" dur="indefinite" restart="never" nodeType="tmRoot"/>
-      </p:par>
-    </p:tnLst>
-  </p:timing>
 </p:sld>
 </file>
 
@@ -7216,10 +7100,9 @@
           <a:lstStyle/>
           <a:p>
             <a:r>
-              <a:rPr lang="es-AR" dirty="0" smtClean="0"/>
+              <a:rPr lang="es-AR" dirty="0"/>
               <a:t>Selector de clase</a:t>
             </a:r>
-            <a:endParaRPr lang="es-AR" dirty="0"/>
           </a:p>
         </p:txBody>
       </p:sp>
@@ -7246,7 +7129,7 @@
           <a:lstStyle/>
           <a:p>
             <a:r>
-              <a:rPr lang="es-AR" dirty="0" smtClean="0"/>
+              <a:rPr lang="es-AR" dirty="0"/>
               <a:t>Si se considera el siguiente código HTML de ejemplo:</a:t>
             </a:r>
           </a:p>
@@ -7254,42 +7137,33 @@
             <a:endParaRPr lang="es-AR" dirty="0"/>
           </a:p>
           <a:p>
-            <a:endParaRPr lang="es-AR" dirty="0" smtClean="0"/>
-          </a:p>
-          <a:p>
-            <a:endParaRPr lang="es-AR" dirty="0"/>
-          </a:p>
-          <a:p>
-            <a:endParaRPr lang="es-AR" dirty="0" smtClean="0"/>
-          </a:p>
-          <a:p>
-            <a:endParaRPr lang="es-AR" dirty="0" smtClean="0"/>
-          </a:p>
-          <a:p>
-            <a:endParaRPr lang="es-AR" dirty="0" smtClean="0"/>
+            <a:endParaRPr lang="es-AR" dirty="0"/>
+          </a:p>
+          <a:p>
+            <a:endParaRPr lang="es-AR" dirty="0"/>
+          </a:p>
+          <a:p>
+            <a:endParaRPr lang="es-AR" dirty="0"/>
+          </a:p>
+          <a:p>
+            <a:endParaRPr lang="es-AR" dirty="0"/>
+          </a:p>
+          <a:p>
+            <a:endParaRPr lang="es-AR" dirty="0"/>
           </a:p>
           <a:p>
             <a:pPr algn="just"/>
             <a:r>
-              <a:rPr lang="es-AR" dirty="0" smtClean="0"/>
-              <a:t>Cómo </a:t>
-            </a:r>
-            <a:r>
-              <a:rPr lang="es-AR" dirty="0"/>
-              <a:t>se pueden aplicar estilos CSS sólo al primer párrafo? El selector universal (*) no se puede utilizar porque selecciona todos los elementos de la página. El selector de tipo o etiqueta (p) tampoco se puede utilizar porque seleccionaría todos los párrafos. Por último, el selector descendente (body p) tampoco se puede utilizar porque todos los párrafos se encuentran en el mismo sitio.</a:t>
+              <a:rPr lang="es-AR" dirty="0"/>
+              <a:t>Cómo se pueden aplicar estilos CSS sólo al primer párrafo? El selector universal (*) no se puede utilizar porque selecciona todos los elementos de la página. El selector de tipo o etiqueta (p) tampoco se puede utilizar porque seleccionaría todos los párrafos. Por último, el selector descendente (body p) tampoco se puede utilizar porque todos los párrafos se encuentran en el mismo sitio.</a:t>
             </a:r>
           </a:p>
           <a:p>
             <a:pPr algn="just"/>
             <a:r>
               <a:rPr lang="es-AR" dirty="0"/>
-              <a:t>Una de las soluciones más sencillas para aplicar estilos a un solo elemento de la página consiste en utilizar el atributo class de HTML sobre ese elemento para indicar directamente la regla CSS que se le debe </a:t>
-            </a:r>
-            <a:r>
-              <a:rPr lang="es-AR" dirty="0" smtClean="0"/>
-              <a:t>aplicar</a:t>
-            </a:r>
-            <a:endParaRPr lang="es-AR" dirty="0"/>
+              <a:t>Una de las soluciones más sencillas para aplicar estilos a un solo elemento de la página consiste en utilizar el atributo class de HTML sobre ese elemento para indicar directamente la regla CSS que se le debe aplicar</a:t>
+            </a:r>
           </a:p>
           <a:p>
             <a:pPr algn="just"/>
@@ -7337,13 +7211,6 @@
   <p:clrMapOvr>
     <a:masterClrMapping/>
   </p:clrMapOvr>
-  <p:timing>
-    <p:tnLst>
-      <p:par>
-        <p:cTn id="1" dur="indefinite" restart="never" nodeType="tmRoot"/>
-      </p:par>
-    </p:tnLst>
-  </p:timing>
 </p:sld>
 </file>
 
@@ -7385,10 +7252,9 @@
           <a:lstStyle/>
           <a:p>
             <a:r>
-              <a:rPr lang="es-AR" dirty="0" smtClean="0"/>
+              <a:rPr lang="es-AR" dirty="0"/>
               <a:t>Selector de clase II</a:t>
             </a:r>
-            <a:endParaRPr lang="es-AR" dirty="0"/>
           </a:p>
         </p:txBody>
       </p:sp>
@@ -7417,7 +7283,7 @@
             <a:pPr marL="0" indent="0">
               <a:buNone/>
             </a:pPr>
-            <a:endParaRPr lang="es-AR" dirty="0" smtClean="0"/>
+            <a:endParaRPr lang="es-AR" dirty="0"/>
           </a:p>
           <a:p>
             <a:pPr marL="0" indent="0">
@@ -7429,36 +7295,28 @@
             <a:pPr marL="0" indent="0">
               <a:buNone/>
             </a:pPr>
-            <a:endParaRPr lang="es-AR" dirty="0" smtClean="0"/>
+            <a:endParaRPr lang="es-AR" dirty="0"/>
           </a:p>
           <a:p>
             <a:pPr marL="0" indent="0">
               <a:buNone/>
             </a:pPr>
-            <a:endParaRPr lang="es-AR" dirty="0" smtClean="0"/>
+            <a:endParaRPr lang="es-AR" dirty="0"/>
           </a:p>
           <a:p>
             <a:pPr marL="0" indent="0">
               <a:buNone/>
             </a:pPr>
             <a:r>
-              <a:rPr lang="es-AR" dirty="0" smtClean="0"/>
-              <a:t>A </a:t>
-            </a:r>
-            <a:r>
-              <a:rPr lang="es-AR" dirty="0"/>
-              <a:t>continuación, se crea en el archivo CSS una nueva regla llamada destacado con todos los estilos que se van a aplicar al elemento. Para que el navegador no confunda este selector con los otros tipos de selectores, se prefija el valor del atributo class con un punto (.) tal y como muestra el siguiente ejemplo</a:t>
-            </a:r>
-            <a:r>
-              <a:rPr lang="es-AR" dirty="0" smtClean="0"/>
-              <a:t>:</a:t>
+              <a:rPr lang="es-AR" dirty="0"/>
+              <a:t>A continuación, se crea en el archivo CSS una nueva regla llamada destacado con todos los estilos que se van a aplicar al elemento. Para que el navegador no confunda este selector con los otros tipos de selectores, se prefija el valor del atributo class con un punto (.) tal y como muestra el siguiente ejemplo:</a:t>
             </a:r>
           </a:p>
           <a:p>
             <a:pPr marL="0" indent="0">
               <a:buNone/>
             </a:pPr>
-            <a:endParaRPr lang="es-AR" dirty="0" smtClean="0"/>
+            <a:endParaRPr lang="es-AR" dirty="0"/>
           </a:p>
           <a:p>
             <a:pPr marL="0" indent="0">
@@ -7470,7 +7328,7 @@
             <a:pPr marL="0" indent="0">
               <a:buNone/>
             </a:pPr>
-            <a:endParaRPr lang="es-AR" dirty="0" smtClean="0"/>
+            <a:endParaRPr lang="es-AR" dirty="0"/>
           </a:p>
           <a:p>
             <a:pPr marL="0" indent="0">
@@ -7483,12 +7341,8 @@
               <a:buNone/>
             </a:pPr>
             <a:r>
-              <a:rPr lang="es-AR" dirty="0" smtClean="0"/>
-              <a:t>El </a:t>
-            </a:r>
-            <a:r>
-              <a:rPr lang="es-AR" dirty="0"/>
-              <a:t>selector .destacado se interpreta como "cualquier elemento de la página cuyo atributo class sea igual a destacado", por lo que solamente el primer párrafo cumple esa condición.</a:t>
+              <a:rPr lang="es-AR" dirty="0"/>
+              <a:t>El selector .destacado se interpreta como "cualquier elemento de la página cuyo atributo class sea igual a destacado", por lo que solamente el primer párrafo cumple esa condición.</a:t>
             </a:r>
           </a:p>
         </p:txBody>
@@ -7563,13 +7417,6 @@
   <p:clrMapOvr>
     <a:masterClrMapping/>
   </p:clrMapOvr>
-  <p:timing>
-    <p:tnLst>
-      <p:par>
-        <p:cTn id="1" dur="indefinite" restart="never" nodeType="tmRoot"/>
-      </p:par>
-    </p:tnLst>
-  </p:timing>
 </p:sld>
 </file>
 
@@ -7611,10 +7458,9 @@
           <a:lstStyle/>
           <a:p>
             <a:r>
-              <a:rPr lang="es-AR" dirty="0" smtClean="0"/>
+              <a:rPr lang="es-AR" dirty="0"/>
               <a:t>Selector de clase III</a:t>
             </a:r>
-            <a:endParaRPr lang="es-AR" dirty="0"/>
           </a:p>
         </p:txBody>
       </p:sp>
@@ -7640,68 +7486,36 @@
           </a:bodyPr>
           <a:lstStyle/>
           <a:p>
-            <a:endParaRPr lang="es-AR" dirty="0" smtClean="0"/>
-          </a:p>
-          <a:p>
-            <a:endParaRPr lang="es-AR" dirty="0"/>
-          </a:p>
-          <a:p>
-            <a:endParaRPr lang="es-AR" dirty="0" smtClean="0"/>
-          </a:p>
-          <a:p>
-            <a:endParaRPr lang="es-AR" dirty="0"/>
-          </a:p>
-          <a:p>
-            <a:endParaRPr lang="es-AR" dirty="0" smtClean="0"/>
-          </a:p>
-          <a:p>
-            <a:r>
-              <a:rPr lang="es-AR" dirty="0" smtClean="0"/>
-              <a:t>Cómo </a:t>
-            </a:r>
-            <a:r>
-              <a:rPr lang="es-AR" dirty="0"/>
-              <a:t>es posible aplicar estilos solamente al párrafo cuyo atributo class sea igual a destacado? Combinando el selector de </a:t>
-            </a:r>
-            <a:r>
-              <a:rPr lang="es-AR" dirty="0" smtClean="0"/>
-              <a:t>etiqueta </a:t>
-            </a:r>
-            <a:r>
-              <a:rPr lang="es-AR" dirty="0"/>
-              <a:t>y el selector de clase, se obtiene un selector mucho más específico:</a:t>
-            </a:r>
-          </a:p>
-          <a:p>
-            <a:endParaRPr lang="es-AR" dirty="0" smtClean="0"/>
-          </a:p>
-          <a:p>
-            <a:endParaRPr lang="es-AR" dirty="0"/>
-          </a:p>
-          <a:p>
-            <a:r>
-              <a:rPr lang="es-AR" dirty="0" smtClean="0"/>
-              <a:t>El </a:t>
-            </a:r>
-            <a:r>
-              <a:rPr lang="es-AR" dirty="0"/>
-              <a:t>selector p.destacado se interpreta como "aquellos elementos de </a:t>
-            </a:r>
-            <a:r>
-              <a:rPr lang="es-AR" dirty="0" smtClean="0"/>
-              <a:t>tipo </a:t>
-            </a:r>
-            <a:r>
-              <a:rPr lang="es-AR" dirty="0"/>
-              <a:t>&lt;p&gt; que dispongan de un atributo class con valor destacado". De la misma forma, el selector </a:t>
-            </a:r>
-            <a:r>
-              <a:rPr lang="es-AR" dirty="0" smtClean="0"/>
-              <a:t>a. destacado </a:t>
-            </a:r>
-            <a:r>
-              <a:rPr lang="es-AR" dirty="0"/>
-              <a:t>solamente selecciona los enlaces cuyo atributo class sea igual a destacado.</a:t>
+            <a:endParaRPr lang="es-AR" dirty="0"/>
+          </a:p>
+          <a:p>
+            <a:endParaRPr lang="es-AR" dirty="0"/>
+          </a:p>
+          <a:p>
+            <a:endParaRPr lang="es-AR" dirty="0"/>
+          </a:p>
+          <a:p>
+            <a:endParaRPr lang="es-AR" dirty="0"/>
+          </a:p>
+          <a:p>
+            <a:endParaRPr lang="es-AR" dirty="0"/>
+          </a:p>
+          <a:p>
+            <a:r>
+              <a:rPr lang="es-AR" dirty="0"/>
+              <a:t>Cómo es posible aplicar estilos solamente al párrafo cuyo atributo class sea igual a destacado? Combinando el selector de etiqueta y el selector de clase, se obtiene un selector mucho más específico:</a:t>
+            </a:r>
+          </a:p>
+          <a:p>
+            <a:endParaRPr lang="es-AR" dirty="0"/>
+          </a:p>
+          <a:p>
+            <a:endParaRPr lang="es-AR" dirty="0"/>
+          </a:p>
+          <a:p>
+            <a:r>
+              <a:rPr lang="es-AR" dirty="0"/>
+              <a:t>El selector p.destacado se interpreta como "aquellos elementos de tipo &lt;p&gt; que dispongan de un atributo class con valor destacado". De la misma forma, el selector a. destacado solamente selecciona los enlaces cuyo atributo class sea igual a destacado.</a:t>
             </a:r>
           </a:p>
         </p:txBody>
@@ -7776,13 +7590,6 @@
   <p:clrMapOvr>
     <a:masterClrMapping/>
   </p:clrMapOvr>
-  <p:timing>
-    <p:tnLst>
-      <p:par>
-        <p:cTn id="1" dur="indefinite" restart="never" nodeType="tmRoot"/>
-      </p:par>
-    </p:tnLst>
-  </p:timing>
 </p:sld>
 </file>
 
@@ -7819,10 +7626,9 @@
           <a:lstStyle/>
           <a:p>
             <a:r>
-              <a:rPr lang="es-AR" dirty="0" smtClean="0"/>
+              <a:rPr lang="es-AR" dirty="0"/>
               <a:t>CSS</a:t>
             </a:r>
-            <a:endParaRPr lang="es-AR" dirty="0"/>
           </a:p>
         </p:txBody>
       </p:sp>
@@ -7889,13 +7695,6 @@
   <p:clrMapOvr>
     <a:masterClrMapping/>
   </p:clrMapOvr>
-  <p:timing>
-    <p:tnLst>
-      <p:par>
-        <p:cTn id="1" dur="indefinite" restart="never" nodeType="tmRoot"/>
-      </p:par>
-    </p:tnLst>
-  </p:timing>
 </p:sld>
 </file>
 
@@ -7932,10 +7731,9 @@
           <a:lstStyle/>
           <a:p>
             <a:r>
-              <a:rPr lang="es-AR" dirty="0" smtClean="0"/>
+              <a:rPr lang="es-AR" dirty="0"/>
               <a:t>Selector de Id</a:t>
             </a:r>
-            <a:endParaRPr lang="es-AR" dirty="0"/>
           </a:p>
         </p:txBody>
       </p:sp>
@@ -7962,58 +7760,37 @@
             <a:pPr algn="just"/>
             <a:r>
               <a:rPr lang="es-AR" dirty="0"/>
-              <a:t>El selector de ID permite seleccionar un elemento de la página a través del valor de su atributo </a:t>
-            </a:r>
-            <a:r>
-              <a:rPr lang="es-AR" dirty="0" smtClean="0"/>
-              <a:t>id.</a:t>
+              <a:t>El selector de ID permite seleccionar un elemento de la página a través del valor de su atributo id.</a:t>
             </a:r>
           </a:p>
           <a:p>
             <a:pPr algn="just"/>
             <a:r>
               <a:rPr lang="es-AR" dirty="0"/>
-              <a:t>La sintaxis de los selectores de ID es muy parecida a la de los selectores de clase, salvo que se utiliza el </a:t>
-            </a:r>
-            <a:r>
-              <a:rPr lang="es-AR" dirty="0" smtClean="0"/>
-              <a:t>símbolo numeral </a:t>
-            </a:r>
-            <a:r>
-              <a:rPr lang="es-AR" dirty="0"/>
-              <a:t>(#) en vez del punto (.) como prefijo del nombre de la regla CSS: </a:t>
-            </a:r>
-            <a:endParaRPr lang="es-AR" dirty="0" smtClean="0"/>
-          </a:p>
-          <a:p>
-            <a:endParaRPr lang="es-AR" dirty="0"/>
-          </a:p>
-          <a:p>
-            <a:endParaRPr lang="es-AR" dirty="0" smtClean="0"/>
-          </a:p>
-          <a:p>
-            <a:endParaRPr lang="es-AR" dirty="0"/>
-          </a:p>
-          <a:p>
-            <a:endParaRPr lang="es-AR" dirty="0" smtClean="0"/>
+              <a:t>La sintaxis de los selectores de ID es muy parecida a la de los selectores de clase, salvo que se utiliza el símbolo numeral (#) en vez del punto (.) como prefijo del nombre de la regla CSS: </a:t>
+            </a:r>
+          </a:p>
+          <a:p>
+            <a:endParaRPr lang="es-AR" dirty="0"/>
+          </a:p>
+          <a:p>
+            <a:endParaRPr lang="es-AR" dirty="0"/>
+          </a:p>
+          <a:p>
+            <a:endParaRPr lang="es-AR" dirty="0"/>
+          </a:p>
+          <a:p>
+            <a:endParaRPr lang="es-AR" dirty="0"/>
           </a:p>
           <a:p>
             <a:pPr algn="just"/>
             <a:r>
               <a:rPr lang="es-AR" dirty="0"/>
-              <a:t>L</a:t>
-            </a:r>
-            <a:r>
-              <a:rPr lang="es-AR" dirty="0" smtClean="0"/>
-              <a:t>a </a:t>
-            </a:r>
-            <a:r>
-              <a:rPr lang="es-AR" dirty="0"/>
-              <a:t>recomendación general es la de utilizar el selector de ID cuando se quiere aplicar un estilo a un solo elemento específico de la página y utilizar el selector de clase cuando se quiere aplicar un estilo a varios elementos diferentes de la página HTML.</a:t>
-            </a:r>
-          </a:p>
-          <a:p>
-            <a:endParaRPr lang="es-AR" dirty="0" smtClean="0"/>
+              <a:t>La recomendación general es la de utilizar el selector de ID cuando se quiere aplicar un estilo a un solo elemento específico de la página y utilizar el selector de clase cuando se quiere aplicar un estilo a varios elementos diferentes de la página HTML.</a:t>
+            </a:r>
+          </a:p>
+          <a:p>
+            <a:endParaRPr lang="es-AR" dirty="0"/>
           </a:p>
           <a:p>
             <a:endParaRPr lang="es-AR" dirty="0"/>
@@ -8060,13 +7837,6 @@
   <p:clrMapOvr>
     <a:masterClrMapping/>
   </p:clrMapOvr>
-  <p:timing>
-    <p:tnLst>
-      <p:par>
-        <p:cTn id="1" dur="indefinite" restart="never" nodeType="tmRoot"/>
-      </p:par>
-    </p:tnLst>
-  </p:timing>
 </p:sld>
 </file>
 
@@ -8103,10 +7873,9 @@
           <a:lstStyle/>
           <a:p>
             <a:r>
-              <a:rPr lang="es-AR" dirty="0" smtClean="0"/>
+              <a:rPr lang="es-AR" dirty="0"/>
               <a:t>Combinación de selectores básicos</a:t>
             </a:r>
-            <a:endParaRPr lang="es-AR" dirty="0"/>
           </a:p>
         </p:txBody>
       </p:sp>
@@ -8135,16 +7904,11 @@
             <a:pPr algn="just"/>
             <a:r>
               <a:rPr lang="es-AR" dirty="0"/>
-              <a:t>CSS permite la combinación de uno o más tipos de selectores para restringir el alcance de las reglas CSS. A continuación se muestran algunos ejemplos habituales de combinación de selectores</a:t>
-            </a:r>
-            <a:r>
-              <a:rPr lang="es-AR" dirty="0" smtClean="0"/>
-              <a:t>.</a:t>
-            </a:r>
-            <a:endParaRPr lang="es-AR" dirty="0"/>
-          </a:p>
-          <a:p>
-            <a:endParaRPr lang="es-AR" dirty="0" smtClean="0"/>
+              <a:t>CSS permite la combinación de uno o más tipos de selectores para restringir el alcance de las reglas CSS. A continuación se muestran algunos ejemplos habituales de combinación de selectores.</a:t>
+            </a:r>
+          </a:p>
+          <a:p>
+            <a:endParaRPr lang="es-AR" dirty="0"/>
           </a:p>
           <a:p>
             <a:endParaRPr lang="es-AR" dirty="0"/>
@@ -8152,42 +7916,26 @@
           <a:p>
             <a:pPr algn="just"/>
             <a:r>
-              <a:rPr lang="es-AR" dirty="0" smtClean="0"/>
-              <a:t>El </a:t>
-            </a:r>
-            <a:r>
-              <a:rPr lang="es-AR" dirty="0"/>
-              <a:t>anterior selector solamente selecciona aquellos elementos con un class="especial" que se encuentren dentro de cualquier elemento con un class="aviso</a:t>
-            </a:r>
-            <a:r>
-              <a:rPr lang="es-AR" dirty="0" smtClean="0"/>
-              <a:t>". </a:t>
+              <a:rPr lang="es-AR" dirty="0"/>
+              <a:t>El anterior selector solamente selecciona aquellos elementos con un class="especial" que se encuentren dentro de cualquier elemento con un class="aviso". </a:t>
             </a:r>
           </a:p>
           <a:p>
             <a:pPr algn="just"/>
             <a:r>
-              <a:rPr lang="es-AR" dirty="0" smtClean="0"/>
-              <a:t>Si </a:t>
-            </a:r>
-            <a:r>
-              <a:rPr lang="es-AR" dirty="0"/>
-              <a:t>se modifica el anterior selector</a:t>
-            </a:r>
-            <a:r>
-              <a:rPr lang="es-AR" dirty="0" smtClean="0"/>
-              <a:t>:</a:t>
+              <a:rPr lang="es-AR" dirty="0"/>
+              <a:t>Si se modifica el anterior selector:</a:t>
             </a:r>
           </a:p>
           <a:p>
             <a:pPr algn="just"/>
-            <a:endParaRPr lang="es-AR" dirty="0" smtClean="0"/>
-          </a:p>
-          <a:p>
-            <a:endParaRPr lang="es-AR" dirty="0" smtClean="0"/>
-          </a:p>
-          <a:p>
-            <a:endParaRPr lang="es-AR" dirty="0" smtClean="0"/>
+            <a:endParaRPr lang="es-AR" dirty="0"/>
+          </a:p>
+          <a:p>
+            <a:endParaRPr lang="es-AR" dirty="0"/>
+          </a:p>
+          <a:p>
+            <a:endParaRPr lang="es-AR" dirty="0"/>
           </a:p>
           <a:p>
             <a:pPr algn="just"/>
@@ -8272,13 +8020,6 @@
   <p:clrMapOvr>
     <a:masterClrMapping/>
   </p:clrMapOvr>
-  <p:timing>
-    <p:tnLst>
-      <p:par>
-        <p:cTn id="1" dur="indefinite" restart="never" nodeType="tmRoot"/>
-      </p:par>
-    </p:tnLst>
-  </p:timing>
 </p:sld>
 </file>
 
@@ -8316,13 +8057,8 @@
           <a:p>
             <a:r>
               <a:rPr lang="es-AR" dirty="0"/>
-              <a:t>Combinación de selectores </a:t>
-            </a:r>
-            <a:r>
-              <a:rPr lang="es-AR" dirty="0" smtClean="0"/>
-              <a:t>básicos II</a:t>
-            </a:r>
-            <a:endParaRPr lang="es-AR" dirty="0"/>
+              <a:t>Combinación de selectores básicos II</a:t>
+            </a:r>
           </a:p>
         </p:txBody>
       </p:sp>
@@ -8343,33 +8079,25 @@
           <a:p>
             <a:r>
               <a:rPr lang="es-AR" dirty="0"/>
-              <a:t>La combinación de selectores puede llegar a ser todo lo compleja que sea necesario</a:t>
-            </a:r>
-            <a:r>
-              <a:rPr lang="es-AR" dirty="0" smtClean="0"/>
-              <a:t>:</a:t>
-            </a:r>
-          </a:p>
-          <a:p>
-            <a:endParaRPr lang="es-AR" dirty="0"/>
-          </a:p>
-          <a:p>
-            <a:endParaRPr lang="es-AR" dirty="0" smtClean="0"/>
-          </a:p>
-          <a:p>
-            <a:endParaRPr lang="es-AR" dirty="0"/>
-          </a:p>
-          <a:p>
-            <a:endParaRPr lang="es-AR" dirty="0"/>
-          </a:p>
-          <a:p>
-            <a:r>
-              <a:rPr lang="es-AR" dirty="0" smtClean="0"/>
-              <a:t>El </a:t>
-            </a:r>
-            <a:r>
-              <a:rPr lang="es-AR" dirty="0"/>
-              <a:t>anterior selector hace referencia al enlace con un atributo id igual a inicio que se encuentra dentro de un elemento de tipo &lt;li&gt; con un atributo class igual a destacado, que forma parte de una lista &lt;ul&gt; con un atributo id igual a menuPrincipal.</a:t>
+              <a:t>La combinación de selectores puede llegar a ser todo lo compleja que sea necesario:</a:t>
+            </a:r>
+          </a:p>
+          <a:p>
+            <a:endParaRPr lang="es-AR" dirty="0"/>
+          </a:p>
+          <a:p>
+            <a:endParaRPr lang="es-AR" dirty="0"/>
+          </a:p>
+          <a:p>
+            <a:endParaRPr lang="es-AR" dirty="0"/>
+          </a:p>
+          <a:p>
+            <a:endParaRPr lang="es-AR" dirty="0"/>
+          </a:p>
+          <a:p>
+            <a:r>
+              <a:rPr lang="es-AR" dirty="0"/>
+              <a:t>El anterior selector hace referencia al enlace con un atributo id igual a inicio que se encuentra dentro de un elemento de tipo &lt;li&gt; con un atributo class igual a destacado, que forma parte de una lista &lt;ul&gt; con un atributo id igual a menuPrincipal.</a:t>
             </a:r>
           </a:p>
         </p:txBody>
@@ -8414,13 +8142,6 @@
   <p:clrMapOvr>
     <a:masterClrMapping/>
   </p:clrMapOvr>
-  <p:timing>
-    <p:tnLst>
-      <p:par>
-        <p:cTn id="1" dur="indefinite" restart="never" nodeType="tmRoot"/>
-      </p:par>
-    </p:tnLst>
-  </p:timing>
 </p:sld>
 </file>
 
@@ -8457,10 +8178,9 @@
           <a:lstStyle/>
           <a:p>
             <a:r>
-              <a:rPr lang="es-AR" dirty="0" smtClean="0"/>
+              <a:rPr lang="es-AR" dirty="0"/>
               <a:t>Selectores avanzados</a:t>
             </a:r>
-            <a:endParaRPr lang="es-AR" dirty="0"/>
           </a:p>
         </p:txBody>
       </p:sp>
@@ -8474,13 +8194,6 @@
   <p:clrMapOvr>
     <a:masterClrMapping/>
   </p:clrMapOvr>
-  <p:timing>
-    <p:tnLst>
-      <p:par>
-        <p:cTn id="1" dur="indefinite" restart="never" nodeType="tmRoot"/>
-      </p:par>
-    </p:tnLst>
-  </p:timing>
 </p:sld>
 </file>
 
@@ -8522,10 +8235,9 @@
           <a:lstStyle/>
           <a:p>
             <a:r>
-              <a:rPr lang="es-AR" dirty="0" smtClean="0"/>
+              <a:rPr lang="es-AR" dirty="0"/>
               <a:t>Selector de hijos</a:t>
             </a:r>
-            <a:endParaRPr lang="es-AR" dirty="0"/>
           </a:p>
         </p:txBody>
       </p:sp>
@@ -8553,24 +8265,20 @@
           <a:p>
             <a:r>
               <a:rPr lang="es-AR" dirty="0"/>
-              <a:t>Se trata de un selector similar al selector descendente, pero muy diferente en su funcionamiento. Se utiliza para seleccionar un elemento que es hijo directo de otro elemento y se indica mediante el "signo de mayor que" </a:t>
-            </a:r>
-            <a:r>
-              <a:rPr lang="es-AR" dirty="0" smtClean="0"/>
-              <a:t>(&gt;):</a:t>
-            </a:r>
-          </a:p>
-          <a:p>
-            <a:endParaRPr lang="es-AR" dirty="0"/>
-          </a:p>
-          <a:p>
-            <a:endParaRPr lang="es-AR" dirty="0" smtClean="0"/>
-          </a:p>
-          <a:p>
-            <a:endParaRPr lang="es-AR" dirty="0"/>
-          </a:p>
-          <a:p>
-            <a:endParaRPr lang="es-AR" dirty="0" smtClean="0"/>
+              <a:t>Se trata de un selector similar al selector descendente, pero muy diferente en su funcionamiento. Se utiliza para seleccionar un elemento que es hijo directo de otro elemento y se indica mediante el "signo de mayor que" (&gt;):</a:t>
+            </a:r>
+          </a:p>
+          <a:p>
+            <a:endParaRPr lang="es-AR" dirty="0"/>
+          </a:p>
+          <a:p>
+            <a:endParaRPr lang="es-AR" dirty="0"/>
+          </a:p>
+          <a:p>
+            <a:endParaRPr lang="es-AR" dirty="0"/>
+          </a:p>
+          <a:p>
+            <a:endParaRPr lang="es-AR" dirty="0"/>
           </a:p>
           <a:p>
             <a:pPr algn="just"/>
@@ -8621,13 +8329,6 @@
   <p:clrMapOvr>
     <a:masterClrMapping/>
   </p:clrMapOvr>
-  <p:timing>
-    <p:tnLst>
-      <p:par>
-        <p:cTn id="1" dur="indefinite" restart="never" nodeType="tmRoot"/>
-      </p:par>
-    </p:tnLst>
-  </p:timing>
 </p:sld>
 </file>
 
@@ -8664,10 +8365,9 @@
           <a:lstStyle/>
           <a:p>
             <a:r>
-              <a:rPr lang="es-AR" dirty="0" smtClean="0"/>
+              <a:rPr lang="es-AR" dirty="0"/>
               <a:t>Selector de hijos II</a:t>
             </a:r>
-            <a:endParaRPr lang="es-AR" dirty="0"/>
           </a:p>
         </p:txBody>
       </p:sp>
@@ -8693,27 +8393,23 @@
           <a:p>
             <a:r>
               <a:rPr lang="es-AR" dirty="0"/>
-              <a:t>El siguiente ejemplo muestra las diferencias entre el selector descendente y el selector de hijos</a:t>
-            </a:r>
-            <a:r>
-              <a:rPr lang="es-AR" dirty="0" smtClean="0"/>
-              <a:t>:</a:t>
-            </a:r>
-          </a:p>
-          <a:p>
-            <a:endParaRPr lang="es-AR" dirty="0"/>
-          </a:p>
-          <a:p>
-            <a:endParaRPr lang="es-AR" dirty="0" smtClean="0"/>
-          </a:p>
-          <a:p>
-            <a:endParaRPr lang="es-AR" dirty="0" smtClean="0"/>
-          </a:p>
-          <a:p>
-            <a:endParaRPr lang="es-AR" dirty="0"/>
-          </a:p>
-          <a:p>
-            <a:endParaRPr lang="es-AR" dirty="0" smtClean="0"/>
+              <a:t>El siguiente ejemplo muestra las diferencias entre el selector descendente y el selector de hijos:</a:t>
+            </a:r>
+          </a:p>
+          <a:p>
+            <a:endParaRPr lang="es-AR" dirty="0"/>
+          </a:p>
+          <a:p>
+            <a:endParaRPr lang="es-AR" dirty="0"/>
+          </a:p>
+          <a:p>
+            <a:endParaRPr lang="es-AR" dirty="0"/>
+          </a:p>
+          <a:p>
+            <a:endParaRPr lang="es-AR" dirty="0"/>
+          </a:p>
+          <a:p>
+            <a:endParaRPr lang="es-AR" dirty="0"/>
           </a:p>
           <a:p>
             <a:r>
@@ -8772,13 +8468,6 @@
   <p:clrMapOvr>
     <a:masterClrMapping/>
   </p:clrMapOvr>
-  <p:timing>
-    <p:tnLst>
-      <p:par>
-        <p:cTn id="1" dur="indefinite" restart="never" nodeType="tmRoot"/>
-      </p:par>
-    </p:tnLst>
-  </p:timing>
 </p:sld>
 </file>
 
@@ -8820,10 +8509,9 @@
           <a:lstStyle/>
           <a:p>
             <a:r>
-              <a:rPr lang="es-AR" dirty="0" smtClean="0"/>
+              <a:rPr lang="es-AR" dirty="0"/>
               <a:t>Unidades de medida</a:t>
             </a:r>
-            <a:endParaRPr lang="es-AR" dirty="0"/>
           </a:p>
         </p:txBody>
       </p:sp>
@@ -8887,13 +8575,6 @@
   <p:clrMapOvr>
     <a:masterClrMapping/>
   </p:clrMapOvr>
-  <p:timing>
-    <p:tnLst>
-      <p:par>
-        <p:cTn id="1" dur="indefinite" restart="never" nodeType="tmRoot"/>
-      </p:par>
-    </p:tnLst>
-  </p:timing>
 </p:sld>
 </file>
 
@@ -8935,10 +8616,9 @@
           <a:lstStyle/>
           <a:p>
             <a:r>
-              <a:rPr lang="es-AR" dirty="0" smtClean="0"/>
+              <a:rPr lang="es-AR" dirty="0"/>
               <a:t>Unidades absolutas</a:t>
             </a:r>
-            <a:endParaRPr lang="es-AR" dirty="0"/>
           </a:p>
         </p:txBody>
       </p:sp>
@@ -8969,11 +8649,7 @@
             </a:pPr>
             <a:r>
               <a:rPr lang="es-AR" dirty="0"/>
-              <a:t>Una medida indicada mediante unidades absolutas está completamente definida, ya que su valor no depende de otro valor de referencia. A continuación se muestra la lista completa de unidades absolutas definidas por CSS y su significado</a:t>
-            </a:r>
-            <a:r>
-              <a:rPr lang="es-AR" dirty="0" smtClean="0"/>
-              <a:t>:</a:t>
+              <a:t>Una medida indicada mediante unidades absolutas está completamente definida, ya que su valor no depende de otro valor de referencia. A continuación se muestra la lista completa de unidades absolutas definidas por CSS y su significado:</a:t>
             </a:r>
           </a:p>
           <a:p>
@@ -9009,15 +8685,11 @@
           <a:p>
             <a:r>
               <a:rPr lang="es-AR" dirty="0"/>
-              <a:t>pc, picas. Una pica equivale a 12 puntos, es decir, unos 4.23 milímetros</a:t>
-            </a:r>
-            <a:r>
-              <a:rPr lang="es-AR" dirty="0" smtClean="0"/>
-              <a:t>.</a:t>
-            </a:r>
-          </a:p>
-          <a:p>
-            <a:endParaRPr lang="es-AR" dirty="0" smtClean="0"/>
+              <a:t>pc, picas. Una pica equivale a 12 puntos, es decir, unos 4.23 milímetros.</a:t>
+            </a:r>
+          </a:p>
+          <a:p>
+            <a:endParaRPr lang="es-AR" dirty="0"/>
           </a:p>
           <a:p>
             <a:pPr marL="0" indent="0">
@@ -9040,13 +8712,6 @@
   <p:clrMapOvr>
     <a:masterClrMapping/>
   </p:clrMapOvr>
-  <p:timing>
-    <p:tnLst>
-      <p:par>
-        <p:cTn id="1" dur="indefinite" restart="never" nodeType="tmRoot"/>
-      </p:par>
-    </p:tnLst>
-  </p:timing>
 </p:sld>
 </file>
 
@@ -9088,10 +8753,9 @@
           <a:lstStyle/>
           <a:p>
             <a:r>
-              <a:rPr lang="es-AR" dirty="0" smtClean="0"/>
+              <a:rPr lang="es-AR" dirty="0"/>
               <a:t>Unidades relativas</a:t>
             </a:r>
-            <a:endParaRPr lang="es-AR" dirty="0"/>
           </a:p>
         </p:txBody>
       </p:sp>
@@ -9130,12 +8794,8 @@
               <a:buNone/>
             </a:pPr>
             <a:r>
-              <a:rPr lang="es-AR" dirty="0" smtClean="0"/>
-              <a:t>A </a:t>
-            </a:r>
-            <a:r>
-              <a:rPr lang="es-AR" dirty="0"/>
-              <a:t>continuación se muestran las tres unidades de medida relativas definidas por CSS y la referencia que toma cada una para determinar su valor real:</a:t>
+              <a:rPr lang="es-AR" dirty="0"/>
+              <a:t>A continuación se muestran las tres unidades de medida relativas definidas por CSS y la referencia que toma cada una para determinar su valor real:</a:t>
             </a:r>
           </a:p>
           <a:p>
@@ -9177,12 +8837,8 @@
               <a:buNone/>
             </a:pPr>
             <a:r>
-              <a:rPr lang="es-AR" b="1" dirty="0" smtClean="0"/>
-              <a:t>La </a:t>
-            </a:r>
-            <a:r>
               <a:rPr lang="es-AR" b="1" dirty="0"/>
-              <a:t>unidad em hace referencia al tamaño en puntos de la letra que se está utilizando. Si se utiliza una tipografía de 12 puntos, 1em equivale a 12 puntos. El valor de 1ex se puede aproximar por 0.5 em.</a:t>
+              <a:t>La unidad em hace referencia al tamaño en puntos de la letra que se está utilizando. Si se utiliza una tipografía de 12 puntos, 1em equivale a 12 puntos. El valor de 1ex se puede aproximar por 0.5 em.</a:t>
             </a:r>
           </a:p>
         </p:txBody>
@@ -9197,13 +8853,6 @@
   <p:clrMapOvr>
     <a:masterClrMapping/>
   </p:clrMapOvr>
-  <p:timing>
-    <p:tnLst>
-      <p:par>
-        <p:cTn id="1" dur="indefinite" restart="never" nodeType="tmRoot"/>
-      </p:par>
-    </p:tnLst>
-  </p:timing>
 </p:sld>
 </file>
 
@@ -9245,10 +8894,9 @@
           <a:lstStyle/>
           <a:p>
             <a:r>
-              <a:rPr lang="es-AR" dirty="0" smtClean="0"/>
+              <a:rPr lang="es-AR" dirty="0"/>
               <a:t>Unidades relativas II</a:t>
             </a:r>
-            <a:endParaRPr lang="es-AR" dirty="0"/>
           </a:p>
         </p:txBody>
       </p:sp>
@@ -9325,13 +8973,6 @@
   <p:clrMapOvr>
     <a:masterClrMapping/>
   </p:clrMapOvr>
-  <p:timing>
-    <p:tnLst>
-      <p:par>
-        <p:cTn id="1" dur="indefinite" restart="never" nodeType="tmRoot"/>
-      </p:par>
-    </p:tnLst>
-  </p:timing>
 </p:sld>
 </file>
 
@@ -9369,13 +9010,8 @@
           <a:p>
             <a:r>
               <a:rPr lang="es-AR" dirty="0"/>
-              <a:t>Definición de estilos a nivel de </a:t>
-            </a:r>
-            <a:r>
-              <a:rPr lang="es-AR" dirty="0" smtClean="0"/>
-              <a:t>elemento</a:t>
-            </a:r>
-            <a:endParaRPr lang="es-AR" dirty="0"/>
+              <a:t>Definición de estilos a nivel de elemento</a:t>
+            </a:r>
           </a:p>
         </p:txBody>
       </p:sp>
@@ -9402,20 +9038,8 @@
           <a:lstStyle/>
           <a:p>
             <a:r>
-              <a:rPr lang="es-AR" dirty="0" smtClean="0"/>
-              <a:t>Es </a:t>
-            </a:r>
-            <a:r>
-              <a:rPr lang="es-AR" dirty="0"/>
-              <a:t>la forma más fácil pero menos recomendada para aplicación de un estilo a un elemento HTML. Se define en la propiedad style los </a:t>
-            </a:r>
-            <a:r>
-              <a:rPr lang="es-AR" dirty="0" smtClean="0"/>
-              <a:t>estilos </a:t>
-            </a:r>
-            <a:r>
-              <a:rPr lang="es-AR" dirty="0"/>
-              <a:t>para dicho elemento.</a:t>
+              <a:rPr lang="es-AR" dirty="0"/>
+              <a:t>Es la forma más fácil pero menos recomendada para aplicación de un estilo a un elemento HTML. Se define en la propiedad style los estilos para dicho elemento.</a:t>
             </a:r>
             <a:br>
               <a:rPr lang="es-AR" dirty="0"/>
@@ -9431,11 +9055,7 @@
           <a:p>
             <a:r>
               <a:rPr lang="es-AR" dirty="0"/>
-              <a:t>La sintaxis para definir un estilo a un elemento HTML es la siguiente</a:t>
-            </a:r>
-            <a:r>
-              <a:rPr lang="es-AR" dirty="0" smtClean="0"/>
-              <a:t>:</a:t>
+              <a:t>La sintaxis para definir un estilo a un elemento HTML es la siguiente:</a:t>
             </a:r>
           </a:p>
           <a:p>
@@ -9449,47 +9069,34 @@
               <a:buNone/>
             </a:pPr>
             <a:r>
-              <a:rPr lang="es-AR" dirty="0" smtClean="0"/>
+              <a:rPr lang="es-AR" dirty="0"/>
               <a:t>	               </a:t>
             </a:r>
             <a:r>
-              <a:rPr lang="en-US" dirty="0" smtClean="0"/>
-              <a:t>&lt;</a:t>
-            </a:r>
-            <a:r>
               <a:rPr lang="en-US" dirty="0"/>
-              <a:t>h1 style="color</a:t>
-            </a:r>
-            <a:r>
-              <a:rPr lang="en-US" dirty="0" smtClean="0"/>
-              <a:t>: </a:t>
-            </a:r>
-            <a:r>
-              <a:rPr lang="en-US" dirty="0" err="1" smtClean="0"/>
+              <a:t>&lt;h1 style="color: </a:t>
+            </a:r>
+            <a:r>
+              <a:rPr lang="en-US" dirty="0" err="1"/>
               <a:t>red;background-color:blue</a:t>
             </a:r>
             <a:r>
-              <a:rPr lang="en-US" dirty="0" smtClean="0"/>
+              <a:rPr lang="en-US" dirty="0"/>
               <a:t>"&gt; </a:t>
             </a:r>
+          </a:p>
+          <a:p>
+            <a:pPr marL="0" indent="0">
+              <a:buNone/>
+            </a:pPr>
+            <a:endParaRPr lang="es-AR" dirty="0"/>
+          </a:p>
+          <a:p>
+            <a:r>
+              <a:rPr lang="es-AR" dirty="0"/>
+              <a:t>Por defecto, todo navegador tiene un estilo definido para cada elemento HTML, lo que hacemos con la propiedad style es redefinir el estilo por defecto.                </a:t>
+            </a:r>
             <a:endParaRPr lang="en-US" dirty="0"/>
-          </a:p>
-          <a:p>
-            <a:pPr marL="0" indent="0">
-              <a:buNone/>
-            </a:pPr>
-            <a:endParaRPr lang="es-AR" dirty="0" smtClean="0"/>
-          </a:p>
-          <a:p>
-            <a:r>
-              <a:rPr lang="es-AR" dirty="0"/>
-              <a:t>Por defecto, todo navegador tiene un estilo definido para cada elemento HTML, lo que hacemos con la propiedad style es redefinir el estilo por defecto. </a:t>
-            </a:r>
-            <a:r>
-              <a:rPr lang="es-AR" dirty="0" smtClean="0"/>
-              <a:t>               </a:t>
-            </a:r>
-            <a:endParaRPr lang="en-US" dirty="0" smtClean="0"/>
           </a:p>
           <a:p>
             <a:pPr marL="0" indent="0">
@@ -9509,13 +9116,6 @@
   <p:clrMapOvr>
     <a:masterClrMapping/>
   </p:clrMapOvr>
-  <p:timing>
-    <p:tnLst>
-      <p:par>
-        <p:cTn id="1" dur="indefinite" restart="never" nodeType="tmRoot"/>
-      </p:par>
-    </p:tnLst>
-  </p:timing>
 </p:sld>
 </file>
 
@@ -9557,10 +9157,9 @@
           <a:lstStyle/>
           <a:p>
             <a:r>
-              <a:rPr lang="es-AR" dirty="0" smtClean="0"/>
+              <a:rPr lang="es-AR" dirty="0"/>
               <a:t>Porcentajes</a:t>
             </a:r>
-            <a:endParaRPr lang="es-AR" dirty="0"/>
           </a:p>
         </p:txBody>
       </p:sp>
@@ -9596,35 +9195,26 @@
             </a:r>
             <a:r>
               <a:rPr lang="es-AR" dirty="0"/>
-              <a:t>. Un porcentaje está formado por un valor numérico seguido del símbolo % y siempre está referenciado a otra medida. Cada una de las propiedades de CSS que permiten indicar como valor un porcentaje, define el valor al que hace referencia ese porcentaje</a:t>
-            </a:r>
-            <a:r>
-              <a:rPr lang="es-AR" dirty="0" smtClean="0"/>
-              <a:t>.</a:t>
-            </a:r>
-            <a:endParaRPr lang="es-AR" dirty="0"/>
-          </a:p>
-          <a:p>
-            <a:r>
-              <a:rPr lang="es-AR" dirty="0"/>
-              <a:t>Los porcentajes se pueden utilizar por ejemplo para establecer el valor del tamaño de letra de los elementos</a:t>
-            </a:r>
-            <a:r>
-              <a:rPr lang="es-AR" dirty="0" smtClean="0"/>
-              <a:t>:</a:t>
-            </a:r>
-          </a:p>
-          <a:p>
-            <a:endParaRPr lang="es-AR" dirty="0"/>
-          </a:p>
-          <a:p>
-            <a:endParaRPr lang="es-AR" dirty="0" smtClean="0"/>
-          </a:p>
-          <a:p>
-            <a:endParaRPr lang="es-AR" dirty="0"/>
-          </a:p>
-          <a:p>
-            <a:endParaRPr lang="es-AR" dirty="0" smtClean="0"/>
+              <a:t>. Un porcentaje está formado por un valor numérico seguido del símbolo % y siempre está referenciado a otra medida. Cada una de las propiedades de CSS que permiten indicar como valor un porcentaje, define el valor al que hace referencia ese porcentaje.</a:t>
+            </a:r>
+          </a:p>
+          <a:p>
+            <a:r>
+              <a:rPr lang="es-AR" dirty="0"/>
+              <a:t>Los porcentajes se pueden utilizar por ejemplo para establecer el valor del tamaño de letra de los elementos:</a:t>
+            </a:r>
+          </a:p>
+          <a:p>
+            <a:endParaRPr lang="es-AR" dirty="0"/>
+          </a:p>
+          <a:p>
+            <a:endParaRPr lang="es-AR" dirty="0"/>
+          </a:p>
+          <a:p>
+            <a:endParaRPr lang="es-AR" dirty="0"/>
+          </a:p>
+          <a:p>
+            <a:endParaRPr lang="es-AR" dirty="0"/>
           </a:p>
           <a:p>
             <a:endParaRPr lang="es-AR" dirty="0"/>
@@ -9636,7 +9226,7 @@
             </a:r>
           </a:p>
           <a:p>
-            <a:endParaRPr lang="es-AR" dirty="0" smtClean="0"/>
+            <a:endParaRPr lang="es-AR" dirty="0"/>
           </a:p>
           <a:p>
             <a:endParaRPr lang="es-AR" dirty="0"/>
@@ -9683,13 +9273,6 @@
   <p:clrMapOvr>
     <a:masterClrMapping/>
   </p:clrMapOvr>
-  <p:timing>
-    <p:tnLst>
-      <p:par>
-        <p:cTn id="1" dur="indefinite" restart="never" nodeType="tmRoot"/>
-      </p:par>
-    </p:tnLst>
-  </p:timing>
 </p:sld>
 </file>
 
@@ -9731,10 +9314,9 @@
           <a:lstStyle/>
           <a:p>
             <a:r>
-              <a:rPr lang="es-AR" dirty="0" smtClean="0"/>
+              <a:rPr lang="es-AR" dirty="0"/>
               <a:t>Colores</a:t>
             </a:r>
-            <a:endParaRPr lang="es-AR" dirty="0"/>
           </a:p>
         </p:txBody>
       </p:sp>
@@ -9765,50 +9347,36 @@
               <a:rPr lang="es-AR" sz="2400" dirty="0"/>
               <a:t>Los colores en CSS se pueden indicar de cinco formas diferentes: </a:t>
             </a:r>
-            <a:endParaRPr lang="es-AR" sz="2400" dirty="0" smtClean="0"/>
-          </a:p>
-          <a:p>
-            <a:r>
-              <a:rPr lang="es-AR" sz="2400" dirty="0" smtClean="0"/>
+          </a:p>
+          <a:p>
+            <a:r>
+              <a:rPr lang="es-AR" sz="2400" dirty="0"/>
               <a:t>palabras clave.</a:t>
             </a:r>
           </a:p>
           <a:p>
             <a:r>
-              <a:rPr lang="es-AR" sz="2400" dirty="0" smtClean="0"/>
-              <a:t>Colores </a:t>
-            </a:r>
-            <a:r>
               <a:rPr lang="es-AR" sz="2400" dirty="0"/>
-              <a:t>del </a:t>
-            </a:r>
-            <a:r>
-              <a:rPr lang="es-AR" sz="2400" dirty="0" smtClean="0"/>
-              <a:t>sistema.</a:t>
-            </a:r>
-          </a:p>
-          <a:p>
-            <a:r>
-              <a:rPr lang="es-AR" sz="2400" dirty="0" smtClean="0"/>
+              <a:t>Colores del sistema.</a:t>
+            </a:r>
+          </a:p>
+          <a:p>
+            <a:r>
+              <a:rPr lang="es-AR" sz="2400" dirty="0"/>
               <a:t>RGB hexadecimal.</a:t>
             </a:r>
           </a:p>
           <a:p>
             <a:r>
-              <a:rPr lang="es-AR" sz="2400" dirty="0" smtClean="0"/>
+              <a:rPr lang="es-AR" sz="2400" dirty="0"/>
               <a:t>RGB numérico.</a:t>
             </a:r>
           </a:p>
           <a:p>
             <a:r>
-              <a:rPr lang="es-AR" sz="2400" dirty="0" smtClean="0"/>
-              <a:t>RGB </a:t>
-            </a:r>
-            <a:r>
               <a:rPr lang="es-AR" sz="2400" dirty="0"/>
-              <a:t>porcentual. </a:t>
-            </a:r>
-            <a:endParaRPr lang="es-AR" sz="2400" dirty="0" smtClean="0"/>
+              <a:t>RGB porcentual. </a:t>
+            </a:r>
           </a:p>
           <a:p>
             <a:pPr marL="0" indent="0">
@@ -9828,13 +9396,6 @@
   <p:clrMapOvr>
     <a:masterClrMapping/>
   </p:clrMapOvr>
-  <p:timing>
-    <p:tnLst>
-      <p:par>
-        <p:cTn id="1" dur="indefinite" restart="never" nodeType="tmRoot"/>
-      </p:par>
-    </p:tnLst>
-  </p:timing>
 </p:sld>
 </file>
 
@@ -9876,10 +9437,9 @@
           <a:lstStyle/>
           <a:p>
             <a:r>
-              <a:rPr lang="es-AR" dirty="0" smtClean="0"/>
+              <a:rPr lang="es-AR" dirty="0"/>
               <a:t>Palabras clave</a:t>
             </a:r>
-            <a:endParaRPr lang="es-AR" dirty="0"/>
           </a:p>
         </p:txBody>
       </p:sp>
@@ -9910,13 +9470,8 @@
             </a:pPr>
             <a:r>
               <a:rPr lang="es-AR" dirty="0"/>
-              <a:t>CSS define 17 palabras clave para referirse a los colores básicos. Las palabras se corresponden con el nombre en inglés de cada color</a:t>
-            </a:r>
-            <a:r>
-              <a:rPr lang="es-AR" dirty="0" smtClean="0"/>
-              <a:t>:</a:t>
-            </a:r>
-            <a:endParaRPr lang="es-AR" dirty="0"/>
+              <a:t>CSS define 17 palabras clave para referirse a los colores básicos. Las palabras se corresponden con el nombre en inglés de cada color:</a:t>
+            </a:r>
           </a:p>
           <a:p>
             <a:pPr marL="0" indent="0">
@@ -9924,11 +9479,7 @@
             </a:pPr>
             <a:r>
               <a:rPr lang="es-AR" dirty="0"/>
-              <a:t>aqua, black, blue, fuchsia, gray, green, lime, maroon, navy, olive, orange, purple, red, silver, teal, white, </a:t>
-            </a:r>
-            <a:r>
-              <a:rPr lang="es-AR" dirty="0" smtClean="0"/>
-              <a:t>yellow</a:t>
+              <a:t>aqua, black, blue, fuchsia, gray, green, lime, maroon, navy, olive, orange, purple, red, silver, teal, white, yellow</a:t>
             </a:r>
           </a:p>
           <a:p>
@@ -9941,7 +9492,7 @@
             <a:pPr marL="0" indent="0">
               <a:buNone/>
             </a:pPr>
-            <a:endParaRPr lang="es-AR" dirty="0" smtClean="0"/>
+            <a:endParaRPr lang="es-AR" dirty="0"/>
           </a:p>
           <a:p>
             <a:pPr marL="0" indent="0">
@@ -9953,7 +9504,7 @@
             <a:pPr marL="0" indent="0">
               <a:buNone/>
             </a:pPr>
-            <a:endParaRPr lang="es-AR" dirty="0" smtClean="0"/>
+            <a:endParaRPr lang="es-AR" dirty="0"/>
           </a:p>
           <a:p>
             <a:pPr marL="0" indent="0">
@@ -10062,13 +9613,6 @@
   <p:clrMapOvr>
     <a:masterClrMapping/>
   </p:clrMapOvr>
-  <p:timing>
-    <p:tnLst>
-      <p:par>
-        <p:cTn id="1" dur="indefinite" restart="never" nodeType="tmRoot"/>
-      </p:par>
-    </p:tnLst>
-  </p:timing>
 </p:sld>
 </file>
 
@@ -10110,10 +9654,9 @@
           <a:lstStyle/>
           <a:p>
             <a:r>
-              <a:rPr lang="es-AR" dirty="0" smtClean="0"/>
+              <a:rPr lang="es-AR" dirty="0"/>
               <a:t>RGB decimal</a:t>
             </a:r>
-            <a:endParaRPr lang="es-AR" dirty="0"/>
           </a:p>
         </p:txBody>
       </p:sp>
@@ -10144,13 +9687,8 @@
             </a:pPr>
             <a:r>
               <a:rPr lang="es-AR" dirty="0"/>
-              <a:t>En el campo del diseño gráfico, se han definido varios modelos para hacer referencia a los colores. Los dos modelos más conocidos son RGB y CMYK. Simplificando su explicación, el modelo RGB consiste en definir un color indicando la cantidad de color rojo, verde y azul que se debe mezclar para obtener ese color. Técnicamente, el modelo RGB es un modelo de tipo "aditivo", ya que los colores se obtienen sumando sus componentes</a:t>
-            </a:r>
-            <a:r>
-              <a:rPr lang="es-AR" dirty="0" smtClean="0"/>
-              <a:t>.</a:t>
-            </a:r>
-            <a:endParaRPr lang="es-AR" dirty="0"/>
+              <a:t>En el campo del diseño gráfico, se han definido varios modelos para hacer referencia a los colores. Los dos modelos más conocidos son RGB y CMYK. Simplificando su explicación, el modelo RGB consiste en definir un color indicando la cantidad de color rojo, verde y azul que se debe mezclar para obtener ese color. Técnicamente, el modelo RGB es un modelo de tipo "aditivo", ya que los colores se obtienen sumando sus componentes.</a:t>
+            </a:r>
           </a:p>
           <a:p>
             <a:pPr marL="0" indent="0" algn="just">
@@ -10158,13 +9696,8 @@
             </a:pPr>
             <a:r>
               <a:rPr lang="es-AR" dirty="0"/>
-              <a:t>Por lo tanto, en el modelo RGB un color se define indicando sus tres componentes R (rojo), G (verde) y B (azul). Cada una de las componentes puede tomar un valor entre cero y un valor máximo. De esta forma, el color rojo puro en RGB se crea mediante el máximo valor de la componente R y un valor de 0 para las componentes G y B</a:t>
-            </a:r>
-            <a:r>
-              <a:rPr lang="es-AR" dirty="0" smtClean="0"/>
-              <a:t>.</a:t>
-            </a:r>
-            <a:endParaRPr lang="es-AR" dirty="0"/>
+              <a:t>Por lo tanto, en el modelo RGB un color se define indicando sus tres componentes R (rojo), G (verde) y B (azul). Cada una de las componentes puede tomar un valor entre cero y un valor máximo. De esta forma, el color rojo puro en RGB se crea mediante el máximo valor de la componente R y un valor de 0 para las componentes G y B.</a:t>
+            </a:r>
           </a:p>
           <a:p>
             <a:pPr marL="0" indent="0" algn="just">
@@ -10172,11 +9705,7 @@
             </a:pPr>
             <a:r>
               <a:rPr lang="es-AR" dirty="0"/>
-              <a:t>Si todas las componentes valen 0, el color creado es el negro y si todas las componentes toman su valor máximo, el color obtenido es el blanco. En CSS, las componentes de los colores definidos mediante RGB decimal pueden tomar valores entre 0 y 255. El siguiente ejemplo establece el color del texto de un párrafo</a:t>
-            </a:r>
-            <a:r>
-              <a:rPr lang="es-AR" dirty="0" smtClean="0"/>
-              <a:t>:</a:t>
+              <a:t>Si todas las componentes valen 0, el color creado es el negro y si todas las componentes toman su valor máximo, el color obtenido es el blanco. En CSS, las componentes de los colores definidos mediante RGB decimal pueden tomar valores entre 0 y 255. El siguiente ejemplo establece el color del texto de un párrafo:</a:t>
             </a:r>
           </a:p>
           <a:p>
@@ -10196,12 +9725,8 @@
               <a:buNone/>
             </a:pPr>
             <a:r>
-              <a:rPr lang="es-AR" dirty="0" smtClean="0"/>
-              <a:t>La </a:t>
-            </a:r>
-            <a:r>
-              <a:rPr lang="es-AR" dirty="0"/>
-              <a:t>sintaxis que se utiliza para indicar los colores es </a:t>
+              <a:rPr lang="es-AR" dirty="0"/>
+              <a:t>La sintaxis que se utiliza para indicar los colores es </a:t>
             </a:r>
             <a:r>
               <a:rPr lang="es-AR" dirty="0" err="1"/>
@@ -10209,13 +9734,8 @@
             </a:r>
             <a:r>
               <a:rPr lang="es-AR" dirty="0"/>
-              <a:t>() y entre paréntesis se indican las tres componentes RGB, en ese mismo orden y separadas por comas. El color del ejemplo anterior se obtendría mezclando las componentes R=71, G=98, B=176, que se corresponde con un color azul claro</a:t>
-            </a:r>
-            <a:r>
-              <a:rPr lang="es-AR" dirty="0" smtClean="0"/>
-              <a:t>.</a:t>
-            </a:r>
-            <a:endParaRPr lang="es-AR" dirty="0"/>
+              <a:t>() y entre paréntesis se indican las tres componentes RGB, en ese mismo orden y separadas por comas. El color del ejemplo anterior se obtendría mezclando las componentes R=71, G=98, B=176, que se corresponde con un color azul claro.</a:t>
+            </a:r>
           </a:p>
           <a:p>
             <a:pPr marL="0" indent="0" algn="just">
@@ -10268,13 +9788,6 @@
   <p:clrMapOvr>
     <a:masterClrMapping/>
   </p:clrMapOvr>
-  <p:timing>
-    <p:tnLst>
-      <p:par>
-        <p:cTn id="1" dur="indefinite" restart="never" nodeType="tmRoot"/>
-      </p:par>
-    </p:tnLst>
-  </p:timing>
 </p:sld>
 </file>
 
@@ -10316,10 +9829,9 @@
           <a:lstStyle/>
           <a:p>
             <a:r>
-              <a:rPr lang="es-AR" dirty="0" smtClean="0"/>
+              <a:rPr lang="es-AR" dirty="0"/>
               <a:t>RGB porcentual</a:t>
             </a:r>
-            <a:endParaRPr lang="es-AR" dirty="0"/>
           </a:p>
         </p:txBody>
       </p:sp>
@@ -10348,13 +9860,8 @@
             </a:pPr>
             <a:r>
               <a:rPr lang="es-AR" dirty="0"/>
-              <a:t>Las componentes RGB de un color también se pueden indicar mediante un porcentaje. El funcionamiento y la sintaxis de este método es el mismo que el del RGB decimal. La única diferencia es que en este caso el valor de las componentes RGB puede tomar valores entre 0% y 100%. Por tanto, para transformar un valor RGB decimal en un valor RGB porcentual, es preciso realizar una regla de tres considerando que 0 es igual a 0% y 255 es igual a 100</a:t>
-            </a:r>
-            <a:r>
-              <a:rPr lang="es-AR" dirty="0" smtClean="0"/>
-              <a:t>%.</a:t>
-            </a:r>
-            <a:endParaRPr lang="es-AR" dirty="0"/>
+              <a:t>Las componentes RGB de un color también se pueden indicar mediante un porcentaje. El funcionamiento y la sintaxis de este método es el mismo que el del RGB decimal. La única diferencia es que en este caso el valor de las componentes RGB puede tomar valores entre 0% y 100%. Por tanto, para transformar un valor RGB decimal en un valor RGB porcentual, es preciso realizar una regla de tres considerando que 0 es igual a 0% y 255 es igual a 100%.</a:t>
+            </a:r>
           </a:p>
           <a:p>
             <a:pPr marL="0" indent="0" algn="just">
@@ -10362,18 +9869,14 @@
             </a:pPr>
             <a:r>
               <a:rPr lang="es-AR" dirty="0"/>
-              <a:t>El mismo color del ejemplo anterior se puede representar de forma porcentual</a:t>
-            </a:r>
-            <a:r>
-              <a:rPr lang="es-AR" dirty="0" smtClean="0"/>
-              <a:t>:</a:t>
+              <a:t>El mismo color del ejemplo anterior se puede representar de forma porcentual:</a:t>
             </a:r>
           </a:p>
           <a:p>
             <a:pPr marL="0" indent="0" algn="just">
               <a:buNone/>
             </a:pPr>
-            <a:endParaRPr lang="es-AR" dirty="0" smtClean="0"/>
+            <a:endParaRPr lang="es-AR" dirty="0"/>
           </a:p>
           <a:p>
             <a:pPr marL="0" indent="0" algn="just">
@@ -10385,7 +9888,7 @@
             <a:pPr marL="0" indent="0" algn="just">
               <a:buNone/>
             </a:pPr>
-            <a:endParaRPr lang="es-AR" dirty="0" smtClean="0"/>
+            <a:endParaRPr lang="es-AR" dirty="0"/>
           </a:p>
           <a:p>
             <a:pPr marL="0" indent="0" algn="just">
@@ -10398,12 +9901,8 @@
               <a:buNone/>
             </a:pPr>
             <a:r>
-              <a:rPr lang="es-AR" dirty="0" smtClean="0"/>
-              <a:t>Al </a:t>
-            </a:r>
-            <a:r>
-              <a:rPr lang="es-AR" dirty="0"/>
-              <a:t>igual que sucede con el RGB decimal, si se indica un valor inferior a 0%, se transforma automáticamente en 0% y si se indica un valor superior a 100%, se trunca su valor a 100%.</a:t>
+              <a:rPr lang="es-AR" dirty="0"/>
+              <a:t>Al igual que sucede con el RGB decimal, si se indica un valor inferior a 0%, se transforma automáticamente en 0% y si se indica un valor superior a 100%, se trunca su valor a 100%.</a:t>
             </a:r>
           </a:p>
         </p:txBody>
@@ -10448,13 +9947,6 @@
   <p:clrMapOvr>
     <a:masterClrMapping/>
   </p:clrMapOvr>
-  <p:timing>
-    <p:tnLst>
-      <p:par>
-        <p:cTn id="1" dur="indefinite" restart="never" nodeType="tmRoot"/>
-      </p:par>
-    </p:tnLst>
-  </p:timing>
 </p:sld>
 </file>
 
@@ -10496,10 +9988,9 @@
           <a:lstStyle/>
           <a:p>
             <a:r>
-              <a:rPr lang="es-AR" dirty="0" smtClean="0"/>
+              <a:rPr lang="es-AR" dirty="0"/>
               <a:t>RGB hexadecimal</a:t>
             </a:r>
-            <a:endParaRPr lang="es-AR" dirty="0"/>
           </a:p>
         </p:txBody>
       </p:sp>
@@ -10528,11 +10019,7 @@
             </a:pPr>
             <a:r>
               <a:rPr lang="es-AR" dirty="0"/>
-              <a:t>Aunque es el método más complicado para indicar los colores, se trata del método más utilizado con mucha diferencia. De hecho, prácticamente todos los sitios web reales utilizan exclusivamente este método</a:t>
-            </a:r>
-            <a:r>
-              <a:rPr lang="es-AR" dirty="0" smtClean="0"/>
-              <a:t>.</a:t>
+              <a:t>Aunque es el método más complicado para indicar los colores, se trata del método más utilizado con mucha diferencia. De hecho, prácticamente todos los sitios web reales utilizan exclusivamente este método.</a:t>
             </a:r>
           </a:p>
           <a:p>
@@ -10646,13 +10133,6 @@
   <p:clrMapOvr>
     <a:masterClrMapping/>
   </p:clrMapOvr>
-  <p:timing>
-    <p:tnLst>
-      <p:par>
-        <p:cTn id="1" dur="indefinite" restart="never" nodeType="tmRoot"/>
-      </p:par>
-    </p:tnLst>
-  </p:timing>
 </p:sld>
 </file>
 
@@ -10694,10 +10174,9 @@
           <a:lstStyle/>
           <a:p>
             <a:r>
-              <a:rPr lang="es-AR" dirty="0" smtClean="0"/>
+              <a:rPr lang="es-AR" dirty="0"/>
               <a:t>Modelo de cajas</a:t>
             </a:r>
-            <a:endParaRPr lang="es-AR" dirty="0"/>
           </a:p>
         </p:txBody>
       </p:sp>
@@ -10727,15 +10206,7 @@
             </a:r>
             <a:r>
               <a:rPr lang="es-AR" i="1" dirty="0"/>
-              <a:t>"box </a:t>
-            </a:r>
-            <a:r>
-              <a:rPr lang="es-AR" i="1" dirty="0" err="1"/>
-              <a:t>model</a:t>
-            </a:r>
-            <a:r>
-              <a:rPr lang="es-AR" i="1" dirty="0"/>
-              <a:t>"</a:t>
+              <a:t>"box model"</a:t>
             </a:r>
             <a:r>
               <a:rPr lang="es-AR" dirty="0"/>
@@ -10796,13 +10267,6 @@
   <p:clrMapOvr>
     <a:masterClrMapping/>
   </p:clrMapOvr>
-  <p:timing>
-    <p:tnLst>
-      <p:par>
-        <p:cTn id="1" dur="indefinite" restart="never" nodeType="tmRoot"/>
-      </p:par>
-    </p:tnLst>
-  </p:timing>
 </p:sld>
 </file>
 
@@ -10844,10 +10308,9 @@
           <a:lstStyle/>
           <a:p>
             <a:r>
-              <a:rPr lang="es-AR" dirty="0" smtClean="0"/>
+              <a:rPr lang="es-AR" dirty="0"/>
               <a:t>Modelo de cajas II</a:t>
             </a:r>
-            <a:endParaRPr lang="es-AR" dirty="0"/>
           </a:p>
         </p:txBody>
       </p:sp>
@@ -10918,13 +10381,6 @@
   <p:clrMapOvr>
     <a:masterClrMapping/>
   </p:clrMapOvr>
-  <p:timing>
-    <p:tnLst>
-      <p:par>
-        <p:cTn id="1" dur="indefinite" restart="never" nodeType="tmRoot"/>
-      </p:par>
-    </p:tnLst>
-  </p:timing>
 </p:sld>
 </file>
 
@@ -10966,10 +10422,9 @@
           <a:lstStyle/>
           <a:p>
             <a:r>
-              <a:rPr lang="es-AR" dirty="0" smtClean="0"/>
+              <a:rPr lang="es-AR" dirty="0"/>
               <a:t>Modelo de cajas III</a:t>
             </a:r>
-            <a:endParaRPr lang="es-AR" dirty="0"/>
           </a:p>
         </p:txBody>
       </p:sp>
@@ -11084,11 +10539,7 @@
             </a:r>
             <a:r>
               <a:rPr lang="es-AR" dirty="0"/>
-              <a:t>): separación opcional existente entre la caja y el resto de cajas adyacentes</a:t>
-            </a:r>
-            <a:r>
-              <a:rPr lang="es-AR" dirty="0" smtClean="0"/>
-              <a:t>.</a:t>
+              <a:t>): separación opcional existente entre la caja y el resto de cajas adyacentes.</a:t>
             </a:r>
           </a:p>
           <a:p>
@@ -11109,21 +10560,8 @@
             </a:pPr>
             <a:r>
               <a:rPr lang="es-AR" dirty="0"/>
-              <a:t>Si una caja define tanto un color como una imagen de fondo, la imagen tiene más prioridad y es la que se visualiza. No obstante, si la imagen de fondo no cubre totalmente la caja del elemento o si la imagen tiene zonas transparentes, también se visualiza el color de fondo. Combinando </a:t>
-            </a:r>
-            <a:r>
-              <a:rPr lang="es-AR" dirty="0" smtClean="0"/>
-              <a:t>imágenes </a:t>
-            </a:r>
-            <a:r>
-              <a:rPr lang="es-AR" dirty="0"/>
-              <a:t>transparentes y colores de fondo se pueden lograr efectos gráficos muy interesantes</a:t>
-            </a:r>
-            <a:r>
-              <a:rPr lang="es-AR" dirty="0" smtClean="0"/>
-              <a:t>.</a:t>
-            </a:r>
-            <a:endParaRPr lang="es-AR" dirty="0"/>
+              <a:t>Si una caja define tanto un color como una imagen de fondo, la imagen tiene más prioridad y es la que se visualiza. No obstante, si la imagen de fondo no cubre totalmente la caja del elemento o si la imagen tiene zonas transparentes, también se visualiza el color de fondo. Combinando imágenes transparentes y colores de fondo se pueden lograr efectos gráficos muy interesantes.</a:t>
+            </a:r>
           </a:p>
         </p:txBody>
       </p:sp>
@@ -11137,13 +10575,6 @@
   <p:clrMapOvr>
     <a:masterClrMapping/>
   </p:clrMapOvr>
-  <p:timing>
-    <p:tnLst>
-      <p:par>
-        <p:cTn id="1" dur="indefinite" restart="never" nodeType="tmRoot"/>
-      </p:par>
-    </p:tnLst>
-  </p:timing>
 </p:sld>
 </file>
 
@@ -11185,10 +10616,9 @@
           <a:lstStyle/>
           <a:p>
             <a:r>
-              <a:rPr lang="es-AR" dirty="0" smtClean="0"/>
+              <a:rPr lang="es-AR" dirty="0"/>
               <a:t>Anchura</a:t>
             </a:r>
-            <a:endParaRPr lang="es-AR" dirty="0"/>
           </a:p>
         </p:txBody>
       </p:sp>
@@ -11216,8 +10646,20 @@
             <a:tbl>
               <a:tblPr/>
               <a:tblGrid>
-                <a:gridCol w="5489916"/>
-                <a:gridCol w="5489916"/>
+                <a:gridCol w="5489916">
+                  <a:extLst>
+                    <a:ext uri="{9D8B030D-6E8A-4147-A177-3AD203B41FA5}">
+                      <a16:colId xmlns:a16="http://schemas.microsoft.com/office/drawing/2014/main" val="20000"/>
+                    </a:ext>
+                  </a:extLst>
+                </a:gridCol>
+                <a:gridCol w="5489916">
+                  <a:extLst>
+                    <a:ext uri="{9D8B030D-6E8A-4147-A177-3AD203B41FA5}">
+                      <a16:colId xmlns:a16="http://schemas.microsoft.com/office/drawing/2014/main" val="20001"/>
+                    </a:ext>
+                  </a:extLst>
+                </a:gridCol>
               </a:tblGrid>
               <a:tr h="0">
                 <a:tc>
@@ -11343,6 +10785,11 @@
                     </a:solidFill>
                   </a:tcPr>
                 </a:tc>
+                <a:extLst>
+                  <a:ext uri="{0D108BD9-81ED-4DB2-BD59-A6C34878D82A}">
+                    <a16:rowId xmlns:a16="http://schemas.microsoft.com/office/drawing/2014/main" val="10000"/>
+                  </a:ext>
+                </a:extLst>
               </a:tr>
               <a:tr h="0">
                 <a:tc>
@@ -11507,6 +10954,11 @@
                     </a:solidFill>
                   </a:tcPr>
                 </a:tc>
+                <a:extLst>
+                  <a:ext uri="{0D108BD9-81ED-4DB2-BD59-A6C34878D82A}">
+                    <a16:rowId xmlns:a16="http://schemas.microsoft.com/office/drawing/2014/main" val="10001"/>
+                  </a:ext>
+                </a:extLst>
               </a:tr>
               <a:tr h="0">
                 <a:tc>
@@ -11626,6 +11078,11 @@
                     </a:solidFill>
                   </a:tcPr>
                 </a:tc>
+                <a:extLst>
+                  <a:ext uri="{0D108BD9-81ED-4DB2-BD59-A6C34878D82A}">
+                    <a16:rowId xmlns:a16="http://schemas.microsoft.com/office/drawing/2014/main" val="10002"/>
+                  </a:ext>
+                </a:extLst>
               </a:tr>
               <a:tr h="0">
                 <a:tc>
@@ -11745,6 +11202,11 @@
                     </a:solidFill>
                   </a:tcPr>
                 </a:tc>
+                <a:extLst>
+                  <a:ext uri="{0D108BD9-81ED-4DB2-BD59-A6C34878D82A}">
+                    <a16:rowId xmlns:a16="http://schemas.microsoft.com/office/drawing/2014/main" val="10003"/>
+                  </a:ext>
+                </a:extLst>
               </a:tr>
               <a:tr h="0">
                 <a:tc>
@@ -11864,6 +11326,11 @@
                     </a:solidFill>
                   </a:tcPr>
                 </a:tc>
+                <a:extLst>
+                  <a:ext uri="{0D108BD9-81ED-4DB2-BD59-A6C34878D82A}">
+                    <a16:rowId xmlns:a16="http://schemas.microsoft.com/office/drawing/2014/main" val="10004"/>
+                  </a:ext>
+                </a:extLst>
               </a:tr>
             </a:tbl>
           </a:graphicData>
@@ -11994,13 +11461,6 @@
   <p:clrMapOvr>
     <a:masterClrMapping/>
   </p:clrMapOvr>
-  <p:timing>
-    <p:tnLst>
-      <p:par>
-        <p:cTn id="1" dur="indefinite" restart="never" nodeType="tmRoot"/>
-      </p:par>
-    </p:tnLst>
-  </p:timing>
 </p:sld>
 </file>
 
@@ -12037,10 +11497,9 @@
           <a:lstStyle/>
           <a:p>
             <a:r>
-              <a:rPr lang="es-AR" dirty="0" smtClean="0"/>
+              <a:rPr lang="es-AR" dirty="0"/>
               <a:t>Definición de estilos a nivel de página</a:t>
             </a:r>
-            <a:endParaRPr lang="es-AR" dirty="0"/>
           </a:p>
         </p:txBody>
       </p:sp>
@@ -12068,34 +11527,17 @@
           <a:p>
             <a:pPr algn="just"/>
             <a:r>
-              <a:rPr lang="es-AR" dirty="0" smtClean="0"/>
-              <a:t>También </a:t>
-            </a:r>
-            <a:r>
-              <a:rPr lang="es-AR" dirty="0"/>
-              <a:t>podemos hacer la definición de estilos para los distintos elementos HTML de la página en una sección especial de la cabecera que la encerramos entre las marcas HTML (en su interior definimos los estilos para los elementos HTML que necesitemos</a:t>
-            </a:r>
-            <a:r>
-              <a:rPr lang="es-AR" dirty="0" smtClean="0"/>
-              <a:t>):</a:t>
-            </a:r>
-            <a:endParaRPr lang="es-AR" dirty="0"/>
+              <a:rPr lang="es-AR" dirty="0"/>
+              <a:t>También podemos hacer la definición de estilos para los distintos elementos HTML de la página en una sección especial de la cabecera que la encerramos entre las marcas HTML (en su interior definimos los estilos para los elementos HTML que necesitemos):</a:t>
+            </a:r>
           </a:p>
           <a:p>
             <a:pPr marL="0" indent="0">
               <a:buNone/>
             </a:pPr>
             <a:r>
-              <a:rPr lang="es-AR" dirty="0" smtClean="0"/>
-              <a:t>                                  &lt;</a:t>
-            </a:r>
-            <a:r>
-              <a:rPr lang="es-AR" dirty="0"/>
-              <a:t>style</a:t>
-            </a:r>
-            <a:r>
-              <a:rPr lang="es-AR" dirty="0" smtClean="0"/>
-              <a:t>&gt;</a:t>
+              <a:rPr lang="es-AR" dirty="0"/>
+              <a:t>                                  &lt;style&gt;</a:t>
             </a:r>
           </a:p>
           <a:p>
@@ -12104,19 +11546,7 @@
             </a:pPr>
             <a:r>
               <a:rPr lang="es-AR" dirty="0"/>
-              <a:t>	</a:t>
-            </a:r>
-            <a:r>
-              <a:rPr lang="es-AR" dirty="0" smtClean="0"/>
-              <a:t>                            </a:t>
-            </a:r>
-            <a:r>
-              <a:rPr lang="es-AR" dirty="0"/>
-              <a:t>	h1 </a:t>
-            </a:r>
-            <a:r>
-              <a:rPr lang="es-AR" dirty="0" smtClean="0"/>
-              <a:t>{</a:t>
+              <a:t>	                            	h1 {</a:t>
             </a:r>
           </a:p>
           <a:p>
@@ -12125,11 +11555,7 @@
             </a:pPr>
             <a:r>
               <a:rPr lang="es-AR" dirty="0"/>
-              <a:t> </a:t>
-            </a:r>
-            <a:r>
-              <a:rPr lang="es-AR" dirty="0" smtClean="0"/>
-              <a:t>                                                color: red;</a:t>
+              <a:t>                                                 color: red;</a:t>
             </a:r>
           </a:p>
           <a:p>
@@ -12138,11 +11564,7 @@
             </a:pPr>
             <a:r>
               <a:rPr lang="es-AR" dirty="0"/>
-              <a:t> </a:t>
-            </a:r>
-            <a:r>
-              <a:rPr lang="es-AR" dirty="0" smtClean="0"/>
-              <a:t>                                                background-color: blue</a:t>
+              <a:t>                                                 background-color: blue</a:t>
             </a:r>
           </a:p>
           <a:p>
@@ -12151,11 +11573,7 @@
             </a:pPr>
             <a:r>
               <a:rPr lang="es-AR" dirty="0"/>
-              <a:t> </a:t>
-            </a:r>
-            <a:r>
-              <a:rPr lang="es-AR" dirty="0" smtClean="0"/>
-              <a:t>                                             } </a:t>
+              <a:t>                                              } </a:t>
             </a:r>
           </a:p>
           <a:p>
@@ -12163,36 +11581,15 @@
               <a:buNone/>
             </a:pPr>
             <a:r>
-              <a:rPr lang="es-AR" dirty="0" smtClean="0"/>
-              <a:t>                                  &lt;/</a:t>
-            </a:r>
-            <a:r>
-              <a:rPr lang="es-AR" dirty="0"/>
-              <a:t>style</a:t>
-            </a:r>
-            <a:r>
-              <a:rPr lang="es-AR" dirty="0" smtClean="0"/>
-              <a:t>&gt;</a:t>
-            </a:r>
-            <a:endParaRPr lang="es-AR" dirty="0"/>
+              <a:rPr lang="es-AR" dirty="0"/>
+              <a:t>                                  &lt;/style&gt;</a:t>
+            </a:r>
           </a:p>
           <a:p>
             <a:pPr algn="just"/>
             <a:r>
-              <a:rPr lang="es-AR" dirty="0" smtClean="0"/>
-              <a:t>Debe </a:t>
-            </a:r>
-            <a:r>
-              <a:rPr lang="es-AR" dirty="0"/>
-              <a:t>estar encerrada por el elemento style. En este ejemplo indicamos al navegador que en todos los lugares de esta página donde se utilice el elemento h1 debe aplicar como estilo de color de texto el rojo y fondo el </a:t>
-            </a:r>
-            <a:r>
-              <a:rPr lang="es-AR" dirty="0" smtClean="0"/>
-              <a:t>azul. </a:t>
-            </a:r>
-            <a:r>
-              <a:rPr lang="es-AR" dirty="0"/>
-              <a:t>Podemos observar que es mucho más eficiente que definir los estilos directamente sobre los elementos HTML dentro del cuerpo de la página.</a:t>
+              <a:rPr lang="es-AR" dirty="0"/>
+              <a:t>Debe estar encerrada por el elemento style. En este ejemplo indicamos al navegador que en todos los lugares de esta página donde se utilice el elemento h1 debe aplicar como estilo de color de texto el rojo y fondo el azul. Podemos observar que es mucho más eficiente que definir los estilos directamente sobre los elementos HTML dentro del cuerpo de la página.</a:t>
             </a:r>
           </a:p>
         </p:txBody>
@@ -12207,13 +11604,6 @@
   <p:clrMapOvr>
     <a:masterClrMapping/>
   </p:clrMapOvr>
-  <p:timing>
-    <p:tnLst>
-      <p:par>
-        <p:cTn id="1" dur="indefinite" restart="never" nodeType="tmRoot"/>
-      </p:par>
-    </p:tnLst>
-  </p:timing>
 </p:sld>
 </file>
 
@@ -12255,10 +11645,9 @@
           <a:lstStyle/>
           <a:p>
             <a:r>
-              <a:rPr lang="es-AR" dirty="0" smtClean="0"/>
+              <a:rPr lang="es-AR" dirty="0"/>
               <a:t>Altura </a:t>
             </a:r>
-            <a:endParaRPr lang="es-AR" dirty="0"/>
           </a:p>
         </p:txBody>
       </p:sp>
@@ -12286,8 +11675,20 @@
             <a:tbl>
               <a:tblPr/>
               <a:tblGrid>
-                <a:gridCol w="5489916"/>
-                <a:gridCol w="5489916"/>
+                <a:gridCol w="5489916">
+                  <a:extLst>
+                    <a:ext uri="{9D8B030D-6E8A-4147-A177-3AD203B41FA5}">
+                      <a16:colId xmlns:a16="http://schemas.microsoft.com/office/drawing/2014/main" val="20000"/>
+                    </a:ext>
+                  </a:extLst>
+                </a:gridCol>
+                <a:gridCol w="5489916">
+                  <a:extLst>
+                    <a:ext uri="{9D8B030D-6E8A-4147-A177-3AD203B41FA5}">
+                      <a16:colId xmlns:a16="http://schemas.microsoft.com/office/drawing/2014/main" val="20001"/>
+                    </a:ext>
+                  </a:extLst>
+                </a:gridCol>
               </a:tblGrid>
               <a:tr h="0">
                 <a:tc>
@@ -12355,7 +11756,7 @@
                     <a:lstStyle/>
                     <a:p>
                       <a:r>
-                        <a:rPr lang="es-AR" b="1" dirty="0" err="1" smtClean="0">
+                        <a:rPr lang="es-AR" b="1" dirty="0">
                           <a:solidFill>
                             <a:schemeClr val="bg1"/>
                           </a:solidFill>
@@ -12413,6 +11814,11 @@
                     </a:solidFill>
                   </a:tcPr>
                 </a:tc>
+                <a:extLst>
+                  <a:ext uri="{0D108BD9-81ED-4DB2-BD59-A6C34878D82A}">
+                    <a16:rowId xmlns:a16="http://schemas.microsoft.com/office/drawing/2014/main" val="10000"/>
+                  </a:ext>
+                </a:extLst>
               </a:tr>
               <a:tr h="0">
                 <a:tc>
@@ -12577,6 +11983,11 @@
                     </a:solidFill>
                   </a:tcPr>
                 </a:tc>
+                <a:extLst>
+                  <a:ext uri="{0D108BD9-81ED-4DB2-BD59-A6C34878D82A}">
+                    <a16:rowId xmlns:a16="http://schemas.microsoft.com/office/drawing/2014/main" val="10001"/>
+                  </a:ext>
+                </a:extLst>
               </a:tr>
               <a:tr h="0">
                 <a:tc>
@@ -12650,43 +12061,7 @@
                           </a:solidFill>
                           <a:effectLst/>
                         </a:rPr>
-                        <a:t>Todos los elementos, salvo los elementos en línea que no sean imágenes, las </a:t>
-                      </a:r>
-                      <a:r>
-                        <a:rPr lang="es-AR" dirty="0" smtClean="0">
-                          <a:solidFill>
-                            <a:schemeClr val="bg1"/>
-                          </a:solidFill>
-                          <a:effectLst/>
-                        </a:rPr>
-                        <a:t>columnas </a:t>
-                      </a:r>
-                      <a:r>
-                        <a:rPr lang="es-AR" dirty="0">
-                          <a:solidFill>
-                            <a:schemeClr val="bg1"/>
-                          </a:solidFill>
-                          <a:effectLst/>
-                        </a:rPr>
-                        <a:t>de tabla y los grupos de </a:t>
-                      </a:r>
-                      <a:r>
-                        <a:rPr lang="es-AR" dirty="0" smtClean="0">
-                          <a:solidFill>
-                            <a:schemeClr val="bg1"/>
-                          </a:solidFill>
-                          <a:effectLst/>
-                        </a:rPr>
-                        <a:t>columnas </a:t>
-                      </a:r>
-                      <a:r>
-                        <a:rPr lang="es-AR" dirty="0">
-                          <a:solidFill>
-                            <a:schemeClr val="bg1"/>
-                          </a:solidFill>
-                          <a:effectLst/>
-                        </a:rPr>
-                        <a:t>de tabla</a:t>
+                        <a:t>Todos los elementos, salvo los elementos en línea que no sean imágenes, las columnas de tabla y los grupos de columnas de tabla</a:t>
                       </a:r>
                     </a:p>
                   </a:txBody>
@@ -12732,6 +12107,11 @@
                     </a:solidFill>
                   </a:tcPr>
                 </a:tc>
+                <a:extLst>
+                  <a:ext uri="{0D108BD9-81ED-4DB2-BD59-A6C34878D82A}">
+                    <a16:rowId xmlns:a16="http://schemas.microsoft.com/office/drawing/2014/main" val="10002"/>
+                  </a:ext>
+                </a:extLst>
               </a:tr>
               <a:tr h="0">
                 <a:tc>
@@ -12851,6 +12231,11 @@
                     </a:solidFill>
                   </a:tcPr>
                 </a:tc>
+                <a:extLst>
+                  <a:ext uri="{0D108BD9-81ED-4DB2-BD59-A6C34878D82A}">
+                    <a16:rowId xmlns:a16="http://schemas.microsoft.com/office/drawing/2014/main" val="10003"/>
+                  </a:ext>
+                </a:extLst>
               </a:tr>
               <a:tr h="0">
                 <a:tc>
@@ -12924,25 +12309,7 @@
                           </a:solidFill>
                           <a:effectLst/>
                         </a:rPr>
-                        <a:t>Establece la </a:t>
-                      </a:r>
-                      <a:r>
-                        <a:rPr lang="es-AR" dirty="0" smtClean="0">
-                          <a:solidFill>
-                            <a:schemeClr val="bg1"/>
-                          </a:solidFill>
-                          <a:effectLst/>
-                        </a:rPr>
-                        <a:t>altura </a:t>
-                      </a:r>
-                      <a:r>
-                        <a:rPr lang="es-AR" dirty="0">
-                          <a:solidFill>
-                            <a:schemeClr val="bg1"/>
-                          </a:solidFill>
-                          <a:effectLst/>
-                        </a:rPr>
-                        <a:t>de un elemento</a:t>
+                        <a:t>Establece la altura de un elemento</a:t>
                       </a:r>
                     </a:p>
                   </a:txBody>
@@ -12988,6 +12355,11 @@
                     </a:solidFill>
                   </a:tcPr>
                 </a:tc>
+                <a:extLst>
+                  <a:ext uri="{0D108BD9-81ED-4DB2-BD59-A6C34878D82A}">
+                    <a16:rowId xmlns:a16="http://schemas.microsoft.com/office/drawing/2014/main" val="10004"/>
+                  </a:ext>
+                </a:extLst>
               </a:tr>
             </a:tbl>
           </a:graphicData>
@@ -13042,7 +12414,7 @@
               <a:t>, la propiedad </a:t>
             </a:r>
             <a:r>
-              <a:rPr lang="es-AR" altLang="es-AR" sz="2000" dirty="0" err="1">
+              <a:rPr lang="es-AR" altLang="es-AR" sz="2000" dirty="0">
                 <a:latin typeface="SFMono-Regular"/>
               </a:rPr>
               <a:t>height</a:t>
@@ -13138,35 +12510,14 @@
               <a:rPr lang="es-AR" altLang="es-AR" sz="2000" dirty="0">
                 <a:latin typeface="-apple-system"/>
               </a:rPr>
-              <a:t>La propiedad CSS que controla la </a:t>
-            </a:r>
-            <a:r>
-              <a:rPr lang="es-AR" altLang="es-AR" sz="2000" dirty="0" smtClean="0">
-                <a:latin typeface="-apple-system"/>
-              </a:rPr>
-              <a:t>altura </a:t>
+              <a:t>La propiedad CSS que controla la altura de la caja de los elementos se denomina heigth</a:t>
             </a:r>
             <a:r>
               <a:rPr lang="es-AR" altLang="es-AR" sz="2000" dirty="0">
-                <a:latin typeface="-apple-system"/>
-              </a:rPr>
-              <a:t>de la caja de los elementos se denomina </a:t>
-            </a:r>
-            <a:r>
-              <a:rPr lang="es-AR" altLang="es-AR" sz="2000" dirty="0" smtClean="0">
-                <a:latin typeface="-apple-system"/>
-              </a:rPr>
-              <a:t>heigth</a:t>
-            </a:r>
-            <a:r>
-              <a:rPr lang="es-AR" altLang="es-AR" sz="2000" dirty="0" smtClean="0">
                 <a:latin typeface="+mj-lt"/>
               </a:rPr>
               <a:t>. </a:t>
             </a:r>
-            <a:endParaRPr lang="es-AR" altLang="es-AR" sz="2000" dirty="0">
-              <a:latin typeface="+mj-lt"/>
-            </a:endParaRPr>
           </a:p>
           <a:p>
             <a:endParaRPr lang="es-AR" sz="2000" dirty="0">
@@ -13185,13 +12536,1922 @@
   <p:clrMapOvr>
     <a:masterClrMapping/>
   </p:clrMapOvr>
-  <p:timing>
-    <p:tnLst>
-      <p:par>
-        <p:cTn id="1" dur="indefinite" restart="never" nodeType="tmRoot"/>
-      </p:par>
-    </p:tnLst>
-  </p:timing>
+</p:sld>
+</file>
+
+<file path=ppt/slides/slide41.xml><?xml version="1.0" encoding="utf-8"?>
+<p:sld xmlns:a="http://schemas.openxmlformats.org/drawingml/2006/main" xmlns:r="http://schemas.openxmlformats.org/officeDocument/2006/relationships" xmlns:p="http://schemas.openxmlformats.org/presentationml/2006/main">
+  <p:cSld>
+    <p:spTree>
+      <p:nvGrpSpPr>
+        <p:cNvPr id="1" name=""/>
+        <p:cNvGrpSpPr/>
+        <p:nvPr/>
+      </p:nvGrpSpPr>
+      <p:grpSpPr>
+        <a:xfrm>
+          <a:off x="0" y="0"/>
+          <a:ext cx="0" cy="0"/>
+          <a:chOff x="0" y="0"/>
+          <a:chExt cx="0" cy="0"/>
+        </a:xfrm>
+      </p:grpSpPr>
+      <p:sp>
+        <p:nvSpPr>
+          <p:cNvPr id="2" name="Título 1">
+            <a:extLst>
+              <a:ext uri="{FF2B5EF4-FFF2-40B4-BE49-F238E27FC236}">
+                <a16:creationId xmlns:a16="http://schemas.microsoft.com/office/drawing/2014/main" id="{996940BF-8759-4CA9-81EB-EBA855410463}"/>
+              </a:ext>
+            </a:extLst>
+          </p:cNvPr>
+          <p:cNvSpPr>
+            <a:spLocks noGrp="1"/>
+          </p:cNvSpPr>
+          <p:nvPr>
+            <p:ph type="title"/>
+          </p:nvPr>
+        </p:nvSpPr>
+        <p:spPr>
+          <a:xfrm>
+            <a:off x="646111" y="452718"/>
+            <a:ext cx="9404723" cy="776007"/>
+          </a:xfrm>
+        </p:spPr>
+        <p:txBody>
+          <a:bodyPr/>
+          <a:lstStyle/>
+          <a:p>
+            <a:r>
+              <a:rPr lang="es-AR" dirty="0"/>
+              <a:t>Margen</a:t>
+            </a:r>
+          </a:p>
+        </p:txBody>
+      </p:sp>
+      <p:sp>
+        <p:nvSpPr>
+          <p:cNvPr id="3" name="Marcador de contenido 2">
+            <a:extLst>
+              <a:ext uri="{FF2B5EF4-FFF2-40B4-BE49-F238E27FC236}">
+                <a16:creationId xmlns:a16="http://schemas.microsoft.com/office/drawing/2014/main" id="{5D25C906-64A4-49B5-8429-3478C690E2BF}"/>
+              </a:ext>
+            </a:extLst>
+          </p:cNvPr>
+          <p:cNvSpPr>
+            <a:spLocks noGrp="1"/>
+          </p:cNvSpPr>
+          <p:nvPr>
+            <p:ph idx="1"/>
+          </p:nvPr>
+        </p:nvSpPr>
+        <p:spPr>
+          <a:xfrm>
+            <a:off x="359380" y="1162050"/>
+            <a:ext cx="11537345" cy="5572123"/>
+          </a:xfrm>
+        </p:spPr>
+        <p:txBody>
+          <a:bodyPr/>
+          <a:lstStyle/>
+          <a:p>
+            <a:pPr algn="just"/>
+            <a:r>
+              <a:rPr lang="es-AR" dirty="0"/>
+              <a:t>CSS define cuatro propiedades para controlar cada uno de los márgenes horizontales y verticales de un elemento.</a:t>
+            </a:r>
+          </a:p>
+          <a:p>
+            <a:pPr algn="just"/>
+            <a:r>
+              <a:rPr lang="es-AR" b="1" dirty="0"/>
+              <a:t> margin-top, margin-</a:t>
+            </a:r>
+            <a:r>
+              <a:rPr lang="es-AR" b="1" dirty="0" err="1"/>
+              <a:t>right</a:t>
+            </a:r>
+            <a:r>
+              <a:rPr lang="es-AR" b="1" dirty="0"/>
+              <a:t>, margin-</a:t>
+            </a:r>
+            <a:r>
+              <a:rPr lang="es-AR" b="1" dirty="0" err="1"/>
+              <a:t>bottom</a:t>
+            </a:r>
+            <a:r>
+              <a:rPr lang="es-AR" b="1" dirty="0"/>
+              <a:t>, margin-</a:t>
+            </a:r>
+            <a:r>
+              <a:rPr lang="es-AR" b="1" dirty="0" err="1"/>
+              <a:t>left</a:t>
+            </a:r>
+            <a:endParaRPr lang="es-AR" b="1" dirty="0"/>
+          </a:p>
+          <a:p>
+            <a:pPr algn="just"/>
+            <a:r>
+              <a:rPr lang="es-AR" dirty="0"/>
+              <a:t>Cada una de las propiedades establece la separación entre el borde lateral de la caja y el resto de cajas adyacentes:</a:t>
+            </a:r>
+          </a:p>
+          <a:p>
+            <a:endParaRPr lang="es-AR" dirty="0"/>
+          </a:p>
+          <a:p>
+            <a:endParaRPr lang="es-AR" dirty="0"/>
+          </a:p>
+          <a:p>
+            <a:endParaRPr lang="es-AR" dirty="0"/>
+          </a:p>
+          <a:p>
+            <a:endParaRPr lang="es-AR" dirty="0"/>
+          </a:p>
+          <a:p>
+            <a:endParaRPr lang="es-AR" dirty="0"/>
+          </a:p>
+          <a:p>
+            <a:endParaRPr lang="es-AR" dirty="0"/>
+          </a:p>
+          <a:p>
+            <a:pPr algn="just"/>
+            <a:r>
+              <a:rPr lang="es-AR" dirty="0"/>
+              <a:t>Los márgenes verticales (margin-top y margin-</a:t>
+            </a:r>
+            <a:r>
+              <a:rPr lang="es-AR" dirty="0" err="1"/>
+              <a:t>bottom</a:t>
+            </a:r>
+            <a:r>
+              <a:rPr lang="es-AR" dirty="0"/>
+              <a:t>) sólo se pueden aplicar a los elementos de bloque y las imágenes, mientras que los márgenes laterales (margin-</a:t>
+            </a:r>
+            <a:r>
+              <a:rPr lang="es-AR" dirty="0" err="1"/>
+              <a:t>left</a:t>
+            </a:r>
+            <a:r>
+              <a:rPr lang="es-AR" dirty="0"/>
+              <a:t> y margin-</a:t>
+            </a:r>
+            <a:r>
+              <a:rPr lang="es-AR" dirty="0" err="1"/>
+              <a:t>right</a:t>
+            </a:r>
+            <a:r>
+              <a:rPr lang="es-AR" dirty="0"/>
+              <a:t>) se pueden aplicar a cualquier elemento </a:t>
+            </a:r>
+          </a:p>
+          <a:p>
+            <a:endParaRPr lang="es-AR" dirty="0"/>
+          </a:p>
+          <a:p>
+            <a:endParaRPr lang="es-AR" dirty="0"/>
+          </a:p>
+        </p:txBody>
+      </p:sp>
+      <p:pic>
+        <p:nvPicPr>
+          <p:cNvPr id="5" name="Imagen 4">
+            <a:extLst>
+              <a:ext uri="{FF2B5EF4-FFF2-40B4-BE49-F238E27FC236}">
+                <a16:creationId xmlns:a16="http://schemas.microsoft.com/office/drawing/2014/main" id="{CA51BA51-9B1D-4047-8B05-EECC57AB1574}"/>
+              </a:ext>
+            </a:extLst>
+          </p:cNvPr>
+          <p:cNvPicPr>
+            <a:picLocks noChangeAspect="1"/>
+          </p:cNvPicPr>
+          <p:nvPr/>
+        </p:nvPicPr>
+        <p:blipFill>
+          <a:blip r:embed="rId2"/>
+          <a:stretch>
+            <a:fillRect/>
+          </a:stretch>
+        </p:blipFill>
+        <p:spPr>
+          <a:xfrm>
+            <a:off x="5421272" y="2855933"/>
+            <a:ext cx="3475078" cy="2573317"/>
+          </a:xfrm>
+          <a:prstGeom prst="rect">
+            <a:avLst/>
+          </a:prstGeom>
+        </p:spPr>
+      </p:pic>
+    </p:spTree>
+    <p:extLst>
+      <p:ext uri="{BB962C8B-B14F-4D97-AF65-F5344CB8AC3E}">
+        <p14:creationId xmlns:p14="http://schemas.microsoft.com/office/powerpoint/2010/main" val="486769626"/>
+      </p:ext>
+    </p:extLst>
+  </p:cSld>
+  <p:clrMapOvr>
+    <a:masterClrMapping/>
+  </p:clrMapOvr>
+</p:sld>
+</file>
+
+<file path=ppt/slides/slide42.xml><?xml version="1.0" encoding="utf-8"?>
+<p:sld xmlns:a="http://schemas.openxmlformats.org/drawingml/2006/main" xmlns:r="http://schemas.openxmlformats.org/officeDocument/2006/relationships" xmlns:p="http://schemas.openxmlformats.org/presentationml/2006/main">
+  <p:cSld>
+    <p:spTree>
+      <p:nvGrpSpPr>
+        <p:cNvPr id="1" name=""/>
+        <p:cNvGrpSpPr/>
+        <p:nvPr/>
+      </p:nvGrpSpPr>
+      <p:grpSpPr>
+        <a:xfrm>
+          <a:off x="0" y="0"/>
+          <a:ext cx="0" cy="0"/>
+          <a:chOff x="0" y="0"/>
+          <a:chExt cx="0" cy="0"/>
+        </a:xfrm>
+      </p:grpSpPr>
+      <p:sp>
+        <p:nvSpPr>
+          <p:cNvPr id="2" name="Título 1">
+            <a:extLst>
+              <a:ext uri="{FF2B5EF4-FFF2-40B4-BE49-F238E27FC236}">
+                <a16:creationId xmlns:a16="http://schemas.microsoft.com/office/drawing/2014/main" id="{8FDB895D-2B0C-45F7-9EA6-F239F2DD77C8}"/>
+              </a:ext>
+            </a:extLst>
+          </p:cNvPr>
+          <p:cNvSpPr>
+            <a:spLocks noGrp="1"/>
+          </p:cNvSpPr>
+          <p:nvPr>
+            <p:ph type="title"/>
+          </p:nvPr>
+        </p:nvSpPr>
+        <p:spPr>
+          <a:xfrm>
+            <a:off x="646111" y="452718"/>
+            <a:ext cx="9404723" cy="690282"/>
+          </a:xfrm>
+        </p:spPr>
+        <p:txBody>
+          <a:bodyPr/>
+          <a:lstStyle/>
+          <a:p>
+            <a:r>
+              <a:rPr lang="es-AR" dirty="0"/>
+              <a:t>Margin</a:t>
+            </a:r>
+          </a:p>
+        </p:txBody>
+      </p:sp>
+      <p:sp>
+        <p:nvSpPr>
+          <p:cNvPr id="3" name="Marcador de contenido 2">
+            <a:extLst>
+              <a:ext uri="{FF2B5EF4-FFF2-40B4-BE49-F238E27FC236}">
+                <a16:creationId xmlns:a16="http://schemas.microsoft.com/office/drawing/2014/main" id="{C4626CBC-EEEC-457E-9958-A6BDC411CBC8}"/>
+              </a:ext>
+            </a:extLst>
+          </p:cNvPr>
+          <p:cNvSpPr>
+            <a:spLocks noGrp="1"/>
+          </p:cNvSpPr>
+          <p:nvPr>
+            <p:ph idx="1"/>
+          </p:nvPr>
+        </p:nvSpPr>
+        <p:spPr>
+          <a:xfrm>
+            <a:off x="238125" y="1143000"/>
+            <a:ext cx="11791949" cy="5638800"/>
+          </a:xfrm>
+        </p:spPr>
+        <p:txBody>
+          <a:bodyPr/>
+          <a:lstStyle/>
+          <a:p>
+            <a:pPr algn="just"/>
+            <a:r>
+              <a:rPr lang="es-AR" dirty="0"/>
+              <a:t>Además de las cuatro propiedades que controlan cada uno de los márgenes del elemento, CSS define una propiedad especial que permite establecer los cuatro márgenes de forma simultánea. Estas propiedades especiales se denominan </a:t>
+            </a:r>
+            <a:r>
+              <a:rPr lang="es-AR" i="1" dirty="0"/>
+              <a:t>"propiedades shorthand"</a:t>
+            </a:r>
+            <a:r>
+              <a:rPr lang="es-AR" dirty="0"/>
+              <a:t> y CSS define varias propiedades de este tipo, como se verá más adelante.</a:t>
+            </a:r>
+          </a:p>
+          <a:p>
+            <a:pPr algn="just"/>
+            <a:r>
+              <a:rPr lang="es-AR" dirty="0"/>
+              <a:t>La propiedad que permite definir de forma simultanea los cuatro márgenes se denomina margin. </a:t>
+            </a:r>
+          </a:p>
+          <a:p>
+            <a:pPr algn="just"/>
+            <a:endParaRPr lang="es-AR" dirty="0"/>
+          </a:p>
+          <a:p>
+            <a:pPr algn="just"/>
+            <a:endParaRPr lang="es-AR" dirty="0"/>
+          </a:p>
+          <a:p>
+            <a:r>
+              <a:rPr lang="es-AR" dirty="0"/>
+              <a:t>Si solo se indica un valor, todos los márgenes tienen ese valor.</a:t>
+            </a:r>
+          </a:p>
+          <a:p>
+            <a:r>
+              <a:rPr lang="es-AR" dirty="0"/>
+              <a:t>Si se indican dos valores, el primero se asigna al margen superior e inferior y el segundo se asigna a los márgenes izquierdo y derecho.</a:t>
+            </a:r>
+          </a:p>
+          <a:p>
+            <a:r>
+              <a:rPr lang="es-AR" dirty="0"/>
+              <a:t>Si se indican tres valores, el primero se asigna al margen superior, el tercero se asigna al margen inferior y el segundo valor se asigna los márgenes izquierdo y derecho.</a:t>
+            </a:r>
+          </a:p>
+          <a:p>
+            <a:r>
+              <a:rPr lang="es-AR" dirty="0"/>
+              <a:t>Si se indican los cuatro valores, el orden de asignación es: margen superior, margen derecho, margen inferior y margen izquierdo.</a:t>
+            </a:r>
+          </a:p>
+          <a:p>
+            <a:pPr algn="just"/>
+            <a:endParaRPr lang="es-AR" dirty="0"/>
+          </a:p>
+          <a:p>
+            <a:pPr algn="just"/>
+            <a:endParaRPr lang="es-AR" dirty="0"/>
+          </a:p>
+          <a:p>
+            <a:pPr algn="just"/>
+            <a:endParaRPr lang="es-AR" dirty="0"/>
+          </a:p>
+        </p:txBody>
+      </p:sp>
+      <p:pic>
+        <p:nvPicPr>
+          <p:cNvPr id="6" name="Imagen 5">
+            <a:extLst>
+              <a:ext uri="{FF2B5EF4-FFF2-40B4-BE49-F238E27FC236}">
+                <a16:creationId xmlns:a16="http://schemas.microsoft.com/office/drawing/2014/main" id="{27ADDAD3-0695-43A4-9B43-A9E88BD0CC24}"/>
+              </a:ext>
+            </a:extLst>
+          </p:cNvPr>
+          <p:cNvPicPr>
+            <a:picLocks noChangeAspect="1"/>
+          </p:cNvPicPr>
+          <p:nvPr/>
+        </p:nvPicPr>
+        <p:blipFill>
+          <a:blip r:embed="rId2"/>
+          <a:stretch>
+            <a:fillRect/>
+          </a:stretch>
+        </p:blipFill>
+        <p:spPr>
+          <a:xfrm>
+            <a:off x="3879810" y="2974954"/>
+            <a:ext cx="4432379" cy="1137675"/>
+          </a:xfrm>
+          <a:prstGeom prst="rect">
+            <a:avLst/>
+          </a:prstGeom>
+        </p:spPr>
+      </p:pic>
+    </p:spTree>
+    <p:extLst>
+      <p:ext uri="{BB962C8B-B14F-4D97-AF65-F5344CB8AC3E}">
+        <p14:creationId xmlns:p14="http://schemas.microsoft.com/office/powerpoint/2010/main" val="3815639858"/>
+      </p:ext>
+    </p:extLst>
+  </p:cSld>
+  <p:clrMapOvr>
+    <a:masterClrMapping/>
+  </p:clrMapOvr>
+</p:sld>
+</file>
+
+<file path=ppt/slides/slide43.xml><?xml version="1.0" encoding="utf-8"?>
+<p:sld xmlns:a="http://schemas.openxmlformats.org/drawingml/2006/main" xmlns:r="http://schemas.openxmlformats.org/officeDocument/2006/relationships" xmlns:p="http://schemas.openxmlformats.org/presentationml/2006/main">
+  <p:cSld>
+    <p:spTree>
+      <p:nvGrpSpPr>
+        <p:cNvPr id="1" name=""/>
+        <p:cNvGrpSpPr/>
+        <p:nvPr/>
+      </p:nvGrpSpPr>
+      <p:grpSpPr>
+        <a:xfrm>
+          <a:off x="0" y="0"/>
+          <a:ext cx="0" cy="0"/>
+          <a:chOff x="0" y="0"/>
+          <a:chExt cx="0" cy="0"/>
+        </a:xfrm>
+      </p:grpSpPr>
+      <p:sp>
+        <p:nvSpPr>
+          <p:cNvPr id="2" name="Título 1">
+            <a:extLst>
+              <a:ext uri="{FF2B5EF4-FFF2-40B4-BE49-F238E27FC236}">
+                <a16:creationId xmlns:a16="http://schemas.microsoft.com/office/drawing/2014/main" id="{147D1631-E978-4DEC-93E6-FAB06DE994FC}"/>
+              </a:ext>
+            </a:extLst>
+          </p:cNvPr>
+          <p:cNvSpPr>
+            <a:spLocks noGrp="1"/>
+          </p:cNvSpPr>
+          <p:nvPr>
+            <p:ph type="title"/>
+          </p:nvPr>
+        </p:nvSpPr>
+        <p:spPr>
+          <a:xfrm>
+            <a:off x="646111" y="452718"/>
+            <a:ext cx="9404723" cy="776007"/>
+          </a:xfrm>
+        </p:spPr>
+        <p:txBody>
+          <a:bodyPr/>
+          <a:lstStyle/>
+          <a:p>
+            <a:r>
+              <a:rPr lang="es-AR" dirty="0"/>
+              <a:t>Margin II</a:t>
+            </a:r>
+          </a:p>
+        </p:txBody>
+      </p:sp>
+      <p:sp>
+        <p:nvSpPr>
+          <p:cNvPr id="3" name="Marcador de contenido 2">
+            <a:extLst>
+              <a:ext uri="{FF2B5EF4-FFF2-40B4-BE49-F238E27FC236}">
+                <a16:creationId xmlns:a16="http://schemas.microsoft.com/office/drawing/2014/main" id="{0CFBF974-1607-4340-956F-3D98249850F9}"/>
+              </a:ext>
+            </a:extLst>
+          </p:cNvPr>
+          <p:cNvSpPr>
+            <a:spLocks noGrp="1"/>
+          </p:cNvSpPr>
+          <p:nvPr>
+            <p:ph idx="1"/>
+          </p:nvPr>
+        </p:nvSpPr>
+        <p:spPr>
+          <a:xfrm>
+            <a:off x="180976" y="1228726"/>
+            <a:ext cx="11801474" cy="5400674"/>
+          </a:xfrm>
+        </p:spPr>
+        <p:txBody>
+          <a:bodyPr/>
+          <a:lstStyle/>
+          <a:p>
+            <a:r>
+              <a:rPr lang="es-AR" dirty="0"/>
+              <a:t>Cuando se juntan dos o más márgenes verticales, se fusionan de forma automática y la altura del nuevo margen será igual a la altura del margen más alto de los que se han fusionado.</a:t>
+            </a:r>
+          </a:p>
+          <a:p>
+            <a:endParaRPr lang="es-AR" dirty="0"/>
+          </a:p>
+          <a:p>
+            <a:endParaRPr lang="es-AR" dirty="0"/>
+          </a:p>
+          <a:p>
+            <a:endParaRPr lang="es-AR" dirty="0"/>
+          </a:p>
+          <a:p>
+            <a:endParaRPr lang="es-AR" dirty="0"/>
+          </a:p>
+          <a:p>
+            <a:endParaRPr lang="es-AR" dirty="0"/>
+          </a:p>
+          <a:p>
+            <a:endParaRPr lang="es-AR" dirty="0"/>
+          </a:p>
+          <a:p>
+            <a:endParaRPr lang="es-AR" dirty="0"/>
+          </a:p>
+          <a:p>
+            <a:r>
+              <a:rPr lang="es-AR" dirty="0"/>
+              <a:t>Si un elemento está contenido dentro de otro elemento, sus márgenes verticales se fusionan y resultan en un nuevo margen de la misma altura que el mayor margen de los que se han fusionado</a:t>
+            </a:r>
+          </a:p>
+          <a:p>
+            <a:endParaRPr lang="es-AR" dirty="0"/>
+          </a:p>
+        </p:txBody>
+      </p:sp>
+      <p:pic>
+        <p:nvPicPr>
+          <p:cNvPr id="5" name="Imagen 4">
+            <a:extLst>
+              <a:ext uri="{FF2B5EF4-FFF2-40B4-BE49-F238E27FC236}">
+                <a16:creationId xmlns:a16="http://schemas.microsoft.com/office/drawing/2014/main" id="{F355D046-A778-46F0-B014-AA4CE894041A}"/>
+              </a:ext>
+            </a:extLst>
+          </p:cNvPr>
+          <p:cNvPicPr>
+            <a:picLocks noChangeAspect="1"/>
+          </p:cNvPicPr>
+          <p:nvPr/>
+        </p:nvPicPr>
+        <p:blipFill>
+          <a:blip r:embed="rId2"/>
+          <a:stretch>
+            <a:fillRect/>
+          </a:stretch>
+        </p:blipFill>
+        <p:spPr>
+          <a:xfrm>
+            <a:off x="414337" y="2224087"/>
+            <a:ext cx="4052888" cy="2583041"/>
+          </a:xfrm>
+          <a:prstGeom prst="rect">
+            <a:avLst/>
+          </a:prstGeom>
+        </p:spPr>
+      </p:pic>
+      <p:pic>
+        <p:nvPicPr>
+          <p:cNvPr id="9" name="Imagen 8">
+            <a:extLst>
+              <a:ext uri="{FF2B5EF4-FFF2-40B4-BE49-F238E27FC236}">
+                <a16:creationId xmlns:a16="http://schemas.microsoft.com/office/drawing/2014/main" id="{679A46C3-9EDE-4436-A35D-32CEF963B47C}"/>
+              </a:ext>
+            </a:extLst>
+          </p:cNvPr>
+          <p:cNvPicPr>
+            <a:picLocks noChangeAspect="1"/>
+          </p:cNvPicPr>
+          <p:nvPr/>
+        </p:nvPicPr>
+        <p:blipFill>
+          <a:blip r:embed="rId3"/>
+          <a:stretch>
+            <a:fillRect/>
+          </a:stretch>
+        </p:blipFill>
+        <p:spPr>
+          <a:xfrm>
+            <a:off x="7372350" y="3305175"/>
+            <a:ext cx="4476750" cy="1771650"/>
+          </a:xfrm>
+          <a:prstGeom prst="rect">
+            <a:avLst/>
+          </a:prstGeom>
+        </p:spPr>
+      </p:pic>
+    </p:spTree>
+    <p:extLst>
+      <p:ext uri="{BB962C8B-B14F-4D97-AF65-F5344CB8AC3E}">
+        <p14:creationId xmlns:p14="http://schemas.microsoft.com/office/powerpoint/2010/main" val="1430541827"/>
+      </p:ext>
+    </p:extLst>
+  </p:cSld>
+  <p:clrMapOvr>
+    <a:masterClrMapping/>
+  </p:clrMapOvr>
+</p:sld>
+</file>
+
+<file path=ppt/slides/slide44.xml><?xml version="1.0" encoding="utf-8"?>
+<p:sld xmlns:a="http://schemas.openxmlformats.org/drawingml/2006/main" xmlns:r="http://schemas.openxmlformats.org/officeDocument/2006/relationships" xmlns:p="http://schemas.openxmlformats.org/presentationml/2006/main">
+  <p:cSld>
+    <p:spTree>
+      <p:nvGrpSpPr>
+        <p:cNvPr id="1" name=""/>
+        <p:cNvGrpSpPr/>
+        <p:nvPr/>
+      </p:nvGrpSpPr>
+      <p:grpSpPr>
+        <a:xfrm>
+          <a:off x="0" y="0"/>
+          <a:ext cx="0" cy="0"/>
+          <a:chOff x="0" y="0"/>
+          <a:chExt cx="0" cy="0"/>
+        </a:xfrm>
+      </p:grpSpPr>
+      <p:sp>
+        <p:nvSpPr>
+          <p:cNvPr id="2" name="Título 1">
+            <a:extLst>
+              <a:ext uri="{FF2B5EF4-FFF2-40B4-BE49-F238E27FC236}">
+                <a16:creationId xmlns:a16="http://schemas.microsoft.com/office/drawing/2014/main" id="{8A7C8DCB-DE18-4B6E-BB6F-F89080ED8A54}"/>
+              </a:ext>
+            </a:extLst>
+          </p:cNvPr>
+          <p:cNvSpPr>
+            <a:spLocks noGrp="1"/>
+          </p:cNvSpPr>
+          <p:nvPr>
+            <p:ph type="title"/>
+          </p:nvPr>
+        </p:nvSpPr>
+        <p:spPr>
+          <a:xfrm>
+            <a:off x="646111" y="452718"/>
+            <a:ext cx="9404723" cy="699807"/>
+          </a:xfrm>
+        </p:spPr>
+        <p:txBody>
+          <a:bodyPr/>
+          <a:lstStyle/>
+          <a:p>
+            <a:r>
+              <a:rPr lang="es-AR" dirty="0"/>
+              <a:t>Relleno</a:t>
+            </a:r>
+          </a:p>
+        </p:txBody>
+      </p:sp>
+      <p:sp>
+        <p:nvSpPr>
+          <p:cNvPr id="3" name="Marcador de contenido 2">
+            <a:extLst>
+              <a:ext uri="{FF2B5EF4-FFF2-40B4-BE49-F238E27FC236}">
+                <a16:creationId xmlns:a16="http://schemas.microsoft.com/office/drawing/2014/main" id="{0C173C96-C509-41B9-A000-7377ADAF5A61}"/>
+              </a:ext>
+            </a:extLst>
+          </p:cNvPr>
+          <p:cNvSpPr>
+            <a:spLocks noGrp="1"/>
+          </p:cNvSpPr>
+          <p:nvPr>
+            <p:ph idx="1"/>
+          </p:nvPr>
+        </p:nvSpPr>
+        <p:spPr>
+          <a:xfrm>
+            <a:off x="293687" y="1233768"/>
+            <a:ext cx="11660188" cy="5395632"/>
+          </a:xfrm>
+        </p:spPr>
+        <p:txBody>
+          <a:bodyPr>
+            <a:normAutofit lnSpcReduction="10000"/>
+          </a:bodyPr>
+          <a:lstStyle/>
+          <a:p>
+            <a:r>
+              <a:rPr lang="es-AR" dirty="0"/>
+              <a:t>CSS define cuatro propiedades para controlar cada uno de los espacios de relleno horizontales y verticales de un elemento.</a:t>
+            </a:r>
+          </a:p>
+          <a:p>
+            <a:r>
+              <a:rPr lang="es-AR" b="1" dirty="0"/>
+              <a:t>padding-top, padding-</a:t>
+            </a:r>
+            <a:r>
+              <a:rPr lang="es-AR" b="1" dirty="0" err="1"/>
+              <a:t>right</a:t>
+            </a:r>
+            <a:r>
+              <a:rPr lang="es-AR" b="1" dirty="0"/>
+              <a:t>, padding-</a:t>
+            </a:r>
+            <a:r>
+              <a:rPr lang="es-AR" b="1" dirty="0" err="1"/>
+              <a:t>bottom</a:t>
+            </a:r>
+            <a:r>
+              <a:rPr lang="es-AR" b="1" dirty="0"/>
+              <a:t>, padding-</a:t>
+            </a:r>
+            <a:r>
+              <a:rPr lang="es-AR" b="1" dirty="0" err="1"/>
+              <a:t>left</a:t>
+            </a:r>
+            <a:endParaRPr lang="es-AR" b="1" dirty="0"/>
+          </a:p>
+          <a:p>
+            <a:r>
+              <a:rPr lang="es-AR" dirty="0"/>
+              <a:t>Cada una de estas propiedades establece la separación entre el contenido y los bordes laterales de la caja del elemento:</a:t>
+            </a:r>
+          </a:p>
+          <a:p>
+            <a:endParaRPr lang="es-AR" dirty="0"/>
+          </a:p>
+          <a:p>
+            <a:endParaRPr lang="es-AR" dirty="0"/>
+          </a:p>
+          <a:p>
+            <a:endParaRPr lang="es-AR" dirty="0"/>
+          </a:p>
+          <a:p>
+            <a:endParaRPr lang="es-AR" dirty="0"/>
+          </a:p>
+          <a:p>
+            <a:endParaRPr lang="es-AR" dirty="0"/>
+          </a:p>
+          <a:p>
+            <a:endParaRPr lang="es-AR" dirty="0"/>
+          </a:p>
+          <a:p>
+            <a:r>
+              <a:rPr lang="es-AR" dirty="0"/>
+              <a:t>Como sucede con los márgenes, CSS también define una propiedad de tipo "shorthand" llamada padding para establecer los cuatro rellenos de un elemento de forma simultánea. </a:t>
+            </a:r>
+          </a:p>
+          <a:p>
+            <a:endParaRPr lang="es-AR" dirty="0"/>
+          </a:p>
+        </p:txBody>
+      </p:sp>
+      <p:pic>
+        <p:nvPicPr>
+          <p:cNvPr id="6" name="Imagen 5">
+            <a:extLst>
+              <a:ext uri="{FF2B5EF4-FFF2-40B4-BE49-F238E27FC236}">
+                <a16:creationId xmlns:a16="http://schemas.microsoft.com/office/drawing/2014/main" id="{A75E295B-D592-44F1-BA1C-677FB7CF6A8B}"/>
+              </a:ext>
+            </a:extLst>
+          </p:cNvPr>
+          <p:cNvPicPr>
+            <a:picLocks noChangeAspect="1"/>
+          </p:cNvPicPr>
+          <p:nvPr/>
+        </p:nvPicPr>
+        <p:blipFill>
+          <a:blip r:embed="rId2"/>
+          <a:stretch>
+            <a:fillRect/>
+          </a:stretch>
+        </p:blipFill>
+        <p:spPr>
+          <a:xfrm>
+            <a:off x="6096000" y="2686050"/>
+            <a:ext cx="3571875" cy="2644996"/>
+          </a:xfrm>
+          <a:prstGeom prst="rect">
+            <a:avLst/>
+          </a:prstGeom>
+        </p:spPr>
+      </p:pic>
+    </p:spTree>
+    <p:extLst>
+      <p:ext uri="{BB962C8B-B14F-4D97-AF65-F5344CB8AC3E}">
+        <p14:creationId xmlns:p14="http://schemas.microsoft.com/office/powerpoint/2010/main" val="2090402183"/>
+      </p:ext>
+    </p:extLst>
+  </p:cSld>
+  <p:clrMapOvr>
+    <a:masterClrMapping/>
+  </p:clrMapOvr>
+</p:sld>
+</file>
+
+<file path=ppt/slides/slide45.xml><?xml version="1.0" encoding="utf-8"?>
+<p:sld xmlns:a="http://schemas.openxmlformats.org/drawingml/2006/main" xmlns:r="http://schemas.openxmlformats.org/officeDocument/2006/relationships" xmlns:p="http://schemas.openxmlformats.org/presentationml/2006/main">
+  <p:cSld>
+    <p:spTree>
+      <p:nvGrpSpPr>
+        <p:cNvPr id="1" name=""/>
+        <p:cNvGrpSpPr/>
+        <p:nvPr/>
+      </p:nvGrpSpPr>
+      <p:grpSpPr>
+        <a:xfrm>
+          <a:off x="0" y="0"/>
+          <a:ext cx="0" cy="0"/>
+          <a:chOff x="0" y="0"/>
+          <a:chExt cx="0" cy="0"/>
+        </a:xfrm>
+      </p:grpSpPr>
+      <p:sp>
+        <p:nvSpPr>
+          <p:cNvPr id="2" name="Título 1">
+            <a:extLst>
+              <a:ext uri="{FF2B5EF4-FFF2-40B4-BE49-F238E27FC236}">
+                <a16:creationId xmlns:a16="http://schemas.microsoft.com/office/drawing/2014/main" id="{CF51A549-43E0-4446-8A8F-A782C5B566D1}"/>
+              </a:ext>
+            </a:extLst>
+          </p:cNvPr>
+          <p:cNvSpPr>
+            <a:spLocks noGrp="1"/>
+          </p:cNvSpPr>
+          <p:nvPr>
+            <p:ph type="title"/>
+          </p:nvPr>
+        </p:nvSpPr>
+        <p:spPr>
+          <a:xfrm>
+            <a:off x="646111" y="452718"/>
+            <a:ext cx="9404723" cy="680757"/>
+          </a:xfrm>
+        </p:spPr>
+        <p:txBody>
+          <a:bodyPr/>
+          <a:lstStyle/>
+          <a:p>
+            <a:r>
+              <a:rPr lang="es-AR" dirty="0"/>
+              <a:t>Bordes</a:t>
+            </a:r>
+          </a:p>
+        </p:txBody>
+      </p:sp>
+      <p:sp>
+        <p:nvSpPr>
+          <p:cNvPr id="3" name="Marcador de contenido 2">
+            <a:extLst>
+              <a:ext uri="{FF2B5EF4-FFF2-40B4-BE49-F238E27FC236}">
+                <a16:creationId xmlns:a16="http://schemas.microsoft.com/office/drawing/2014/main" id="{1C972BD1-03C1-41E5-BE53-5EE723B94D0D}"/>
+              </a:ext>
+            </a:extLst>
+          </p:cNvPr>
+          <p:cNvSpPr>
+            <a:spLocks noGrp="1"/>
+          </p:cNvSpPr>
+          <p:nvPr>
+            <p:ph idx="1"/>
+          </p:nvPr>
+        </p:nvSpPr>
+        <p:spPr>
+          <a:xfrm>
+            <a:off x="236537" y="1252818"/>
+            <a:ext cx="11688763" cy="5490882"/>
+          </a:xfrm>
+        </p:spPr>
+        <p:txBody>
+          <a:bodyPr>
+            <a:normAutofit fontScale="92500" lnSpcReduction="10000"/>
+          </a:bodyPr>
+          <a:lstStyle/>
+          <a:p>
+            <a:r>
+              <a:rPr lang="es-AR" dirty="0"/>
+              <a:t>Para cada borde se puede establecer su ancho o grosor, su color y su estilo, por lo que en total CSS define 20 propiedades relacionadas con los bordes.</a:t>
+            </a:r>
+          </a:p>
+          <a:p>
+            <a:r>
+              <a:rPr lang="es-AR" sz="3200" dirty="0"/>
+              <a:t>Ancho</a:t>
+            </a:r>
+          </a:p>
+          <a:p>
+            <a:r>
+              <a:rPr lang="es-AR" dirty="0"/>
+              <a:t>El ancho de los bordes se controla con las cuatro propiedades siguientes:</a:t>
+            </a:r>
+          </a:p>
+          <a:p>
+            <a:r>
+              <a:rPr lang="es-AR" b="1" dirty="0"/>
+              <a:t>border-top-</a:t>
+            </a:r>
+            <a:r>
+              <a:rPr lang="es-AR" b="1" dirty="0" err="1"/>
+              <a:t>width</a:t>
+            </a:r>
+            <a:r>
+              <a:rPr lang="es-AR" b="1" dirty="0"/>
+              <a:t>, border-</a:t>
+            </a:r>
+            <a:r>
+              <a:rPr lang="es-AR" b="1" dirty="0" err="1"/>
+              <a:t>right</a:t>
+            </a:r>
+            <a:r>
+              <a:rPr lang="es-AR" b="1" dirty="0"/>
+              <a:t>-</a:t>
+            </a:r>
+            <a:r>
+              <a:rPr lang="es-AR" b="1" dirty="0" err="1"/>
+              <a:t>width</a:t>
+            </a:r>
+            <a:r>
+              <a:rPr lang="es-AR" b="1" dirty="0"/>
+              <a:t>, border-</a:t>
+            </a:r>
+            <a:r>
+              <a:rPr lang="es-AR" b="1" dirty="0" err="1"/>
+              <a:t>bottom</a:t>
+            </a:r>
+            <a:r>
+              <a:rPr lang="es-AR" b="1" dirty="0"/>
+              <a:t>-</a:t>
+            </a:r>
+            <a:r>
+              <a:rPr lang="es-AR" b="1" dirty="0" err="1"/>
+              <a:t>width</a:t>
+            </a:r>
+            <a:r>
+              <a:rPr lang="es-AR" b="1" dirty="0"/>
+              <a:t>, border-</a:t>
+            </a:r>
+            <a:r>
+              <a:rPr lang="es-AR" b="1" dirty="0" err="1"/>
+              <a:t>left</a:t>
+            </a:r>
+            <a:r>
+              <a:rPr lang="es-AR" b="1" dirty="0"/>
+              <a:t>-</a:t>
+            </a:r>
+            <a:r>
+              <a:rPr lang="es-AR" b="1" dirty="0" err="1"/>
+              <a:t>width</a:t>
+            </a:r>
+            <a:endParaRPr lang="es-AR" b="1" dirty="0"/>
+          </a:p>
+          <a:p>
+            <a:endParaRPr lang="es-AR" b="1" dirty="0"/>
+          </a:p>
+          <a:p>
+            <a:r>
+              <a:rPr lang="es-AR" dirty="0"/>
+              <a:t>El siguiente ejemplo muestra un elemento</a:t>
+            </a:r>
+          </a:p>
+          <a:p>
+            <a:pPr marL="0" indent="0">
+              <a:buNone/>
+            </a:pPr>
+            <a:r>
+              <a:rPr lang="es-AR" dirty="0"/>
+              <a:t>     con cuatro anchos diferentes de borde:</a:t>
+            </a:r>
+            <a:endParaRPr lang="es-AR" b="1" dirty="0"/>
+          </a:p>
+          <a:p>
+            <a:endParaRPr lang="es-AR" b="1" dirty="0"/>
+          </a:p>
+          <a:p>
+            <a:endParaRPr lang="es-AR" b="1" dirty="0"/>
+          </a:p>
+          <a:p>
+            <a:endParaRPr lang="es-AR" b="1" dirty="0"/>
+          </a:p>
+          <a:p>
+            <a:endParaRPr lang="es-AR" b="1" dirty="0"/>
+          </a:p>
+          <a:p>
+            <a:r>
+              <a:rPr lang="es-AR" b="1" dirty="0"/>
+              <a:t>Si se quiere establecer de forma simultánea la anchura de todos los bordes de una caja, es necesario utilizar una propiedad "shorthand" llamada </a:t>
+            </a:r>
+            <a:r>
+              <a:rPr lang="es-AR" b="1" dirty="0" err="1"/>
+              <a:t>border-width</a:t>
+            </a:r>
+            <a:endParaRPr lang="es-AR" b="1" dirty="0"/>
+          </a:p>
+          <a:p>
+            <a:endParaRPr lang="es-AR" b="1" dirty="0"/>
+          </a:p>
+          <a:p>
+            <a:endParaRPr lang="es-AR" dirty="0"/>
+          </a:p>
+          <a:p>
+            <a:endParaRPr lang="es-AR" dirty="0"/>
+          </a:p>
+        </p:txBody>
+      </p:sp>
+      <p:pic>
+        <p:nvPicPr>
+          <p:cNvPr id="6" name="Imagen 5">
+            <a:extLst>
+              <a:ext uri="{FF2B5EF4-FFF2-40B4-BE49-F238E27FC236}">
+                <a16:creationId xmlns:a16="http://schemas.microsoft.com/office/drawing/2014/main" id="{F0944A58-A1E5-43B3-9DD4-B3BB97F43B49}"/>
+              </a:ext>
+            </a:extLst>
+          </p:cNvPr>
+          <p:cNvPicPr>
+            <a:picLocks noChangeAspect="1"/>
+          </p:cNvPicPr>
+          <p:nvPr/>
+        </p:nvPicPr>
+        <p:blipFill>
+          <a:blip r:embed="rId2"/>
+          <a:stretch>
+            <a:fillRect/>
+          </a:stretch>
+        </p:blipFill>
+        <p:spPr>
+          <a:xfrm>
+            <a:off x="6453187" y="3429000"/>
+            <a:ext cx="3952875" cy="2371725"/>
+          </a:xfrm>
+          <a:prstGeom prst="rect">
+            <a:avLst/>
+          </a:prstGeom>
+        </p:spPr>
+      </p:pic>
+    </p:spTree>
+    <p:extLst>
+      <p:ext uri="{BB962C8B-B14F-4D97-AF65-F5344CB8AC3E}">
+        <p14:creationId xmlns:p14="http://schemas.microsoft.com/office/powerpoint/2010/main" val="2989616219"/>
+      </p:ext>
+    </p:extLst>
+  </p:cSld>
+  <p:clrMapOvr>
+    <a:masterClrMapping/>
+  </p:clrMapOvr>
+</p:sld>
+</file>
+
+<file path=ppt/slides/slide46.xml><?xml version="1.0" encoding="utf-8"?>
+<p:sld xmlns:a="http://schemas.openxmlformats.org/drawingml/2006/main" xmlns:r="http://schemas.openxmlformats.org/officeDocument/2006/relationships" xmlns:p="http://schemas.openxmlformats.org/presentationml/2006/main">
+  <p:cSld>
+    <p:spTree>
+      <p:nvGrpSpPr>
+        <p:cNvPr id="1" name=""/>
+        <p:cNvGrpSpPr/>
+        <p:nvPr/>
+      </p:nvGrpSpPr>
+      <p:grpSpPr>
+        <a:xfrm>
+          <a:off x="0" y="0"/>
+          <a:ext cx="0" cy="0"/>
+          <a:chOff x="0" y="0"/>
+          <a:chExt cx="0" cy="0"/>
+        </a:xfrm>
+      </p:grpSpPr>
+      <p:sp>
+        <p:nvSpPr>
+          <p:cNvPr id="2" name="Título 1">
+            <a:extLst>
+              <a:ext uri="{FF2B5EF4-FFF2-40B4-BE49-F238E27FC236}">
+                <a16:creationId xmlns:a16="http://schemas.microsoft.com/office/drawing/2014/main" id="{8046F633-63A1-42D3-8E5B-F3A99B7A6BCD}"/>
+              </a:ext>
+            </a:extLst>
+          </p:cNvPr>
+          <p:cNvSpPr>
+            <a:spLocks noGrp="1"/>
+          </p:cNvSpPr>
+          <p:nvPr>
+            <p:ph type="title"/>
+          </p:nvPr>
+        </p:nvSpPr>
+        <p:spPr>
+          <a:xfrm>
+            <a:off x="646111" y="452718"/>
+            <a:ext cx="9404723" cy="766482"/>
+          </a:xfrm>
+        </p:spPr>
+        <p:txBody>
+          <a:bodyPr/>
+          <a:lstStyle/>
+          <a:p>
+            <a:r>
+              <a:rPr lang="es-AR" dirty="0"/>
+              <a:t>Color</a:t>
+            </a:r>
+          </a:p>
+        </p:txBody>
+      </p:sp>
+      <p:sp>
+        <p:nvSpPr>
+          <p:cNvPr id="3" name="Marcador de contenido 2">
+            <a:extLst>
+              <a:ext uri="{FF2B5EF4-FFF2-40B4-BE49-F238E27FC236}">
+                <a16:creationId xmlns:a16="http://schemas.microsoft.com/office/drawing/2014/main" id="{811654B6-72F6-4D74-80CC-E2EF3D8DE07D}"/>
+              </a:ext>
+            </a:extLst>
+          </p:cNvPr>
+          <p:cNvSpPr>
+            <a:spLocks noGrp="1"/>
+          </p:cNvSpPr>
+          <p:nvPr>
+            <p:ph idx="1"/>
+          </p:nvPr>
+        </p:nvSpPr>
+        <p:spPr>
+          <a:xfrm>
+            <a:off x="400050" y="1438276"/>
+            <a:ext cx="11563350" cy="4967006"/>
+          </a:xfrm>
+        </p:spPr>
+        <p:txBody>
+          <a:bodyPr>
+            <a:normAutofit lnSpcReduction="10000"/>
+          </a:bodyPr>
+          <a:lstStyle/>
+          <a:p>
+            <a:r>
+              <a:rPr lang="es-AR" dirty="0"/>
+              <a:t>El color de los bordes se controla con las cuatro propiedades siguientes:</a:t>
+            </a:r>
+          </a:p>
+          <a:p>
+            <a:r>
+              <a:rPr lang="es-AR" b="1" dirty="0"/>
+              <a:t>border-top-color, border-</a:t>
+            </a:r>
+            <a:r>
+              <a:rPr lang="es-AR" b="1" dirty="0" err="1"/>
+              <a:t>right</a:t>
+            </a:r>
+            <a:r>
+              <a:rPr lang="es-AR" b="1" dirty="0"/>
+              <a:t>-color, border-</a:t>
+            </a:r>
+            <a:r>
+              <a:rPr lang="es-AR" b="1" dirty="0" err="1"/>
+              <a:t>bottom</a:t>
+            </a:r>
+            <a:r>
+              <a:rPr lang="es-AR" b="1" dirty="0"/>
+              <a:t>-color, border-</a:t>
+            </a:r>
+            <a:r>
+              <a:rPr lang="es-AR" b="1" dirty="0" err="1"/>
+              <a:t>left</a:t>
+            </a:r>
+            <a:r>
+              <a:rPr lang="es-AR" b="1" dirty="0"/>
+              <a:t>-color</a:t>
+            </a:r>
+          </a:p>
+          <a:p>
+            <a:endParaRPr lang="es-AR" b="1" dirty="0"/>
+          </a:p>
+          <a:p>
+            <a:endParaRPr lang="es-AR" b="1" dirty="0"/>
+          </a:p>
+          <a:p>
+            <a:endParaRPr lang="es-AR" b="1" dirty="0"/>
+          </a:p>
+          <a:p>
+            <a:endParaRPr lang="es-AR" b="1" dirty="0"/>
+          </a:p>
+          <a:p>
+            <a:endParaRPr lang="es-AR" b="1" dirty="0"/>
+          </a:p>
+          <a:p>
+            <a:endParaRPr lang="es-AR" b="1" dirty="0"/>
+          </a:p>
+          <a:p>
+            <a:endParaRPr lang="es-AR" b="1" dirty="0"/>
+          </a:p>
+          <a:p>
+            <a:endParaRPr lang="es-AR" b="1" dirty="0"/>
+          </a:p>
+          <a:p>
+            <a:r>
+              <a:rPr lang="es-AR" b="1" dirty="0"/>
+              <a:t>CSS incluye una propiedad "shorthand" llamada border-color para establecer de forma simultánea el color de todos los bordes de una caja </a:t>
+            </a:r>
+          </a:p>
+          <a:p>
+            <a:endParaRPr lang="es-AR" b="1" dirty="0"/>
+          </a:p>
+          <a:p>
+            <a:endParaRPr lang="es-AR" b="1" dirty="0"/>
+          </a:p>
+          <a:p>
+            <a:endParaRPr lang="es-AR" b="1" dirty="0"/>
+          </a:p>
+          <a:p>
+            <a:endParaRPr lang="es-AR" b="1" dirty="0"/>
+          </a:p>
+          <a:p>
+            <a:endParaRPr lang="es-AR" b="1" dirty="0"/>
+          </a:p>
+          <a:p>
+            <a:endParaRPr lang="es-AR" b="1" dirty="0"/>
+          </a:p>
+          <a:p>
+            <a:endParaRPr lang="es-AR" b="1" dirty="0"/>
+          </a:p>
+          <a:p>
+            <a:endParaRPr lang="es-AR" b="1" dirty="0"/>
+          </a:p>
+          <a:p>
+            <a:endParaRPr lang="es-AR" b="1" dirty="0"/>
+          </a:p>
+          <a:p>
+            <a:pPr marL="0" indent="0">
+              <a:buNone/>
+            </a:pPr>
+            <a:endParaRPr lang="es-AR" b="1" dirty="0"/>
+          </a:p>
+          <a:p>
+            <a:endParaRPr lang="es-AR" dirty="0"/>
+          </a:p>
+        </p:txBody>
+      </p:sp>
+      <p:pic>
+        <p:nvPicPr>
+          <p:cNvPr id="6" name="Imagen 5">
+            <a:extLst>
+              <a:ext uri="{FF2B5EF4-FFF2-40B4-BE49-F238E27FC236}">
+                <a16:creationId xmlns:a16="http://schemas.microsoft.com/office/drawing/2014/main" id="{122B8891-D989-4C5D-A461-81428ECC70D1}"/>
+              </a:ext>
+            </a:extLst>
+          </p:cNvPr>
+          <p:cNvPicPr>
+            <a:picLocks noChangeAspect="1"/>
+          </p:cNvPicPr>
+          <p:nvPr/>
+        </p:nvPicPr>
+        <p:blipFill>
+          <a:blip r:embed="rId2"/>
+          <a:stretch>
+            <a:fillRect/>
+          </a:stretch>
+        </p:blipFill>
+        <p:spPr>
+          <a:xfrm>
+            <a:off x="3057525" y="2395537"/>
+            <a:ext cx="4910137" cy="2946082"/>
+          </a:xfrm>
+          <a:prstGeom prst="rect">
+            <a:avLst/>
+          </a:prstGeom>
+        </p:spPr>
+      </p:pic>
+    </p:spTree>
+    <p:extLst>
+      <p:ext uri="{BB962C8B-B14F-4D97-AF65-F5344CB8AC3E}">
+        <p14:creationId xmlns:p14="http://schemas.microsoft.com/office/powerpoint/2010/main" val="1178815141"/>
+      </p:ext>
+    </p:extLst>
+  </p:cSld>
+  <p:clrMapOvr>
+    <a:masterClrMapping/>
+  </p:clrMapOvr>
+</p:sld>
+</file>
+
+<file path=ppt/slides/slide47.xml><?xml version="1.0" encoding="utf-8"?>
+<p:sld xmlns:a="http://schemas.openxmlformats.org/drawingml/2006/main" xmlns:r="http://schemas.openxmlformats.org/officeDocument/2006/relationships" xmlns:p="http://schemas.openxmlformats.org/presentationml/2006/main">
+  <p:cSld>
+    <p:spTree>
+      <p:nvGrpSpPr>
+        <p:cNvPr id="1" name=""/>
+        <p:cNvGrpSpPr/>
+        <p:nvPr/>
+      </p:nvGrpSpPr>
+      <p:grpSpPr>
+        <a:xfrm>
+          <a:off x="0" y="0"/>
+          <a:ext cx="0" cy="0"/>
+          <a:chOff x="0" y="0"/>
+          <a:chExt cx="0" cy="0"/>
+        </a:xfrm>
+      </p:grpSpPr>
+      <p:sp>
+        <p:nvSpPr>
+          <p:cNvPr id="2" name="Título 1">
+            <a:extLst>
+              <a:ext uri="{FF2B5EF4-FFF2-40B4-BE49-F238E27FC236}">
+                <a16:creationId xmlns:a16="http://schemas.microsoft.com/office/drawing/2014/main" id="{54CBB9CA-68CF-4A19-8E95-3EB9E57F10F0}"/>
+              </a:ext>
+            </a:extLst>
+          </p:cNvPr>
+          <p:cNvSpPr>
+            <a:spLocks noGrp="1"/>
+          </p:cNvSpPr>
+          <p:nvPr>
+            <p:ph type="title"/>
+          </p:nvPr>
+        </p:nvSpPr>
+        <p:spPr>
+          <a:xfrm>
+            <a:off x="646111" y="452718"/>
+            <a:ext cx="9404723" cy="728382"/>
+          </a:xfrm>
+        </p:spPr>
+        <p:txBody>
+          <a:bodyPr/>
+          <a:lstStyle/>
+          <a:p>
+            <a:r>
+              <a:rPr lang="es-AR" dirty="0"/>
+              <a:t>Estilo</a:t>
+            </a:r>
+          </a:p>
+        </p:txBody>
+      </p:sp>
+      <p:sp>
+        <p:nvSpPr>
+          <p:cNvPr id="3" name="Marcador de contenido 2">
+            <a:extLst>
+              <a:ext uri="{FF2B5EF4-FFF2-40B4-BE49-F238E27FC236}">
+                <a16:creationId xmlns:a16="http://schemas.microsoft.com/office/drawing/2014/main" id="{A0EFD608-2685-48A2-872D-371F1BFBFA59}"/>
+              </a:ext>
+            </a:extLst>
+          </p:cNvPr>
+          <p:cNvSpPr>
+            <a:spLocks noGrp="1"/>
+          </p:cNvSpPr>
+          <p:nvPr>
+            <p:ph idx="1"/>
+          </p:nvPr>
+        </p:nvSpPr>
+        <p:spPr>
+          <a:xfrm>
+            <a:off x="245806" y="1415884"/>
+            <a:ext cx="11621729" cy="4827599"/>
+          </a:xfrm>
+        </p:spPr>
+        <p:txBody>
+          <a:bodyPr/>
+          <a:lstStyle/>
+          <a:p>
+            <a:r>
+              <a:rPr lang="es-AR" dirty="0"/>
+              <a:t>CSS permite establecer el estilo de cada uno de los bordes mediante las siguientes propiedades:</a:t>
+            </a:r>
+          </a:p>
+          <a:p>
+            <a:r>
+              <a:rPr lang="es-AR" b="1" dirty="0"/>
+              <a:t>border-top-style, border-</a:t>
+            </a:r>
+            <a:r>
+              <a:rPr lang="es-AR" b="1" dirty="0" err="1"/>
+              <a:t>right</a:t>
+            </a:r>
+            <a:r>
+              <a:rPr lang="es-AR" b="1" dirty="0"/>
+              <a:t>-style, border-</a:t>
+            </a:r>
+            <a:r>
+              <a:rPr lang="es-AR" b="1" dirty="0" err="1"/>
+              <a:t>bottom</a:t>
+            </a:r>
+            <a:r>
+              <a:rPr lang="es-AR" b="1" dirty="0"/>
+              <a:t>-style, border-</a:t>
+            </a:r>
+            <a:r>
+              <a:rPr lang="es-AR" b="1" dirty="0" err="1"/>
+              <a:t>left</a:t>
+            </a:r>
+            <a:r>
+              <a:rPr lang="es-AR" b="1" dirty="0"/>
+              <a:t>-style</a:t>
+            </a:r>
+          </a:p>
+          <a:p>
+            <a:r>
+              <a:rPr lang="es-AR" dirty="0"/>
+              <a:t>El estilo de los bordes sólo se puede indicar mediante alguna de las palabras reservadas definidas por CSS. Como el valor por defecto de esta propiedad es </a:t>
+            </a:r>
+            <a:r>
+              <a:rPr lang="es-AR" dirty="0" err="1"/>
+              <a:t>none</a:t>
+            </a:r>
+            <a:r>
+              <a:rPr lang="es-AR" dirty="0"/>
+              <a:t>, los elementos no muestran ningún borde visible a menos que se establezca explícitamente un estilo de borde</a:t>
+            </a:r>
+          </a:p>
+          <a:p>
+            <a:endParaRPr lang="es-AR" dirty="0"/>
+          </a:p>
+        </p:txBody>
+      </p:sp>
+      <p:pic>
+        <p:nvPicPr>
+          <p:cNvPr id="6" name="Imagen 5">
+            <a:extLst>
+              <a:ext uri="{FF2B5EF4-FFF2-40B4-BE49-F238E27FC236}">
+                <a16:creationId xmlns:a16="http://schemas.microsoft.com/office/drawing/2014/main" id="{52F3A3CE-DF93-4F46-8F1A-69D81B931F51}"/>
+              </a:ext>
+            </a:extLst>
+          </p:cNvPr>
+          <p:cNvPicPr>
+            <a:picLocks noChangeAspect="1"/>
+          </p:cNvPicPr>
+          <p:nvPr/>
+        </p:nvPicPr>
+        <p:blipFill>
+          <a:blip r:embed="rId2"/>
+          <a:stretch>
+            <a:fillRect/>
+          </a:stretch>
+        </p:blipFill>
+        <p:spPr>
+          <a:xfrm>
+            <a:off x="3048001" y="3871758"/>
+            <a:ext cx="4778630" cy="2867178"/>
+          </a:xfrm>
+          <a:prstGeom prst="rect">
+            <a:avLst/>
+          </a:prstGeom>
+        </p:spPr>
+      </p:pic>
+    </p:spTree>
+    <p:extLst>
+      <p:ext uri="{BB962C8B-B14F-4D97-AF65-F5344CB8AC3E}">
+        <p14:creationId xmlns:p14="http://schemas.microsoft.com/office/powerpoint/2010/main" val="2346156908"/>
+      </p:ext>
+    </p:extLst>
+  </p:cSld>
+  <p:clrMapOvr>
+    <a:masterClrMapping/>
+  </p:clrMapOvr>
+</p:sld>
+</file>
+
+<file path=ppt/slides/slide48.xml><?xml version="1.0" encoding="utf-8"?>
+<p:sld xmlns:a="http://schemas.openxmlformats.org/drawingml/2006/main" xmlns:r="http://schemas.openxmlformats.org/officeDocument/2006/relationships" xmlns:p="http://schemas.openxmlformats.org/presentationml/2006/main">
+  <p:cSld>
+    <p:spTree>
+      <p:nvGrpSpPr>
+        <p:cNvPr id="1" name=""/>
+        <p:cNvGrpSpPr/>
+        <p:nvPr/>
+      </p:nvGrpSpPr>
+      <p:grpSpPr>
+        <a:xfrm>
+          <a:off x="0" y="0"/>
+          <a:ext cx="0" cy="0"/>
+          <a:chOff x="0" y="0"/>
+          <a:chExt cx="0" cy="0"/>
+        </a:xfrm>
+      </p:grpSpPr>
+      <p:sp>
+        <p:nvSpPr>
+          <p:cNvPr id="2" name="Título 1">
+            <a:extLst>
+              <a:ext uri="{FF2B5EF4-FFF2-40B4-BE49-F238E27FC236}">
+                <a16:creationId xmlns:a16="http://schemas.microsoft.com/office/drawing/2014/main" id="{603D18F3-E3B3-4E63-832A-5F53D82B132F}"/>
+              </a:ext>
+            </a:extLst>
+          </p:cNvPr>
+          <p:cNvSpPr>
+            <a:spLocks noGrp="1"/>
+          </p:cNvSpPr>
+          <p:nvPr>
+            <p:ph type="title"/>
+          </p:nvPr>
+        </p:nvSpPr>
+        <p:spPr>
+          <a:xfrm>
+            <a:off x="646111" y="452718"/>
+            <a:ext cx="9404723" cy="680757"/>
+          </a:xfrm>
+        </p:spPr>
+        <p:txBody>
+          <a:bodyPr/>
+          <a:lstStyle/>
+          <a:p>
+            <a:r>
+              <a:rPr lang="es-AR" dirty="0"/>
+              <a:t>Estilo II</a:t>
+            </a:r>
+          </a:p>
+        </p:txBody>
+      </p:sp>
+      <p:sp>
+        <p:nvSpPr>
+          <p:cNvPr id="3" name="Marcador de contenido 2">
+            <a:extLst>
+              <a:ext uri="{FF2B5EF4-FFF2-40B4-BE49-F238E27FC236}">
+                <a16:creationId xmlns:a16="http://schemas.microsoft.com/office/drawing/2014/main" id="{ED54E1EE-19CD-4B3F-99CC-62FBDDBE6FD0}"/>
+              </a:ext>
+            </a:extLst>
+          </p:cNvPr>
+          <p:cNvSpPr>
+            <a:spLocks noGrp="1"/>
+          </p:cNvSpPr>
+          <p:nvPr>
+            <p:ph idx="1"/>
+          </p:nvPr>
+        </p:nvSpPr>
+        <p:spPr>
+          <a:xfrm>
+            <a:off x="369887" y="1372161"/>
+            <a:ext cx="11479213" cy="5033121"/>
+          </a:xfrm>
+        </p:spPr>
+        <p:txBody>
+          <a:bodyPr>
+            <a:normAutofit/>
+          </a:bodyPr>
+          <a:lstStyle/>
+          <a:p>
+            <a:r>
+              <a:rPr lang="es-AR" dirty="0"/>
+              <a:t>El aspecto con el que los navegadores </a:t>
+            </a:r>
+          </a:p>
+          <a:p>
+            <a:pPr marL="0" indent="0">
+              <a:buNone/>
+            </a:pPr>
+            <a:r>
+              <a:rPr lang="es-AR" dirty="0"/>
+              <a:t>    muestran los diferentes tipos de borde</a:t>
+            </a:r>
+          </a:p>
+          <a:p>
+            <a:pPr marL="0" indent="0">
+              <a:buNone/>
+            </a:pPr>
+            <a:r>
+              <a:rPr lang="es-AR" dirty="0"/>
+              <a:t>     se muestra a continuación</a:t>
+            </a:r>
+          </a:p>
+          <a:p>
+            <a:pPr marL="0" indent="0">
+              <a:buNone/>
+            </a:pPr>
+            <a:endParaRPr lang="es-AR" dirty="0"/>
+          </a:p>
+          <a:p>
+            <a:pPr marL="0" indent="0">
+              <a:buNone/>
+            </a:pPr>
+            <a:endParaRPr lang="es-AR" dirty="0"/>
+          </a:p>
+          <a:p>
+            <a:pPr marL="0" indent="0">
+              <a:buNone/>
+            </a:pPr>
+            <a:endParaRPr lang="es-AR" dirty="0"/>
+          </a:p>
+          <a:p>
+            <a:pPr marL="0" indent="0">
+              <a:buNone/>
+            </a:pPr>
+            <a:endParaRPr lang="es-AR" dirty="0"/>
+          </a:p>
+          <a:p>
+            <a:pPr marL="0" indent="0">
+              <a:buNone/>
+            </a:pPr>
+            <a:endParaRPr lang="es-AR" dirty="0"/>
+          </a:p>
+          <a:p>
+            <a:pPr marL="0" indent="0">
+              <a:buNone/>
+            </a:pPr>
+            <a:endParaRPr lang="es-AR" dirty="0"/>
+          </a:p>
+          <a:p>
+            <a:pPr marL="0" indent="0">
+              <a:buNone/>
+            </a:pPr>
+            <a:endParaRPr lang="es-AR" dirty="0"/>
+          </a:p>
+          <a:p>
+            <a:pPr marL="0" indent="0">
+              <a:buNone/>
+            </a:pPr>
+            <a:r>
+              <a:rPr lang="es-AR" dirty="0"/>
+              <a:t>Para establecer de forma simultánea los estilos de todos los bordes de una caja, es necesario utilizar la propiedad "shorthand" llamada border-style: </a:t>
+            </a:r>
+          </a:p>
+          <a:p>
+            <a:pPr marL="0" indent="0">
+              <a:buNone/>
+            </a:pPr>
+            <a:endParaRPr lang="es-AR" dirty="0"/>
+          </a:p>
+        </p:txBody>
+      </p:sp>
+      <p:pic>
+        <p:nvPicPr>
+          <p:cNvPr id="5" name="Imagen 4">
+            <a:extLst>
+              <a:ext uri="{FF2B5EF4-FFF2-40B4-BE49-F238E27FC236}">
+                <a16:creationId xmlns:a16="http://schemas.microsoft.com/office/drawing/2014/main" id="{BDE8BB12-4B14-4681-8D12-5E91F58ED449}"/>
+              </a:ext>
+            </a:extLst>
+          </p:cNvPr>
+          <p:cNvPicPr>
+            <a:picLocks noChangeAspect="1"/>
+          </p:cNvPicPr>
+          <p:nvPr/>
+        </p:nvPicPr>
+        <p:blipFill>
+          <a:blip r:embed="rId2"/>
+          <a:stretch>
+            <a:fillRect/>
+          </a:stretch>
+        </p:blipFill>
+        <p:spPr>
+          <a:xfrm>
+            <a:off x="6459910" y="309563"/>
+            <a:ext cx="3221006" cy="5100638"/>
+          </a:xfrm>
+          <a:prstGeom prst="rect">
+            <a:avLst/>
+          </a:prstGeom>
+        </p:spPr>
+      </p:pic>
+    </p:spTree>
+    <p:extLst>
+      <p:ext uri="{BB962C8B-B14F-4D97-AF65-F5344CB8AC3E}">
+        <p14:creationId xmlns:p14="http://schemas.microsoft.com/office/powerpoint/2010/main" val="631864743"/>
+      </p:ext>
+    </p:extLst>
+  </p:cSld>
+  <p:clrMapOvr>
+    <a:masterClrMapping/>
+  </p:clrMapOvr>
+</p:sld>
+</file>
+
+<file path=ppt/slides/slide49.xml><?xml version="1.0" encoding="utf-8"?>
+<p:sld xmlns:a="http://schemas.openxmlformats.org/drawingml/2006/main" xmlns:r="http://schemas.openxmlformats.org/officeDocument/2006/relationships" xmlns:p="http://schemas.openxmlformats.org/presentationml/2006/main">
+  <p:cSld>
+    <p:spTree>
+      <p:nvGrpSpPr>
+        <p:cNvPr id="1" name=""/>
+        <p:cNvGrpSpPr/>
+        <p:nvPr/>
+      </p:nvGrpSpPr>
+      <p:grpSpPr>
+        <a:xfrm>
+          <a:off x="0" y="0"/>
+          <a:ext cx="0" cy="0"/>
+          <a:chOff x="0" y="0"/>
+          <a:chExt cx="0" cy="0"/>
+        </a:xfrm>
+      </p:grpSpPr>
+      <p:sp>
+        <p:nvSpPr>
+          <p:cNvPr id="2" name="Título 1">
+            <a:extLst>
+              <a:ext uri="{FF2B5EF4-FFF2-40B4-BE49-F238E27FC236}">
+                <a16:creationId xmlns:a16="http://schemas.microsoft.com/office/drawing/2014/main" id="{9B173637-7965-4177-B831-29D4307E1D19}"/>
+              </a:ext>
+            </a:extLst>
+          </p:cNvPr>
+          <p:cNvSpPr>
+            <a:spLocks noGrp="1"/>
+          </p:cNvSpPr>
+          <p:nvPr>
+            <p:ph type="title"/>
+          </p:nvPr>
+        </p:nvSpPr>
+        <p:spPr>
+          <a:xfrm>
+            <a:off x="646111" y="452718"/>
+            <a:ext cx="9404723" cy="756957"/>
+          </a:xfrm>
+        </p:spPr>
+        <p:txBody>
+          <a:bodyPr/>
+          <a:lstStyle/>
+          <a:p>
+            <a:r>
+              <a:rPr lang="es-AR" dirty="0"/>
+              <a:t>Propiedades Shorthand</a:t>
+            </a:r>
+          </a:p>
+        </p:txBody>
+      </p:sp>
+      <p:sp>
+        <p:nvSpPr>
+          <p:cNvPr id="3" name="Marcador de contenido 2">
+            <a:extLst>
+              <a:ext uri="{FF2B5EF4-FFF2-40B4-BE49-F238E27FC236}">
+                <a16:creationId xmlns:a16="http://schemas.microsoft.com/office/drawing/2014/main" id="{B1CC5951-EDF8-412D-9685-AE821BB83D42}"/>
+              </a:ext>
+            </a:extLst>
+          </p:cNvPr>
+          <p:cNvSpPr>
+            <a:spLocks noGrp="1"/>
+          </p:cNvSpPr>
+          <p:nvPr>
+            <p:ph idx="1"/>
+          </p:nvPr>
+        </p:nvSpPr>
+        <p:spPr>
+          <a:xfrm>
+            <a:off x="285750" y="1662393"/>
+            <a:ext cx="11334750" cy="5071782"/>
+          </a:xfrm>
+        </p:spPr>
+        <p:txBody>
+          <a:bodyPr/>
+          <a:lstStyle/>
+          <a:p>
+            <a:r>
+              <a:rPr lang="es-AR" dirty="0"/>
+              <a:t>Como sucede con los márgenes y los rellenos, CSS define una serie de propiedades de tipo </a:t>
+            </a:r>
+            <a:r>
+              <a:rPr lang="es-AR" i="1" dirty="0"/>
+              <a:t>"shorthand"</a:t>
+            </a:r>
+            <a:r>
+              <a:rPr lang="es-AR" dirty="0"/>
+              <a:t> que permiten establecer todos los atributos de los bordes de forma simultánea. CSS incluye una propiedad </a:t>
+            </a:r>
+            <a:r>
+              <a:rPr lang="es-AR" i="1" dirty="0"/>
+              <a:t>"shorthand"</a:t>
+            </a:r>
+            <a:r>
+              <a:rPr lang="es-AR" dirty="0"/>
+              <a:t> para cada uno de los cuatro bordes y una propiedad </a:t>
+            </a:r>
+            <a:r>
+              <a:rPr lang="es-AR" i="1" dirty="0"/>
+              <a:t>"shorthand"</a:t>
+            </a:r>
+            <a:r>
+              <a:rPr lang="es-AR" dirty="0"/>
+              <a:t> global.</a:t>
+            </a:r>
+          </a:p>
+          <a:p>
+            <a:r>
+              <a:rPr lang="es-AR" dirty="0"/>
+              <a:t>El significado de cada uno de los valores especiales es el siguiente:</a:t>
+            </a:r>
+          </a:p>
+          <a:p>
+            <a:r>
+              <a:rPr lang="es-AR" dirty="0"/>
+              <a:t>&lt;</a:t>
+            </a:r>
+            <a:r>
+              <a:rPr lang="es-AR" dirty="0" err="1"/>
+              <a:t>medida_borde</a:t>
+            </a:r>
+            <a:r>
+              <a:rPr lang="es-AR" dirty="0"/>
+              <a:t>&gt;: una medida CSS o alguna de las siguientes palabras clave: </a:t>
+            </a:r>
+            <a:r>
+              <a:rPr lang="es-AR" dirty="0" err="1"/>
+              <a:t>thin</a:t>
+            </a:r>
+            <a:r>
+              <a:rPr lang="es-AR" dirty="0"/>
+              <a:t>, </a:t>
+            </a:r>
+            <a:r>
+              <a:rPr lang="es-AR" dirty="0" err="1"/>
+              <a:t>medium</a:t>
+            </a:r>
+            <a:r>
+              <a:rPr lang="es-AR" dirty="0"/>
+              <a:t>, </a:t>
+            </a:r>
+            <a:r>
+              <a:rPr lang="es-AR" dirty="0" err="1"/>
+              <a:t>thick</a:t>
+            </a:r>
+            <a:r>
+              <a:rPr lang="es-AR" dirty="0"/>
+              <a:t>.</a:t>
+            </a:r>
+          </a:p>
+          <a:p>
+            <a:r>
+              <a:rPr lang="es-AR" dirty="0"/>
+              <a:t>&lt;</a:t>
+            </a:r>
+            <a:r>
+              <a:rPr lang="es-AR" dirty="0" err="1"/>
+              <a:t>color_borde</a:t>
+            </a:r>
+            <a:r>
+              <a:rPr lang="es-AR" dirty="0"/>
+              <a:t>&gt;: un color de CSS o la palabra clave transparent</a:t>
+            </a:r>
+          </a:p>
+          <a:p>
+            <a:r>
+              <a:rPr lang="es-AR" dirty="0"/>
+              <a:t>&lt;</a:t>
+            </a:r>
+            <a:r>
+              <a:rPr lang="es-AR" dirty="0" err="1"/>
+              <a:t>estilo_borde</a:t>
+            </a:r>
+            <a:r>
+              <a:rPr lang="es-AR" dirty="0"/>
+              <a:t>&gt;: una de las siguientes palabras clave: </a:t>
+            </a:r>
+            <a:r>
+              <a:rPr lang="es-AR" dirty="0" err="1"/>
+              <a:t>none</a:t>
+            </a:r>
+            <a:r>
+              <a:rPr lang="es-AR" dirty="0"/>
+              <a:t>, </a:t>
+            </a:r>
+            <a:r>
+              <a:rPr lang="es-AR" dirty="0" err="1"/>
+              <a:t>hidden</a:t>
+            </a:r>
+            <a:r>
+              <a:rPr lang="es-AR" dirty="0"/>
+              <a:t>, </a:t>
+            </a:r>
+            <a:r>
+              <a:rPr lang="es-AR" dirty="0" err="1"/>
+              <a:t>dotted</a:t>
+            </a:r>
+            <a:r>
+              <a:rPr lang="es-AR" dirty="0"/>
+              <a:t>, </a:t>
+            </a:r>
+            <a:r>
+              <a:rPr lang="es-AR" dirty="0" err="1"/>
+              <a:t>dashed</a:t>
+            </a:r>
+            <a:r>
+              <a:rPr lang="es-AR" dirty="0"/>
+              <a:t>, </a:t>
+            </a:r>
+            <a:r>
+              <a:rPr lang="es-AR" dirty="0" err="1"/>
+              <a:t>solid</a:t>
+            </a:r>
+            <a:r>
+              <a:rPr lang="es-AR" dirty="0"/>
+              <a:t>, double, groove, </a:t>
+            </a:r>
+            <a:r>
+              <a:rPr lang="es-AR" dirty="0" err="1"/>
+              <a:t>ridge</a:t>
+            </a:r>
+            <a:r>
+              <a:rPr lang="es-AR" dirty="0"/>
+              <a:t>, </a:t>
+            </a:r>
+            <a:r>
+              <a:rPr lang="es-AR" dirty="0" err="1"/>
+              <a:t>inset</a:t>
+            </a:r>
+            <a:r>
+              <a:rPr lang="es-AR" dirty="0"/>
+              <a:t>, </a:t>
+            </a:r>
+            <a:r>
+              <a:rPr lang="es-AR" dirty="0" err="1"/>
+              <a:t>outset</a:t>
+            </a:r>
+            <a:r>
+              <a:rPr lang="es-AR" dirty="0"/>
+              <a:t>.</a:t>
+            </a:r>
+          </a:p>
+          <a:p>
+            <a:endParaRPr lang="es-AR" dirty="0"/>
+          </a:p>
+        </p:txBody>
+      </p:sp>
+      <p:pic>
+        <p:nvPicPr>
+          <p:cNvPr id="6" name="Imagen 5">
+            <a:extLst>
+              <a:ext uri="{FF2B5EF4-FFF2-40B4-BE49-F238E27FC236}">
+                <a16:creationId xmlns:a16="http://schemas.microsoft.com/office/drawing/2014/main" id="{57BB1097-DF9C-4BFE-B1B5-328C5F3D9621}"/>
+              </a:ext>
+            </a:extLst>
+          </p:cNvPr>
+          <p:cNvPicPr>
+            <a:picLocks noChangeAspect="1"/>
+          </p:cNvPicPr>
+          <p:nvPr/>
+        </p:nvPicPr>
+        <p:blipFill>
+          <a:blip r:embed="rId2"/>
+          <a:stretch>
+            <a:fillRect/>
+          </a:stretch>
+        </p:blipFill>
+        <p:spPr>
+          <a:xfrm>
+            <a:off x="3883194" y="5387954"/>
+            <a:ext cx="3657493" cy="1241446"/>
+          </a:xfrm>
+          <a:prstGeom prst="rect">
+            <a:avLst/>
+          </a:prstGeom>
+        </p:spPr>
+      </p:pic>
+    </p:spTree>
+    <p:extLst>
+      <p:ext uri="{BB962C8B-B14F-4D97-AF65-F5344CB8AC3E}">
+        <p14:creationId xmlns:p14="http://schemas.microsoft.com/office/powerpoint/2010/main" val="520988189"/>
+      </p:ext>
+    </p:extLst>
+  </p:cSld>
+  <p:clrMapOvr>
+    <a:masterClrMapping/>
+  </p:clrMapOvr>
 </p:sld>
 </file>
 
@@ -13228,10 +14488,9 @@
           <a:lstStyle/>
           <a:p>
             <a:r>
-              <a:rPr lang="es-AR" dirty="0" smtClean="0"/>
+              <a:rPr lang="es-AR" dirty="0"/>
               <a:t>Definición de estilos en un archivo externo</a:t>
             </a:r>
-            <a:endParaRPr lang="es-AR" dirty="0"/>
           </a:p>
         </p:txBody>
       </p:sp>
@@ -13259,51 +14518,15 @@
           <a:p>
             <a:pPr algn="just"/>
             <a:r>
-              <a:rPr lang="es-AR" dirty="0" smtClean="0"/>
-              <a:t> </a:t>
-            </a:r>
-            <a:r>
-              <a:rPr lang="es-AR" dirty="0"/>
-              <a:t>L</a:t>
-            </a:r>
-            <a:r>
-              <a:rPr lang="es-AR" dirty="0" smtClean="0"/>
-              <a:t>a </a:t>
-            </a:r>
-            <a:r>
-              <a:rPr lang="es-AR" dirty="0"/>
-              <a:t>metodología más empleada es la definición de una hoja de estilo en un archivo separado que deberá tener la extensión css</a:t>
-            </a:r>
-            <a:r>
-              <a:rPr lang="es-AR" dirty="0" smtClean="0"/>
-              <a:t>.</a:t>
+              <a:rPr lang="es-AR" dirty="0"/>
+              <a:t> La metodología más empleada es la definición de una hoja de estilo en un archivo separado que deberá tener la extensión css.</a:t>
             </a:r>
           </a:p>
           <a:p>
             <a:pPr algn="just"/>
             <a:r>
-              <a:rPr lang="es-AR" dirty="0" smtClean="0"/>
-              <a:t>La </a:t>
-            </a:r>
-            <a:r>
-              <a:rPr lang="es-AR" dirty="0"/>
-              <a:t>ventaja fundamental es que con esto podemos aplicar las mismas reglas de estilo a parte o a todas las páginas del sitio web. Veremos que esto será </a:t>
-            </a:r>
-            <a:r>
-              <a:rPr lang="es-AR" dirty="0" smtClean="0"/>
-              <a:t>muy </a:t>
-            </a:r>
-            <a:r>
-              <a:rPr lang="es-AR" dirty="0"/>
-              <a:t>ú</a:t>
-            </a:r>
-            <a:r>
-              <a:rPr lang="es-AR" dirty="0" smtClean="0"/>
-              <a:t>til </a:t>
-            </a:r>
-            <a:r>
-              <a:rPr lang="es-AR" dirty="0"/>
-              <a:t>cuando necesitemos hacer cambios de estilo (cambiando las reglas de estilo de este archivo estaremos cambiando la apariencia de múltiples páginas del sitio).</a:t>
+              <a:rPr lang="es-AR" dirty="0"/>
+              <a:t>La ventaja fundamental es que con esto podemos aplicar las mismas reglas de estilo a parte o a todas las páginas del sitio web. Veremos que esto será muy útil cuando necesitemos hacer cambios de estilo (cambiando las reglas de estilo de este archivo estaremos cambiando la apariencia de múltiples páginas del sitio).</a:t>
             </a:r>
           </a:p>
           <a:p>
@@ -13336,13 +14559,1611 @@
   <p:clrMapOvr>
     <a:masterClrMapping/>
   </p:clrMapOvr>
-  <p:timing>
-    <p:tnLst>
-      <p:par>
-        <p:cTn id="1" dur="indefinite" restart="never" nodeType="tmRoot"/>
-      </p:par>
-    </p:tnLst>
-  </p:timing>
+</p:sld>
+</file>
+
+<file path=ppt/slides/slide50.xml><?xml version="1.0" encoding="utf-8"?>
+<p:sld xmlns:a="http://schemas.openxmlformats.org/drawingml/2006/main" xmlns:r="http://schemas.openxmlformats.org/officeDocument/2006/relationships" xmlns:p="http://schemas.openxmlformats.org/presentationml/2006/main">
+  <p:cSld>
+    <p:spTree>
+      <p:nvGrpSpPr>
+        <p:cNvPr id="1" name=""/>
+        <p:cNvGrpSpPr/>
+        <p:nvPr/>
+      </p:nvGrpSpPr>
+      <p:grpSpPr>
+        <a:xfrm>
+          <a:off x="0" y="0"/>
+          <a:ext cx="0" cy="0"/>
+          <a:chOff x="0" y="0"/>
+          <a:chExt cx="0" cy="0"/>
+        </a:xfrm>
+      </p:grpSpPr>
+      <p:sp>
+        <p:nvSpPr>
+          <p:cNvPr id="2" name="Título 1">
+            <a:extLst>
+              <a:ext uri="{FF2B5EF4-FFF2-40B4-BE49-F238E27FC236}">
+                <a16:creationId xmlns:a16="http://schemas.microsoft.com/office/drawing/2014/main" id="{99419DBE-7528-4CF8-B49B-5B3D2C667DA8}"/>
+              </a:ext>
+            </a:extLst>
+          </p:cNvPr>
+          <p:cNvSpPr>
+            <a:spLocks noGrp="1"/>
+          </p:cNvSpPr>
+          <p:nvPr>
+            <p:ph type="title"/>
+          </p:nvPr>
+        </p:nvSpPr>
+        <p:spPr>
+          <a:xfrm>
+            <a:off x="646111" y="452718"/>
+            <a:ext cx="9404723" cy="680757"/>
+          </a:xfrm>
+        </p:spPr>
+        <p:txBody>
+          <a:bodyPr/>
+          <a:lstStyle/>
+          <a:p>
+            <a:r>
+              <a:rPr lang="es-AR" dirty="0"/>
+              <a:t>Box Model</a:t>
+            </a:r>
+          </a:p>
+        </p:txBody>
+      </p:sp>
+      <p:sp>
+        <p:nvSpPr>
+          <p:cNvPr id="3" name="Marcador de contenido 2">
+            <a:extLst>
+              <a:ext uri="{FF2B5EF4-FFF2-40B4-BE49-F238E27FC236}">
+                <a16:creationId xmlns:a16="http://schemas.microsoft.com/office/drawing/2014/main" id="{0F3AECF8-1DC4-4C4F-A3E5-29B666855FEE}"/>
+              </a:ext>
+            </a:extLst>
+          </p:cNvPr>
+          <p:cNvSpPr>
+            <a:spLocks noGrp="1"/>
+          </p:cNvSpPr>
+          <p:nvPr>
+            <p:ph idx="1"/>
+          </p:nvPr>
+        </p:nvSpPr>
+        <p:spPr>
+          <a:xfrm>
+            <a:off x="645131" y="1223717"/>
+            <a:ext cx="11143745" cy="5181565"/>
+          </a:xfrm>
+        </p:spPr>
+        <p:txBody>
+          <a:bodyPr/>
+          <a:lstStyle/>
+          <a:p>
+            <a:pPr algn="just"/>
+            <a:r>
+              <a:rPr lang="es-AR" dirty="0"/>
+              <a:t> El ancho y el alto de un elemento no solamente se calculan teniendo en cuenta sus propiedades width y height. El margen, el relleno y los bordes establecidos a un elemento determinan la anchura y altura final del elemento. En el siguiente ejemplo se muestran los estilos CSS de un elemento: </a:t>
+            </a:r>
+          </a:p>
+          <a:p>
+            <a:pPr algn="just"/>
+            <a:endParaRPr lang="es-AR" dirty="0"/>
+          </a:p>
+          <a:p>
+            <a:pPr algn="just"/>
+            <a:endParaRPr lang="es-AR" dirty="0"/>
+          </a:p>
+          <a:p>
+            <a:pPr algn="just"/>
+            <a:endParaRPr lang="es-AR" dirty="0"/>
+          </a:p>
+          <a:p>
+            <a:pPr algn="just"/>
+            <a:endParaRPr lang="es-AR" dirty="0"/>
+          </a:p>
+          <a:p>
+            <a:pPr algn="just"/>
+            <a:endParaRPr lang="es-AR" dirty="0"/>
+          </a:p>
+          <a:p>
+            <a:pPr algn="just"/>
+            <a:endParaRPr lang="es-AR" dirty="0"/>
+          </a:p>
+          <a:p>
+            <a:pPr algn="just"/>
+            <a:endParaRPr lang="es-AR" dirty="0"/>
+          </a:p>
+          <a:p>
+            <a:pPr algn="just"/>
+            <a:r>
+              <a:rPr lang="es-AR" dirty="0"/>
+              <a:t>De esta forma, la anchura del elemento en pantalla sería igual a la suma de la anchura original, los márgenes, los bordes y los rellenos:</a:t>
+            </a:r>
+          </a:p>
+        </p:txBody>
+      </p:sp>
+      <p:pic>
+        <p:nvPicPr>
+          <p:cNvPr id="7" name="Imagen 6">
+            <a:extLst>
+              <a:ext uri="{FF2B5EF4-FFF2-40B4-BE49-F238E27FC236}">
+                <a16:creationId xmlns:a16="http://schemas.microsoft.com/office/drawing/2014/main" id="{624C4C8F-D69B-4904-ABA7-78F94F717E84}"/>
+              </a:ext>
+            </a:extLst>
+          </p:cNvPr>
+          <p:cNvPicPr>
+            <a:picLocks noChangeAspect="1"/>
+          </p:cNvPicPr>
+          <p:nvPr/>
+        </p:nvPicPr>
+        <p:blipFill>
+          <a:blip r:embed="rId2"/>
+          <a:stretch>
+            <a:fillRect/>
+          </a:stretch>
+        </p:blipFill>
+        <p:spPr>
+          <a:xfrm>
+            <a:off x="645131" y="2682929"/>
+            <a:ext cx="4171104" cy="2726212"/>
+          </a:xfrm>
+          <a:prstGeom prst="rect">
+            <a:avLst/>
+          </a:prstGeom>
+        </p:spPr>
+      </p:pic>
+      <p:pic>
+        <p:nvPicPr>
+          <p:cNvPr id="9" name="Imagen 8">
+            <a:extLst>
+              <a:ext uri="{FF2B5EF4-FFF2-40B4-BE49-F238E27FC236}">
+                <a16:creationId xmlns:a16="http://schemas.microsoft.com/office/drawing/2014/main" id="{67C55226-DAEA-4A52-BB5F-BC13DCC25718}"/>
+              </a:ext>
+            </a:extLst>
+          </p:cNvPr>
+          <p:cNvPicPr>
+            <a:picLocks noChangeAspect="1"/>
+          </p:cNvPicPr>
+          <p:nvPr/>
+        </p:nvPicPr>
+        <p:blipFill>
+          <a:blip r:embed="rId3"/>
+          <a:stretch>
+            <a:fillRect/>
+          </a:stretch>
+        </p:blipFill>
+        <p:spPr>
+          <a:xfrm>
+            <a:off x="5013144" y="2682929"/>
+            <a:ext cx="6578823" cy="2726212"/>
+          </a:xfrm>
+          <a:prstGeom prst="rect">
+            <a:avLst/>
+          </a:prstGeom>
+        </p:spPr>
+      </p:pic>
+    </p:spTree>
+    <p:extLst>
+      <p:ext uri="{BB962C8B-B14F-4D97-AF65-F5344CB8AC3E}">
+        <p14:creationId xmlns:p14="http://schemas.microsoft.com/office/powerpoint/2010/main" val="3715477930"/>
+      </p:ext>
+    </p:extLst>
+  </p:cSld>
+  <p:clrMapOvr>
+    <a:masterClrMapping/>
+  </p:clrMapOvr>
+</p:sld>
+</file>
+
+<file path=ppt/slides/slide51.xml><?xml version="1.0" encoding="utf-8"?>
+<p:sld xmlns:a="http://schemas.openxmlformats.org/drawingml/2006/main" xmlns:r="http://schemas.openxmlformats.org/officeDocument/2006/relationships" xmlns:p="http://schemas.openxmlformats.org/presentationml/2006/main">
+  <p:cSld>
+    <p:spTree>
+      <p:nvGrpSpPr>
+        <p:cNvPr id="1" name=""/>
+        <p:cNvGrpSpPr/>
+        <p:nvPr/>
+      </p:nvGrpSpPr>
+      <p:grpSpPr>
+        <a:xfrm>
+          <a:off x="0" y="0"/>
+          <a:ext cx="0" cy="0"/>
+          <a:chOff x="0" y="0"/>
+          <a:chExt cx="0" cy="0"/>
+        </a:xfrm>
+      </p:grpSpPr>
+      <p:sp>
+        <p:nvSpPr>
+          <p:cNvPr id="2" name="Título 1">
+            <a:extLst>
+              <a:ext uri="{FF2B5EF4-FFF2-40B4-BE49-F238E27FC236}">
+                <a16:creationId xmlns:a16="http://schemas.microsoft.com/office/drawing/2014/main" id="{BE4880DB-DF12-4261-9821-838963A5EE3B}"/>
+              </a:ext>
+            </a:extLst>
+          </p:cNvPr>
+          <p:cNvSpPr>
+            <a:spLocks noGrp="1"/>
+          </p:cNvSpPr>
+          <p:nvPr>
+            <p:ph type="title"/>
+          </p:nvPr>
+        </p:nvSpPr>
+        <p:spPr>
+          <a:xfrm>
+            <a:off x="646111" y="452718"/>
+            <a:ext cx="9404723" cy="661707"/>
+          </a:xfrm>
+        </p:spPr>
+        <p:txBody>
+          <a:bodyPr/>
+          <a:lstStyle/>
+          <a:p>
+            <a:r>
+              <a:rPr lang="es-AR" dirty="0"/>
+              <a:t>Fondos</a:t>
+            </a:r>
+          </a:p>
+        </p:txBody>
+      </p:sp>
+      <p:sp>
+        <p:nvSpPr>
+          <p:cNvPr id="3" name="Marcador de contenido 2">
+            <a:extLst>
+              <a:ext uri="{FF2B5EF4-FFF2-40B4-BE49-F238E27FC236}">
+                <a16:creationId xmlns:a16="http://schemas.microsoft.com/office/drawing/2014/main" id="{5A15894A-8659-47B0-9F66-D9A6DF4BD98D}"/>
+              </a:ext>
+            </a:extLst>
+          </p:cNvPr>
+          <p:cNvSpPr>
+            <a:spLocks noGrp="1"/>
+          </p:cNvSpPr>
+          <p:nvPr>
+            <p:ph idx="1"/>
+          </p:nvPr>
+        </p:nvSpPr>
+        <p:spPr>
+          <a:xfrm>
+            <a:off x="348380" y="1460215"/>
+            <a:ext cx="11243546" cy="4807235"/>
+          </a:xfrm>
+        </p:spPr>
+        <p:txBody>
+          <a:bodyPr/>
+          <a:lstStyle/>
+          <a:p>
+            <a:pPr algn="just"/>
+            <a:r>
+              <a:rPr lang="es-AR" dirty="0"/>
+              <a:t>El último elemento que forma el </a:t>
+            </a:r>
+            <a:r>
+              <a:rPr lang="es-AR" i="1" dirty="0"/>
+              <a:t>box model</a:t>
+            </a:r>
+            <a:r>
+              <a:rPr lang="es-AR" dirty="0"/>
+              <a:t> es el fondo de la caja del elemento. </a:t>
+            </a:r>
+          </a:p>
+          <a:p>
+            <a:pPr algn="just"/>
+            <a:r>
+              <a:rPr lang="es-AR" dirty="0"/>
+              <a:t>El fondo puede ser un color simple o una imagen. </a:t>
+            </a:r>
+          </a:p>
+          <a:p>
+            <a:pPr algn="just"/>
+            <a:r>
+              <a:rPr lang="es-AR" dirty="0"/>
+              <a:t>El fondo solamente se visualiza en el área ocupada por el contenido y su relleno, ya que el color de los bordes se controla directamente desde los bordes y las zonas de los márgenes siempre son transparentes.</a:t>
+            </a:r>
+          </a:p>
+          <a:p>
+            <a:pPr algn="just"/>
+            <a:r>
+              <a:rPr lang="es-AR" dirty="0"/>
+              <a:t>Para establecer un color o imagen de fondo en la página entera, se debe establecer un fondo al elemento &lt;body&gt;. Si se establece un fondo a la página, como el valor inicial del fondo de los elementos es transparente, todos los elementos de la página se visualizan con el mismo fondo a menos que algún elemento especifique su propio fondo. </a:t>
+            </a:r>
+          </a:p>
+          <a:p>
+            <a:pPr algn="just"/>
+            <a:r>
+              <a:rPr lang="es-AR" dirty="0"/>
+              <a:t>CSS define cinco propiedades para establecer el fondo de cada elemento background-color, background-</a:t>
+            </a:r>
+            <a:r>
+              <a:rPr lang="es-AR" dirty="0" err="1"/>
+              <a:t>image</a:t>
+            </a:r>
+            <a:r>
+              <a:rPr lang="es-AR" dirty="0"/>
+              <a:t>, background-</a:t>
+            </a:r>
+            <a:r>
+              <a:rPr lang="es-AR" dirty="0" err="1"/>
+              <a:t>repeat</a:t>
+            </a:r>
+            <a:r>
+              <a:rPr lang="es-AR" dirty="0"/>
+              <a:t>, background-</a:t>
+            </a:r>
+            <a:r>
+              <a:rPr lang="es-AR" dirty="0" err="1"/>
+              <a:t>attachment</a:t>
+            </a:r>
+            <a:r>
+              <a:rPr lang="es-AR" dirty="0"/>
+              <a:t>, background-position y otra propiedad de tipo "shorthand" (background).</a:t>
+            </a:r>
+          </a:p>
+        </p:txBody>
+      </p:sp>
+    </p:spTree>
+    <p:extLst>
+      <p:ext uri="{BB962C8B-B14F-4D97-AF65-F5344CB8AC3E}">
+        <p14:creationId xmlns:p14="http://schemas.microsoft.com/office/powerpoint/2010/main" val="813565819"/>
+      </p:ext>
+    </p:extLst>
+  </p:cSld>
+  <p:clrMapOvr>
+    <a:masterClrMapping/>
+  </p:clrMapOvr>
+</p:sld>
+</file>
+
+<file path=ppt/slides/slide52.xml><?xml version="1.0" encoding="utf-8"?>
+<p:sld xmlns:a="http://schemas.openxmlformats.org/drawingml/2006/main" xmlns:r="http://schemas.openxmlformats.org/officeDocument/2006/relationships" xmlns:p="http://schemas.openxmlformats.org/presentationml/2006/main">
+  <p:cSld>
+    <p:spTree>
+      <p:nvGrpSpPr>
+        <p:cNvPr id="1" name=""/>
+        <p:cNvGrpSpPr/>
+        <p:nvPr/>
+      </p:nvGrpSpPr>
+      <p:grpSpPr>
+        <a:xfrm>
+          <a:off x="0" y="0"/>
+          <a:ext cx="0" cy="0"/>
+          <a:chOff x="0" y="0"/>
+          <a:chExt cx="0" cy="0"/>
+        </a:xfrm>
+      </p:grpSpPr>
+      <p:sp>
+        <p:nvSpPr>
+          <p:cNvPr id="2" name="Título 1">
+            <a:extLst>
+              <a:ext uri="{FF2B5EF4-FFF2-40B4-BE49-F238E27FC236}">
+                <a16:creationId xmlns:a16="http://schemas.microsoft.com/office/drawing/2014/main" id="{DA5996F9-56BC-4294-8AE5-13DC5883DFCF}"/>
+              </a:ext>
+            </a:extLst>
+          </p:cNvPr>
+          <p:cNvSpPr>
+            <a:spLocks noGrp="1"/>
+          </p:cNvSpPr>
+          <p:nvPr>
+            <p:ph type="title"/>
+          </p:nvPr>
+        </p:nvSpPr>
+        <p:spPr>
+          <a:xfrm>
+            <a:off x="646111" y="452718"/>
+            <a:ext cx="9404723" cy="756957"/>
+          </a:xfrm>
+        </p:spPr>
+        <p:txBody>
+          <a:bodyPr/>
+          <a:lstStyle/>
+          <a:p>
+            <a:r>
+              <a:rPr lang="es-AR" dirty="0"/>
+              <a:t>Propiedades de los fondos</a:t>
+            </a:r>
+          </a:p>
+        </p:txBody>
+      </p:sp>
+      <p:sp>
+        <p:nvSpPr>
+          <p:cNvPr id="3" name="Marcador de contenido 2">
+            <a:extLst>
+              <a:ext uri="{FF2B5EF4-FFF2-40B4-BE49-F238E27FC236}">
+                <a16:creationId xmlns:a16="http://schemas.microsoft.com/office/drawing/2014/main" id="{8B6C1FC0-A404-4A68-905B-C60641A5BD36}"/>
+              </a:ext>
+            </a:extLst>
+          </p:cNvPr>
+          <p:cNvSpPr>
+            <a:spLocks noGrp="1"/>
+          </p:cNvSpPr>
+          <p:nvPr>
+            <p:ph idx="1"/>
+          </p:nvPr>
+        </p:nvSpPr>
+        <p:spPr>
+          <a:xfrm>
+            <a:off x="285750" y="1304926"/>
+            <a:ext cx="11591925" cy="4943474"/>
+          </a:xfrm>
+        </p:spPr>
+        <p:txBody>
+          <a:bodyPr>
+            <a:normAutofit fontScale="92500"/>
+          </a:bodyPr>
+          <a:lstStyle/>
+          <a:p>
+            <a:pPr algn="just"/>
+            <a:r>
+              <a:rPr lang="es-AR" dirty="0"/>
+              <a:t>La propiedad background-color permite mostrar un color de fondo sólido en la caja de un elemento. Esta propiedad no permite crear degradados ni ningún otro efecto avanzado.</a:t>
+            </a:r>
+          </a:p>
+          <a:p>
+            <a:pPr algn="just"/>
+            <a:r>
+              <a:rPr lang="es-AR" dirty="0"/>
+              <a:t>Para crear efectos gráficos avanzados, es necesario utilizar la propiedad background-</a:t>
+            </a:r>
+            <a:r>
+              <a:rPr lang="es-AR" dirty="0" err="1"/>
+              <a:t>image</a:t>
+            </a:r>
+            <a:r>
+              <a:rPr lang="es-AR" dirty="0"/>
+              <a:t>, que permite mostrar una imagen como fondo de la caja de cualquier elemento.</a:t>
+            </a:r>
+          </a:p>
+          <a:p>
+            <a:pPr algn="just"/>
+            <a:r>
+              <a:rPr lang="es-AR" dirty="0"/>
+              <a:t>CSS permite establecer de forma simultánea un color y una imagen de fondo. En este caso, la imagen se muestra delante del color, por lo que solamente si la imagen contiene zonas transparentes es posible ver el color de fondo.</a:t>
+            </a:r>
+          </a:p>
+          <a:p>
+            <a:pPr algn="just"/>
+            <a:r>
+              <a:rPr lang="es-AR" dirty="0"/>
+              <a:t>Suele ser habitual indicar un color de fondo siempre que se muestra una imagen de fondo. En caso de que la imagen no se pueda mostrar o contenga errores, el navegador mostrará el color indicado (que debería ser, en lo posible, similar a la imagen) y la página no parecerá que contiene errores.</a:t>
+            </a:r>
+          </a:p>
+          <a:p>
+            <a:pPr algn="just"/>
+            <a:r>
+              <a:rPr lang="es-AR" dirty="0"/>
+              <a:t>Si la imagen que se quiere mostrar es demasiado grande para el fondo del elemento, solamente se muestra la parte de imagen comprendida en el tamaño del elemento. Si la imagen es más pequeña que el elemento, CSS la repite horizontal y verticalmente hasta llenar el fondo del elemento.</a:t>
+            </a:r>
+          </a:p>
+          <a:p>
+            <a:endParaRPr lang="es-AR" dirty="0"/>
+          </a:p>
+          <a:p>
+            <a:endParaRPr lang="es-AR" dirty="0"/>
+          </a:p>
+        </p:txBody>
+      </p:sp>
+    </p:spTree>
+    <p:extLst>
+      <p:ext uri="{BB962C8B-B14F-4D97-AF65-F5344CB8AC3E}">
+        <p14:creationId xmlns:p14="http://schemas.microsoft.com/office/powerpoint/2010/main" val="4267839700"/>
+      </p:ext>
+    </p:extLst>
+  </p:cSld>
+  <p:clrMapOvr>
+    <a:masterClrMapping/>
+  </p:clrMapOvr>
+</p:sld>
+</file>
+
+<file path=ppt/slides/slide53.xml><?xml version="1.0" encoding="utf-8"?>
+<p:sld xmlns:a="http://schemas.openxmlformats.org/drawingml/2006/main" xmlns:r="http://schemas.openxmlformats.org/officeDocument/2006/relationships" xmlns:p="http://schemas.openxmlformats.org/presentationml/2006/main">
+  <p:cSld>
+    <p:spTree>
+      <p:nvGrpSpPr>
+        <p:cNvPr id="1" name=""/>
+        <p:cNvGrpSpPr/>
+        <p:nvPr/>
+      </p:nvGrpSpPr>
+      <p:grpSpPr>
+        <a:xfrm>
+          <a:off x="0" y="0"/>
+          <a:ext cx="0" cy="0"/>
+          <a:chOff x="0" y="0"/>
+          <a:chExt cx="0" cy="0"/>
+        </a:xfrm>
+      </p:grpSpPr>
+      <p:sp>
+        <p:nvSpPr>
+          <p:cNvPr id="2" name="Título 1">
+            <a:extLst>
+              <a:ext uri="{FF2B5EF4-FFF2-40B4-BE49-F238E27FC236}">
+                <a16:creationId xmlns:a16="http://schemas.microsoft.com/office/drawing/2014/main" id="{D88ED554-E75D-4386-80BA-DD80E9BDEC92}"/>
+              </a:ext>
+            </a:extLst>
+          </p:cNvPr>
+          <p:cNvSpPr>
+            <a:spLocks noGrp="1"/>
+          </p:cNvSpPr>
+          <p:nvPr>
+            <p:ph type="title"/>
+          </p:nvPr>
+        </p:nvSpPr>
+        <p:spPr>
+          <a:xfrm>
+            <a:off x="646111" y="452718"/>
+            <a:ext cx="9404723" cy="699807"/>
+          </a:xfrm>
+        </p:spPr>
+        <p:txBody>
+          <a:bodyPr/>
+          <a:lstStyle/>
+          <a:p>
+            <a:r>
+              <a:rPr lang="es-AR" dirty="0"/>
+              <a:t>Propiedades de los fondos II</a:t>
+            </a:r>
+          </a:p>
+        </p:txBody>
+      </p:sp>
+      <p:sp>
+        <p:nvSpPr>
+          <p:cNvPr id="3" name="Marcador de contenido 2">
+            <a:extLst>
+              <a:ext uri="{FF2B5EF4-FFF2-40B4-BE49-F238E27FC236}">
+                <a16:creationId xmlns:a16="http://schemas.microsoft.com/office/drawing/2014/main" id="{82251989-ABB7-4B3B-A22C-E446A6A6E9D0}"/>
+              </a:ext>
+            </a:extLst>
+          </p:cNvPr>
+          <p:cNvSpPr>
+            <a:spLocks noGrp="1"/>
+          </p:cNvSpPr>
+          <p:nvPr>
+            <p:ph idx="1"/>
+          </p:nvPr>
+        </p:nvSpPr>
+        <p:spPr>
+          <a:xfrm>
+            <a:off x="550862" y="1424268"/>
+            <a:ext cx="11231563" cy="5128932"/>
+          </a:xfrm>
+        </p:spPr>
+        <p:txBody>
+          <a:bodyPr/>
+          <a:lstStyle/>
+          <a:p>
+            <a:r>
+              <a:rPr lang="es-AR" dirty="0"/>
+              <a:t>En ocasiones, no es conveniente que la imagen de fondo se repita horizontal y verticalmente. Para ello, CSS introduce la propiedad background-</a:t>
+            </a:r>
+            <a:r>
+              <a:rPr lang="es-AR" dirty="0" err="1"/>
+              <a:t>repeat</a:t>
+            </a:r>
+            <a:r>
+              <a:rPr lang="es-AR" dirty="0"/>
+              <a:t> que permite controlar la forma de repetición de las imágenes de fondo.</a:t>
+            </a:r>
+          </a:p>
+          <a:p>
+            <a:r>
+              <a:rPr lang="es-AR" dirty="0"/>
+              <a:t>Valores: </a:t>
+            </a:r>
+            <a:r>
+              <a:rPr lang="es-AR" dirty="0" err="1"/>
+              <a:t>repeat</a:t>
+            </a:r>
+            <a:r>
+              <a:rPr lang="es-AR" dirty="0"/>
+              <a:t> | </a:t>
+            </a:r>
+            <a:r>
+              <a:rPr lang="es-AR" dirty="0" err="1"/>
+              <a:t>repeat</a:t>
+            </a:r>
+            <a:r>
+              <a:rPr lang="es-AR" dirty="0"/>
+              <a:t>-x | </a:t>
+            </a:r>
+            <a:r>
+              <a:rPr lang="es-AR" dirty="0" err="1"/>
+              <a:t>repeat</a:t>
+            </a:r>
+            <a:r>
+              <a:rPr lang="es-AR" dirty="0"/>
+              <a:t>-y | no-</a:t>
+            </a:r>
+            <a:r>
+              <a:rPr lang="es-AR" dirty="0" err="1"/>
+              <a:t>repeat</a:t>
+            </a:r>
+            <a:r>
+              <a:rPr lang="es-AR" dirty="0"/>
+              <a:t> </a:t>
+            </a:r>
+          </a:p>
+          <a:p>
+            <a:r>
+              <a:rPr lang="es-AR" dirty="0"/>
+              <a:t>El valor </a:t>
+            </a:r>
+            <a:r>
+              <a:rPr lang="es-AR" dirty="0" err="1"/>
+              <a:t>repeat</a:t>
+            </a:r>
+            <a:r>
+              <a:rPr lang="es-AR" dirty="0"/>
+              <a:t> indica que la imagen se debe repetir en todas direcciones y por tanto, es el comportamiento por defecto. El valor no-</a:t>
+            </a:r>
+            <a:r>
+              <a:rPr lang="es-AR" dirty="0" err="1"/>
+              <a:t>repeat</a:t>
+            </a:r>
+            <a:r>
+              <a:rPr lang="es-AR" dirty="0"/>
+              <a:t> muestra una sola vez la imagen y no se repite en ninguna dirección. El valor </a:t>
+            </a:r>
+            <a:r>
+              <a:rPr lang="es-AR" dirty="0" err="1"/>
+              <a:t>repeat</a:t>
+            </a:r>
+            <a:r>
+              <a:rPr lang="es-AR" dirty="0"/>
+              <a:t>-x repite la imagen sólo horizontalmente y el valor </a:t>
+            </a:r>
+            <a:r>
+              <a:rPr lang="es-AR" dirty="0" err="1"/>
+              <a:t>repeat</a:t>
+            </a:r>
+            <a:r>
+              <a:rPr lang="es-AR" dirty="0"/>
+              <a:t>-y repite la imagen solamente de forma vertical. </a:t>
+            </a:r>
+          </a:p>
+          <a:p>
+            <a:r>
+              <a:rPr lang="es-AR" dirty="0"/>
+              <a:t>La propiedad background-position permite indicar la distancia que se desplaza la imagen de fondo respecto de su posición original situada en la esquina superior izquierda. </a:t>
+            </a:r>
+          </a:p>
+          <a:p>
+            <a:r>
+              <a:rPr lang="es-AR" dirty="0"/>
+              <a:t>Para hacer que una imagen de fondo se muestre fija al desplazar la ventana del navegador, se debe añadir la propiedad background-</a:t>
+            </a:r>
+            <a:r>
+              <a:rPr lang="es-AR" dirty="0" err="1"/>
+              <a:t>attachment</a:t>
+            </a:r>
+            <a:r>
+              <a:rPr lang="es-AR" dirty="0"/>
+              <a:t>: </a:t>
+            </a:r>
+            <a:r>
+              <a:rPr lang="es-AR" dirty="0" err="1"/>
+              <a:t>fixed</a:t>
+            </a:r>
+            <a:r>
+              <a:rPr lang="es-AR" dirty="0"/>
+              <a:t>. </a:t>
+            </a:r>
+          </a:p>
+          <a:p>
+            <a:endParaRPr lang="es-AR" dirty="0"/>
+          </a:p>
+          <a:p>
+            <a:endParaRPr lang="es-AR" dirty="0"/>
+          </a:p>
+          <a:p>
+            <a:endParaRPr lang="es-AR" dirty="0"/>
+          </a:p>
+          <a:p>
+            <a:endParaRPr lang="es-AR" dirty="0"/>
+          </a:p>
+        </p:txBody>
+      </p:sp>
+    </p:spTree>
+    <p:extLst>
+      <p:ext uri="{BB962C8B-B14F-4D97-AF65-F5344CB8AC3E}">
+        <p14:creationId xmlns:p14="http://schemas.microsoft.com/office/powerpoint/2010/main" val="1291928783"/>
+      </p:ext>
+    </p:extLst>
+  </p:cSld>
+  <p:clrMapOvr>
+    <a:masterClrMapping/>
+  </p:clrMapOvr>
+</p:sld>
+</file>
+
+<file path=ppt/slides/slide54.xml><?xml version="1.0" encoding="utf-8"?>
+<p:sld xmlns:a="http://schemas.openxmlformats.org/drawingml/2006/main" xmlns:r="http://schemas.openxmlformats.org/officeDocument/2006/relationships" xmlns:p="http://schemas.openxmlformats.org/presentationml/2006/main">
+  <p:cSld>
+    <p:spTree>
+      <p:nvGrpSpPr>
+        <p:cNvPr id="1" name=""/>
+        <p:cNvGrpSpPr/>
+        <p:nvPr/>
+      </p:nvGrpSpPr>
+      <p:grpSpPr>
+        <a:xfrm>
+          <a:off x="0" y="0"/>
+          <a:ext cx="0" cy="0"/>
+          <a:chOff x="0" y="0"/>
+          <a:chExt cx="0" cy="0"/>
+        </a:xfrm>
+      </p:grpSpPr>
+      <p:sp>
+        <p:nvSpPr>
+          <p:cNvPr id="2" name="Título 1">
+            <a:extLst>
+              <a:ext uri="{FF2B5EF4-FFF2-40B4-BE49-F238E27FC236}">
+                <a16:creationId xmlns:a16="http://schemas.microsoft.com/office/drawing/2014/main" id="{DD097F5F-8DA1-423D-A07F-76506FE78808}"/>
+              </a:ext>
+            </a:extLst>
+          </p:cNvPr>
+          <p:cNvSpPr>
+            <a:spLocks noGrp="1"/>
+          </p:cNvSpPr>
+          <p:nvPr>
+            <p:ph type="title"/>
+          </p:nvPr>
+        </p:nvSpPr>
+        <p:spPr>
+          <a:xfrm>
+            <a:off x="646111" y="452718"/>
+            <a:ext cx="9404723" cy="814107"/>
+          </a:xfrm>
+        </p:spPr>
+        <p:txBody>
+          <a:bodyPr/>
+          <a:lstStyle/>
+          <a:p>
+            <a:r>
+              <a:rPr lang="es-AR" dirty="0"/>
+              <a:t>Posicionamiento</a:t>
+            </a:r>
+          </a:p>
+        </p:txBody>
+      </p:sp>
+      <p:sp>
+        <p:nvSpPr>
+          <p:cNvPr id="3" name="Marcador de contenido 2">
+            <a:extLst>
+              <a:ext uri="{FF2B5EF4-FFF2-40B4-BE49-F238E27FC236}">
+                <a16:creationId xmlns:a16="http://schemas.microsoft.com/office/drawing/2014/main" id="{3F886072-2712-49DB-8354-B8AAB99F49F3}"/>
+              </a:ext>
+            </a:extLst>
+          </p:cNvPr>
+          <p:cNvSpPr>
+            <a:spLocks noGrp="1"/>
+          </p:cNvSpPr>
+          <p:nvPr>
+            <p:ph idx="1"/>
+          </p:nvPr>
+        </p:nvSpPr>
+        <p:spPr>
+          <a:xfrm>
+            <a:off x="368904" y="1270466"/>
+            <a:ext cx="11480195" cy="5282733"/>
+          </a:xfrm>
+        </p:spPr>
+        <p:txBody>
+          <a:bodyPr>
+            <a:normAutofit lnSpcReduction="10000"/>
+          </a:bodyPr>
+          <a:lstStyle/>
+          <a:p>
+            <a:pPr algn="just"/>
+            <a:r>
+              <a:rPr lang="es-AR" dirty="0"/>
+              <a:t>Cuando los navegadores descargan el contenido HTML y CSS de las páginas web, aplican un procesamiento muy complejo antes de mostrar las páginas en la pantalla del usuario.</a:t>
+            </a:r>
+          </a:p>
+          <a:p>
+            <a:pPr algn="just"/>
+            <a:endParaRPr lang="es-AR" dirty="0"/>
+          </a:p>
+          <a:p>
+            <a:pPr algn="just"/>
+            <a:r>
+              <a:rPr lang="es-AR" dirty="0"/>
+              <a:t>Para cumplir con el modelo de cajas, los navegadores crean una caja para representar a cada elemento de la página HTML. Los factores que se tienen en cuenta para generar cada caja son:</a:t>
+            </a:r>
+          </a:p>
+          <a:p>
+            <a:pPr algn="just"/>
+            <a:endParaRPr lang="es-AR" dirty="0"/>
+          </a:p>
+          <a:p>
+            <a:pPr algn="just"/>
+            <a:r>
+              <a:rPr lang="es-AR" dirty="0"/>
+              <a:t>Las propiedades width y height de la caja (si están establecidas).</a:t>
+            </a:r>
+          </a:p>
+          <a:p>
+            <a:pPr algn="just"/>
+            <a:r>
+              <a:rPr lang="es-AR" dirty="0"/>
+              <a:t>El tipo de cada elemento HTML (elemento de bloque o elemento en línea).</a:t>
+            </a:r>
+          </a:p>
+          <a:p>
+            <a:pPr algn="just"/>
+            <a:r>
+              <a:rPr lang="es-AR" dirty="0"/>
+              <a:t>Posicionamiento de la caja (normal, relativo, absoluto, fijo o flotante).</a:t>
+            </a:r>
+          </a:p>
+          <a:p>
+            <a:pPr algn="just"/>
+            <a:r>
+              <a:rPr lang="es-AR" dirty="0"/>
+              <a:t>Las relaciones entre elementos (dónde se encuentra cada elemento, elementos descendientes, etc.)</a:t>
+            </a:r>
+          </a:p>
+          <a:p>
+            <a:pPr algn="just"/>
+            <a:r>
+              <a:rPr lang="es-AR" dirty="0"/>
+              <a:t>Otro tipo de información, como por ejemplo el tamaño de las imágenes y el tamaño de la ventana del navegador.</a:t>
+            </a:r>
+          </a:p>
+        </p:txBody>
+      </p:sp>
+    </p:spTree>
+    <p:extLst>
+      <p:ext uri="{BB962C8B-B14F-4D97-AF65-F5344CB8AC3E}">
+        <p14:creationId xmlns:p14="http://schemas.microsoft.com/office/powerpoint/2010/main" val="3904107436"/>
+      </p:ext>
+    </p:extLst>
+  </p:cSld>
+  <p:clrMapOvr>
+    <a:masterClrMapping/>
+  </p:clrMapOvr>
+</p:sld>
+</file>
+
+<file path=ppt/slides/slide55.xml><?xml version="1.0" encoding="utf-8"?>
+<p:sld xmlns:a="http://schemas.openxmlformats.org/drawingml/2006/main" xmlns:r="http://schemas.openxmlformats.org/officeDocument/2006/relationships" xmlns:p="http://schemas.openxmlformats.org/presentationml/2006/main">
+  <p:cSld>
+    <p:spTree>
+      <p:nvGrpSpPr>
+        <p:cNvPr id="1" name=""/>
+        <p:cNvGrpSpPr/>
+        <p:nvPr/>
+      </p:nvGrpSpPr>
+      <p:grpSpPr>
+        <a:xfrm>
+          <a:off x="0" y="0"/>
+          <a:ext cx="0" cy="0"/>
+          <a:chOff x="0" y="0"/>
+          <a:chExt cx="0" cy="0"/>
+        </a:xfrm>
+      </p:grpSpPr>
+      <p:sp>
+        <p:nvSpPr>
+          <p:cNvPr id="2" name="Título 1">
+            <a:extLst>
+              <a:ext uri="{FF2B5EF4-FFF2-40B4-BE49-F238E27FC236}">
+                <a16:creationId xmlns:a16="http://schemas.microsoft.com/office/drawing/2014/main" id="{6BA8B337-6A7B-4C50-A9F9-E097D0C640CB}"/>
+              </a:ext>
+            </a:extLst>
+          </p:cNvPr>
+          <p:cNvSpPr>
+            <a:spLocks noGrp="1"/>
+          </p:cNvSpPr>
+          <p:nvPr>
+            <p:ph type="title"/>
+          </p:nvPr>
+        </p:nvSpPr>
+        <p:spPr>
+          <a:xfrm>
+            <a:off x="646111" y="452718"/>
+            <a:ext cx="9404723" cy="690282"/>
+          </a:xfrm>
+        </p:spPr>
+        <p:txBody>
+          <a:bodyPr/>
+          <a:lstStyle/>
+          <a:p>
+            <a:r>
+              <a:rPr lang="es-AR" dirty="0"/>
+              <a:t>Posicionamiento II</a:t>
+            </a:r>
+          </a:p>
+        </p:txBody>
+      </p:sp>
+      <p:sp>
+        <p:nvSpPr>
+          <p:cNvPr id="3" name="Marcador de contenido 2">
+            <a:extLst>
+              <a:ext uri="{FF2B5EF4-FFF2-40B4-BE49-F238E27FC236}">
+                <a16:creationId xmlns:a16="http://schemas.microsoft.com/office/drawing/2014/main" id="{D52EAC52-5954-4DFD-8ED6-DB5F936F2D9A}"/>
+              </a:ext>
+            </a:extLst>
+          </p:cNvPr>
+          <p:cNvSpPr>
+            <a:spLocks noGrp="1"/>
+          </p:cNvSpPr>
+          <p:nvPr>
+            <p:ph idx="1"/>
+          </p:nvPr>
+        </p:nvSpPr>
+        <p:spPr>
+          <a:xfrm>
+            <a:off x="645130" y="1481418"/>
+            <a:ext cx="10946795" cy="4923864"/>
+          </a:xfrm>
+        </p:spPr>
+        <p:txBody>
+          <a:bodyPr>
+            <a:normAutofit fontScale="92500" lnSpcReduction="10000"/>
+          </a:bodyPr>
+          <a:lstStyle/>
+          <a:p>
+            <a:pPr algn="just"/>
+            <a:r>
+              <a:rPr lang="es-AR" dirty="0"/>
+              <a:t>El estándar de CSS define cinco modelos diferentes para posicionar una caja:</a:t>
+            </a:r>
+          </a:p>
+          <a:p>
+            <a:pPr algn="just"/>
+            <a:r>
+              <a:rPr lang="es-AR" dirty="0"/>
+              <a:t>Posicionamiento normal o estático: se trata del posicionamiento que utilizan los navegadores si no se indica lo contrario.</a:t>
+            </a:r>
+          </a:p>
+          <a:p>
+            <a:pPr algn="just"/>
+            <a:r>
+              <a:rPr lang="es-AR" dirty="0"/>
+              <a:t>Posicionamiento relativo: variante del posicionamiento normal que consiste en posicionar una caja según el posicionamiento normal y después desplazarla respecto de su posición original.</a:t>
+            </a:r>
+          </a:p>
+          <a:p>
+            <a:pPr algn="just"/>
+            <a:r>
+              <a:rPr lang="es-AR" dirty="0"/>
+              <a:t>Posicionamiento absoluto: la posición de una caja se establece de forma absoluta respecto de su elemento contenedor y el resto de elementos de la página ignoran la nueva posición del elemento.</a:t>
+            </a:r>
+          </a:p>
+          <a:p>
+            <a:pPr algn="just"/>
+            <a:r>
+              <a:rPr lang="es-AR" dirty="0"/>
+              <a:t>Posicionamiento fijo: variante del posicionamiento absoluto que convierte una caja en un elemento inamovible, de forma que su posición en la pantalla siempre es la misma independientemente del resto de elementos e independientemente de si el usuario sube o baja la página en la ventana del navegador.</a:t>
+            </a:r>
+          </a:p>
+          <a:p>
+            <a:pPr algn="just"/>
+            <a:r>
+              <a:rPr lang="es-AR" dirty="0"/>
+              <a:t>Posicionamiento flotante: se trata del modelo más especial de posicionamiento, ya que desplaza las cajas todo lo posible hacia la izquierda o hacia la derecha de la línea en la que se encuentran.</a:t>
+            </a:r>
+          </a:p>
+          <a:p>
+            <a:endParaRPr lang="es-AR" dirty="0"/>
+          </a:p>
+        </p:txBody>
+      </p:sp>
+    </p:spTree>
+    <p:extLst>
+      <p:ext uri="{BB962C8B-B14F-4D97-AF65-F5344CB8AC3E}">
+        <p14:creationId xmlns:p14="http://schemas.microsoft.com/office/powerpoint/2010/main" val="14149051"/>
+      </p:ext>
+    </p:extLst>
+  </p:cSld>
+  <p:clrMapOvr>
+    <a:masterClrMapping/>
+  </p:clrMapOvr>
+</p:sld>
+</file>
+
+<file path=ppt/slides/slide56.xml><?xml version="1.0" encoding="utf-8"?>
+<p:sld xmlns:a="http://schemas.openxmlformats.org/drawingml/2006/main" xmlns:r="http://schemas.openxmlformats.org/officeDocument/2006/relationships" xmlns:p="http://schemas.openxmlformats.org/presentationml/2006/main">
+  <p:cSld>
+    <p:spTree>
+      <p:nvGrpSpPr>
+        <p:cNvPr id="1" name=""/>
+        <p:cNvGrpSpPr/>
+        <p:nvPr/>
+      </p:nvGrpSpPr>
+      <p:grpSpPr>
+        <a:xfrm>
+          <a:off x="0" y="0"/>
+          <a:ext cx="0" cy="0"/>
+          <a:chOff x="0" y="0"/>
+          <a:chExt cx="0" cy="0"/>
+        </a:xfrm>
+      </p:grpSpPr>
+      <p:sp>
+        <p:nvSpPr>
+          <p:cNvPr id="2" name="Título 1">
+            <a:extLst>
+              <a:ext uri="{FF2B5EF4-FFF2-40B4-BE49-F238E27FC236}">
+                <a16:creationId xmlns:a16="http://schemas.microsoft.com/office/drawing/2014/main" id="{339CFF57-7537-455F-AE6F-3CC3C03A9287}"/>
+              </a:ext>
+            </a:extLst>
+          </p:cNvPr>
+          <p:cNvSpPr>
+            <a:spLocks noGrp="1"/>
+          </p:cNvSpPr>
+          <p:nvPr>
+            <p:ph type="title"/>
+          </p:nvPr>
+        </p:nvSpPr>
+        <p:spPr>
+          <a:xfrm>
+            <a:off x="646111" y="452718"/>
+            <a:ext cx="9404723" cy="718857"/>
+          </a:xfrm>
+        </p:spPr>
+        <p:txBody>
+          <a:bodyPr/>
+          <a:lstStyle/>
+          <a:p>
+            <a:r>
+              <a:rPr lang="es-AR" dirty="0"/>
+              <a:t>Propiedad position</a:t>
+            </a:r>
+          </a:p>
+        </p:txBody>
+      </p:sp>
+      <p:sp>
+        <p:nvSpPr>
+          <p:cNvPr id="3" name="Marcador de contenido 2">
+            <a:extLst>
+              <a:ext uri="{FF2B5EF4-FFF2-40B4-BE49-F238E27FC236}">
+                <a16:creationId xmlns:a16="http://schemas.microsoft.com/office/drawing/2014/main" id="{D348D67D-03C5-4404-9903-31FA1F270020}"/>
+              </a:ext>
+            </a:extLst>
+          </p:cNvPr>
+          <p:cNvSpPr>
+            <a:spLocks noGrp="1"/>
+          </p:cNvSpPr>
+          <p:nvPr>
+            <p:ph idx="1"/>
+          </p:nvPr>
+        </p:nvSpPr>
+        <p:spPr>
+          <a:xfrm>
+            <a:off x="645130" y="1334061"/>
+            <a:ext cx="10813445" cy="5071221"/>
+          </a:xfrm>
+        </p:spPr>
+        <p:txBody>
+          <a:bodyPr>
+            <a:normAutofit fontScale="92500" lnSpcReduction="20000"/>
+          </a:bodyPr>
+          <a:lstStyle/>
+          <a:p>
+            <a:pPr algn="just"/>
+            <a:r>
+              <a:rPr lang="es-AR" dirty="0"/>
+              <a:t>El significado de cada uno de los posibles valores de la propiedad position es el siguiente:</a:t>
+            </a:r>
+          </a:p>
+          <a:p>
+            <a:pPr algn="just"/>
+            <a:endParaRPr lang="es-AR" dirty="0"/>
+          </a:p>
+          <a:p>
+            <a:pPr algn="just"/>
+            <a:r>
+              <a:rPr lang="es-AR" dirty="0" err="1"/>
+              <a:t>static</a:t>
+            </a:r>
+            <a:r>
+              <a:rPr lang="es-AR" dirty="0"/>
+              <a:t>: corresponde al posicionamiento normal o estático. Si se utiliza este valor, se ignoran los valores de las propiedades top, right, bottom y left que se verán a continuación.</a:t>
+            </a:r>
+          </a:p>
+          <a:p>
+            <a:pPr algn="just"/>
+            <a:r>
+              <a:rPr lang="es-AR" dirty="0" err="1"/>
+              <a:t>relative</a:t>
+            </a:r>
+            <a:r>
+              <a:rPr lang="es-AR" dirty="0"/>
+              <a:t>: corresponde al posicionamiento relativo. El desplazamiento de la caja se controla con las propiedades top, right, bottom y left.</a:t>
+            </a:r>
+          </a:p>
+          <a:p>
+            <a:pPr algn="just"/>
+            <a:r>
+              <a:rPr lang="es-AR" dirty="0" err="1"/>
+              <a:t>absolute</a:t>
+            </a:r>
+            <a:r>
+              <a:rPr lang="es-AR" dirty="0"/>
+              <a:t>: corresponde al posicionamiento absoluto. El desplazamiento de la caja también se controla con las propiedades top, right, bottom y left, pero su interpretación es mucho más compleja, ya que el origen de coordenadas del desplazamiento depende del posicionamiento de su elemento contenedor.</a:t>
+            </a:r>
+          </a:p>
+          <a:p>
+            <a:pPr algn="just"/>
+            <a:r>
+              <a:rPr lang="es-AR" dirty="0" err="1"/>
+              <a:t>fixed</a:t>
+            </a:r>
+            <a:r>
+              <a:rPr lang="es-AR" dirty="0"/>
+              <a:t>: corresponde al posicionamiento fijo. El desplazamiento se establece de la misma forma que en el posicionamiento absoluto, pero en este caso el elemento permanece inamovible en la pantalla.</a:t>
+            </a:r>
+          </a:p>
+          <a:p>
+            <a:pPr algn="just"/>
+            <a:r>
+              <a:rPr lang="es-AR" dirty="0"/>
+              <a:t>La propiedad position no permite controlar el posicionamiento flotante, que se establece con otra propiedad llamada float y que se explica más adelante. Además, la propiedad position sólo indica cómo se posiciona una caja, pero no la desplaza.</a:t>
+            </a:r>
+          </a:p>
+          <a:p>
+            <a:pPr algn="just"/>
+            <a:endParaRPr lang="es-AR" dirty="0"/>
+          </a:p>
+        </p:txBody>
+      </p:sp>
+    </p:spTree>
+    <p:extLst>
+      <p:ext uri="{BB962C8B-B14F-4D97-AF65-F5344CB8AC3E}">
+        <p14:creationId xmlns:p14="http://schemas.microsoft.com/office/powerpoint/2010/main" val="2234270940"/>
+      </p:ext>
+    </p:extLst>
+  </p:cSld>
+  <p:clrMapOvr>
+    <a:masterClrMapping/>
+  </p:clrMapOvr>
+</p:sld>
+</file>
+
+<file path=ppt/slides/slide57.xml><?xml version="1.0" encoding="utf-8"?>
+<p:sld xmlns:a="http://schemas.openxmlformats.org/drawingml/2006/main" xmlns:r="http://schemas.openxmlformats.org/officeDocument/2006/relationships" xmlns:p="http://schemas.openxmlformats.org/presentationml/2006/main">
+  <p:cSld>
+    <p:spTree>
+      <p:nvGrpSpPr>
+        <p:cNvPr id="1" name=""/>
+        <p:cNvGrpSpPr/>
+        <p:nvPr/>
+      </p:nvGrpSpPr>
+      <p:grpSpPr>
+        <a:xfrm>
+          <a:off x="0" y="0"/>
+          <a:ext cx="0" cy="0"/>
+          <a:chOff x="0" y="0"/>
+          <a:chExt cx="0" cy="0"/>
+        </a:xfrm>
+      </p:grpSpPr>
+      <p:sp>
+        <p:nvSpPr>
+          <p:cNvPr id="2" name="Título 1">
+            <a:extLst>
+              <a:ext uri="{FF2B5EF4-FFF2-40B4-BE49-F238E27FC236}">
+                <a16:creationId xmlns:a16="http://schemas.microsoft.com/office/drawing/2014/main" id="{0CD8D236-8B69-4113-9406-D175E0160211}"/>
+              </a:ext>
+            </a:extLst>
+          </p:cNvPr>
+          <p:cNvSpPr>
+            <a:spLocks noGrp="1"/>
+          </p:cNvSpPr>
+          <p:nvPr>
+            <p:ph type="title"/>
+          </p:nvPr>
+        </p:nvSpPr>
+        <p:spPr>
+          <a:xfrm>
+            <a:off x="646111" y="452718"/>
+            <a:ext cx="9404723" cy="823632"/>
+          </a:xfrm>
+        </p:spPr>
+        <p:txBody>
+          <a:bodyPr/>
+          <a:lstStyle/>
+          <a:p>
+            <a:r>
+              <a:rPr lang="es-AR" dirty="0"/>
+              <a:t>Desplazamientos</a:t>
+            </a:r>
+            <a:br>
+              <a:rPr lang="es-AR" dirty="0"/>
+            </a:br>
+            <a:r>
+              <a:rPr lang="es-AR" dirty="0"/>
+              <a:t>top, right, bottom, left</a:t>
+            </a:r>
+          </a:p>
+        </p:txBody>
+      </p:sp>
+      <p:sp>
+        <p:nvSpPr>
+          <p:cNvPr id="3" name="Marcador de contenido 2">
+            <a:extLst>
+              <a:ext uri="{FF2B5EF4-FFF2-40B4-BE49-F238E27FC236}">
+                <a16:creationId xmlns:a16="http://schemas.microsoft.com/office/drawing/2014/main" id="{BE14480C-96C5-451F-BD77-508AE57B4AA3}"/>
+              </a:ext>
+            </a:extLst>
+          </p:cNvPr>
+          <p:cNvSpPr>
+            <a:spLocks noGrp="1"/>
+          </p:cNvSpPr>
+          <p:nvPr>
+            <p:ph idx="1"/>
+          </p:nvPr>
+        </p:nvSpPr>
+        <p:spPr>
+          <a:xfrm>
+            <a:off x="1409093" y="2919693"/>
+            <a:ext cx="8946541" cy="2090457"/>
+          </a:xfrm>
+        </p:spPr>
+        <p:txBody>
+          <a:bodyPr/>
+          <a:lstStyle/>
+          <a:p>
+            <a:r>
+              <a:rPr lang="es-AR" dirty="0"/>
+              <a:t>Cuando se posiciona una caja también es necesario desplazarla respecto de su posición original o respecto de otro origen de coordenadas. </a:t>
+            </a:r>
+          </a:p>
+          <a:p>
+            <a:r>
+              <a:rPr lang="es-AR" dirty="0"/>
+              <a:t>CSS define cuatro propiedades llamadas top, right, bottom y left para controlar el desplazamiento de las cajas posicionadas:</a:t>
+            </a:r>
+          </a:p>
+        </p:txBody>
+      </p:sp>
+    </p:spTree>
+    <p:extLst>
+      <p:ext uri="{BB962C8B-B14F-4D97-AF65-F5344CB8AC3E}">
+        <p14:creationId xmlns:p14="http://schemas.microsoft.com/office/powerpoint/2010/main" val="3876048343"/>
+      </p:ext>
+    </p:extLst>
+  </p:cSld>
+  <p:clrMapOvr>
+    <a:masterClrMapping/>
+  </p:clrMapOvr>
+</p:sld>
+</file>
+
+<file path=ppt/slides/slide58.xml><?xml version="1.0" encoding="utf-8"?>
+<p:sld xmlns:a="http://schemas.openxmlformats.org/drawingml/2006/main" xmlns:r="http://schemas.openxmlformats.org/officeDocument/2006/relationships" xmlns:p="http://schemas.openxmlformats.org/presentationml/2006/main">
+  <p:cSld>
+    <p:spTree>
+      <p:nvGrpSpPr>
+        <p:cNvPr id="1" name=""/>
+        <p:cNvGrpSpPr/>
+        <p:nvPr/>
+      </p:nvGrpSpPr>
+      <p:grpSpPr>
+        <a:xfrm>
+          <a:off x="0" y="0"/>
+          <a:ext cx="0" cy="0"/>
+          <a:chOff x="0" y="0"/>
+          <a:chExt cx="0" cy="0"/>
+        </a:xfrm>
+      </p:grpSpPr>
+      <p:sp>
+        <p:nvSpPr>
+          <p:cNvPr id="2" name="Título 1">
+            <a:extLst>
+              <a:ext uri="{FF2B5EF4-FFF2-40B4-BE49-F238E27FC236}">
+                <a16:creationId xmlns:a16="http://schemas.microsoft.com/office/drawing/2014/main" id="{63380F7A-5270-4E85-A2D4-DA63E5DAF6C3}"/>
+              </a:ext>
+            </a:extLst>
+          </p:cNvPr>
+          <p:cNvSpPr>
+            <a:spLocks noGrp="1"/>
+          </p:cNvSpPr>
+          <p:nvPr>
+            <p:ph type="title"/>
+          </p:nvPr>
+        </p:nvSpPr>
+        <p:spPr>
+          <a:xfrm>
+            <a:off x="646111" y="452718"/>
+            <a:ext cx="9404723" cy="766482"/>
+          </a:xfrm>
+        </p:spPr>
+        <p:txBody>
+          <a:bodyPr/>
+          <a:lstStyle/>
+          <a:p>
+            <a:r>
+              <a:rPr lang="es-AR" dirty="0"/>
+              <a:t>Posicionamiento normal</a:t>
+            </a:r>
+          </a:p>
+        </p:txBody>
+      </p:sp>
+      <p:sp>
+        <p:nvSpPr>
+          <p:cNvPr id="3" name="Marcador de contenido 2">
+            <a:extLst>
+              <a:ext uri="{FF2B5EF4-FFF2-40B4-BE49-F238E27FC236}">
+                <a16:creationId xmlns:a16="http://schemas.microsoft.com/office/drawing/2014/main" id="{97318097-028E-400E-BD1E-B7CFA29247FD}"/>
+              </a:ext>
+            </a:extLst>
+          </p:cNvPr>
+          <p:cNvSpPr>
+            <a:spLocks noGrp="1"/>
+          </p:cNvSpPr>
+          <p:nvPr>
+            <p:ph idx="1"/>
+          </p:nvPr>
+        </p:nvSpPr>
+        <p:spPr>
+          <a:xfrm>
+            <a:off x="645130" y="1331259"/>
+            <a:ext cx="10984895" cy="5174316"/>
+          </a:xfrm>
+        </p:spPr>
+        <p:txBody>
+          <a:bodyPr>
+            <a:normAutofit lnSpcReduction="10000"/>
+          </a:bodyPr>
+          <a:lstStyle/>
+          <a:p>
+            <a:pPr algn="just"/>
+            <a:r>
+              <a:rPr lang="es-AR" dirty="0"/>
+              <a:t>El posicionamiento normal o estático es el modelo que utilizan por defecto los navegadores para mostrar los elementos de las páginas. En este modelo, sólo se tiene en cuenta si el elemento es de bloque o en línea, sus propiedades width y height y su contenido.</a:t>
+            </a:r>
+          </a:p>
+          <a:p>
+            <a:pPr algn="just"/>
+            <a:r>
+              <a:rPr lang="es-AR" dirty="0"/>
+              <a:t>Las cajas se muestran una debajo de otra comenzando desde el principio del elemento contenedor. La distancia entre las cajas se controla mediante los márgenes verticales.</a:t>
+            </a:r>
+          </a:p>
+          <a:p>
+            <a:pPr algn="just"/>
+            <a:endParaRPr lang="es-AR" dirty="0"/>
+          </a:p>
+          <a:p>
+            <a:pPr algn="just"/>
+            <a:endParaRPr lang="es-AR" dirty="0"/>
+          </a:p>
+          <a:p>
+            <a:pPr algn="just"/>
+            <a:endParaRPr lang="es-AR" dirty="0"/>
+          </a:p>
+          <a:p>
+            <a:pPr algn="just"/>
+            <a:endParaRPr lang="es-AR" dirty="0"/>
+          </a:p>
+          <a:p>
+            <a:pPr algn="just"/>
+            <a:endParaRPr lang="es-AR" dirty="0"/>
+          </a:p>
+          <a:p>
+            <a:pPr algn="just"/>
+            <a:r>
+              <a:rPr lang="es-AR" dirty="0"/>
+              <a:t>Si un elemento se encuentra dentro de otro, el elemento padre se llama </a:t>
+            </a:r>
+            <a:r>
+              <a:rPr lang="es-AR" i="1" dirty="0"/>
+              <a:t>"elemento contenedor"</a:t>
+            </a:r>
+            <a:r>
+              <a:rPr lang="es-AR" dirty="0"/>
+              <a:t> y determina tanto la posición como el tamaño de todas sus cajas interiores.</a:t>
+            </a:r>
+          </a:p>
+        </p:txBody>
+      </p:sp>
+      <p:pic>
+        <p:nvPicPr>
+          <p:cNvPr id="6" name="Imagen 5">
+            <a:extLst>
+              <a:ext uri="{FF2B5EF4-FFF2-40B4-BE49-F238E27FC236}">
+                <a16:creationId xmlns:a16="http://schemas.microsoft.com/office/drawing/2014/main" id="{EAE6B157-9295-4ACE-AE1F-7DB4F8293E62}"/>
+              </a:ext>
+            </a:extLst>
+          </p:cNvPr>
+          <p:cNvPicPr>
+            <a:picLocks noChangeAspect="1"/>
+          </p:cNvPicPr>
+          <p:nvPr/>
+        </p:nvPicPr>
+        <p:blipFill>
+          <a:blip r:embed="rId2"/>
+          <a:stretch>
+            <a:fillRect/>
+          </a:stretch>
+        </p:blipFill>
+        <p:spPr>
+          <a:xfrm>
+            <a:off x="4533900" y="3286124"/>
+            <a:ext cx="3820620" cy="2165365"/>
+          </a:xfrm>
+          <a:prstGeom prst="rect">
+            <a:avLst/>
+          </a:prstGeom>
+        </p:spPr>
+      </p:pic>
+    </p:spTree>
+    <p:extLst>
+      <p:ext uri="{BB962C8B-B14F-4D97-AF65-F5344CB8AC3E}">
+        <p14:creationId xmlns:p14="http://schemas.microsoft.com/office/powerpoint/2010/main" val="1869700872"/>
+      </p:ext>
+    </p:extLst>
+  </p:cSld>
+  <p:clrMapOvr>
+    <a:masterClrMapping/>
+  </p:clrMapOvr>
+</p:sld>
+</file>
+
+<file path=ppt/slides/slide59.xml><?xml version="1.0" encoding="utf-8"?>
+<p:sld xmlns:a="http://schemas.openxmlformats.org/drawingml/2006/main" xmlns:r="http://schemas.openxmlformats.org/officeDocument/2006/relationships" xmlns:p="http://schemas.openxmlformats.org/presentationml/2006/main">
+  <p:cSld>
+    <p:spTree>
+      <p:nvGrpSpPr>
+        <p:cNvPr id="1" name=""/>
+        <p:cNvGrpSpPr/>
+        <p:nvPr/>
+      </p:nvGrpSpPr>
+      <p:grpSpPr>
+        <a:xfrm>
+          <a:off x="0" y="0"/>
+          <a:ext cx="0" cy="0"/>
+          <a:chOff x="0" y="0"/>
+          <a:chExt cx="0" cy="0"/>
+        </a:xfrm>
+      </p:grpSpPr>
+      <p:sp>
+        <p:nvSpPr>
+          <p:cNvPr id="2" name="Título 1">
+            <a:extLst>
+              <a:ext uri="{FF2B5EF4-FFF2-40B4-BE49-F238E27FC236}">
+                <a16:creationId xmlns:a16="http://schemas.microsoft.com/office/drawing/2014/main" id="{F994FAE3-484D-4C63-9051-BE43D00C7DDD}"/>
+              </a:ext>
+            </a:extLst>
+          </p:cNvPr>
+          <p:cNvSpPr>
+            <a:spLocks noGrp="1"/>
+          </p:cNvSpPr>
+          <p:nvPr>
+            <p:ph type="title"/>
+          </p:nvPr>
+        </p:nvSpPr>
+        <p:spPr>
+          <a:xfrm>
+            <a:off x="646111" y="452718"/>
+            <a:ext cx="9404723" cy="842682"/>
+          </a:xfrm>
+        </p:spPr>
+        <p:txBody>
+          <a:bodyPr/>
+          <a:lstStyle/>
+          <a:p>
+            <a:r>
+              <a:rPr lang="es-AR" dirty="0"/>
+              <a:t>Posicionamiento normal II</a:t>
+            </a:r>
+          </a:p>
+        </p:txBody>
+      </p:sp>
+      <p:sp>
+        <p:nvSpPr>
+          <p:cNvPr id="3" name="Marcador de contenido 2">
+            <a:extLst>
+              <a:ext uri="{FF2B5EF4-FFF2-40B4-BE49-F238E27FC236}">
+                <a16:creationId xmlns:a16="http://schemas.microsoft.com/office/drawing/2014/main" id="{63233439-37BF-4A80-83DE-09EDC0042DCD}"/>
+              </a:ext>
+            </a:extLst>
+          </p:cNvPr>
+          <p:cNvSpPr>
+            <a:spLocks noGrp="1"/>
+          </p:cNvSpPr>
+          <p:nvPr>
+            <p:ph idx="1"/>
+          </p:nvPr>
+        </p:nvSpPr>
+        <p:spPr>
+          <a:xfrm>
+            <a:off x="646111" y="1831873"/>
+            <a:ext cx="11447206" cy="4819649"/>
+          </a:xfrm>
+        </p:spPr>
+        <p:txBody>
+          <a:bodyPr>
+            <a:normAutofit lnSpcReduction="10000"/>
+          </a:bodyPr>
+          <a:lstStyle/>
+          <a:p>
+            <a:r>
+              <a:rPr lang="es-AR" dirty="0"/>
+              <a:t>En los  elementos en línea, sus </a:t>
+            </a:r>
+            <a:r>
+              <a:rPr lang="es-AR" dirty="0" err="1"/>
+              <a:t>cajasse</a:t>
+            </a:r>
+            <a:r>
+              <a:rPr lang="es-AR" dirty="0"/>
+              <a:t> muestran una detrás de otra de forma horizontal comenzando desde la posición más a la izquierda de su elemento contenedor. La distancia entre las cajas se controla mediante los márgenes laterales.</a:t>
+            </a:r>
+          </a:p>
+          <a:p>
+            <a:endParaRPr lang="es-AR" dirty="0"/>
+          </a:p>
+          <a:p>
+            <a:endParaRPr lang="es-AR" dirty="0"/>
+          </a:p>
+          <a:p>
+            <a:endParaRPr lang="es-AR" dirty="0"/>
+          </a:p>
+          <a:p>
+            <a:endParaRPr lang="es-AR" dirty="0"/>
+          </a:p>
+          <a:p>
+            <a:endParaRPr lang="es-AR" dirty="0"/>
+          </a:p>
+          <a:p>
+            <a:endParaRPr lang="es-AR" dirty="0"/>
+          </a:p>
+          <a:p>
+            <a:r>
+              <a:rPr lang="es-AR" dirty="0"/>
+              <a:t>Si las cajas en línea ocupan más espacio del disponible en su propia línea, el resto de cajas se muestran en las líneas inferiores. Si las cajas en línea ocupan un espacio menor que su propia línea, se puede controlar la distribución de las cajas mediante la propiedad </a:t>
+            </a:r>
+            <a:r>
+              <a:rPr lang="es-AR" dirty="0" err="1"/>
+              <a:t>text-align</a:t>
+            </a:r>
+            <a:r>
+              <a:rPr lang="es-AR" dirty="0"/>
+              <a:t> para centrarlas, alinearlas a la derecha o justificarlas. </a:t>
+            </a:r>
+          </a:p>
+          <a:p>
+            <a:endParaRPr lang="es-AR" dirty="0"/>
+          </a:p>
+        </p:txBody>
+      </p:sp>
+      <p:pic>
+        <p:nvPicPr>
+          <p:cNvPr id="5" name="Imagen 4">
+            <a:extLst>
+              <a:ext uri="{FF2B5EF4-FFF2-40B4-BE49-F238E27FC236}">
+                <a16:creationId xmlns:a16="http://schemas.microsoft.com/office/drawing/2014/main" id="{A1C3B373-DEC1-43CC-8A3B-0B413EA3546D}"/>
+              </a:ext>
+            </a:extLst>
+          </p:cNvPr>
+          <p:cNvPicPr>
+            <a:picLocks noChangeAspect="1"/>
+          </p:cNvPicPr>
+          <p:nvPr/>
+        </p:nvPicPr>
+        <p:blipFill>
+          <a:blip r:embed="rId2"/>
+          <a:stretch>
+            <a:fillRect/>
+          </a:stretch>
+        </p:blipFill>
+        <p:spPr>
+          <a:xfrm>
+            <a:off x="4616587" y="2821858"/>
+            <a:ext cx="3886011" cy="2202426"/>
+          </a:xfrm>
+          <a:prstGeom prst="rect">
+            <a:avLst/>
+          </a:prstGeom>
+        </p:spPr>
+      </p:pic>
+    </p:spTree>
+    <p:extLst>
+      <p:ext uri="{BB962C8B-B14F-4D97-AF65-F5344CB8AC3E}">
+        <p14:creationId xmlns:p14="http://schemas.microsoft.com/office/powerpoint/2010/main" val="2557330299"/>
+      </p:ext>
+    </p:extLst>
+  </p:cSld>
+  <p:clrMapOvr>
+    <a:masterClrMapping/>
+  </p:clrMapOvr>
 </p:sld>
 </file>
 
@@ -13507,13 +16328,8 @@
           <a:p>
             <a:r>
               <a:rPr lang="es-AR" dirty="0"/>
-              <a:t>F</a:t>
-            </a:r>
-            <a:r>
-              <a:rPr lang="es-AR" dirty="0" smtClean="0"/>
-              <a:t>orma alternativa</a:t>
-            </a:r>
-            <a:endParaRPr lang="es-AR" dirty="0"/>
+              <a:t>Forma alternativa</a:t>
+            </a:r>
           </a:p>
         </p:txBody>
       </p:sp>
@@ -13527,13 +16343,1404 @@
   <p:clrMapOvr>
     <a:masterClrMapping/>
   </p:clrMapOvr>
-  <p:timing>
-    <p:tnLst>
-      <p:par>
-        <p:cTn id="1" dur="indefinite" restart="never" nodeType="tmRoot"/>
-      </p:par>
-    </p:tnLst>
-  </p:timing>
+</p:sld>
+</file>
+
+<file path=ppt/slides/slide60.xml><?xml version="1.0" encoding="utf-8"?>
+<p:sld xmlns:a="http://schemas.openxmlformats.org/drawingml/2006/main" xmlns:r="http://schemas.openxmlformats.org/officeDocument/2006/relationships" xmlns:p="http://schemas.openxmlformats.org/presentationml/2006/main">
+  <p:cSld>
+    <p:spTree>
+      <p:nvGrpSpPr>
+        <p:cNvPr id="1" name=""/>
+        <p:cNvGrpSpPr/>
+        <p:nvPr/>
+      </p:nvGrpSpPr>
+      <p:grpSpPr>
+        <a:xfrm>
+          <a:off x="0" y="0"/>
+          <a:ext cx="0" cy="0"/>
+          <a:chOff x="0" y="0"/>
+          <a:chExt cx="0" cy="0"/>
+        </a:xfrm>
+      </p:grpSpPr>
+      <p:sp>
+        <p:nvSpPr>
+          <p:cNvPr id="2" name="Título 1">
+            <a:extLst>
+              <a:ext uri="{FF2B5EF4-FFF2-40B4-BE49-F238E27FC236}">
+                <a16:creationId xmlns:a16="http://schemas.microsoft.com/office/drawing/2014/main" id="{4EE888E1-4547-4208-8297-48FF7BABBB4A}"/>
+              </a:ext>
+            </a:extLst>
+          </p:cNvPr>
+          <p:cNvSpPr>
+            <a:spLocks noGrp="1"/>
+          </p:cNvSpPr>
+          <p:nvPr>
+            <p:ph type="title"/>
+          </p:nvPr>
+        </p:nvSpPr>
+        <p:spPr>
+          <a:xfrm>
+            <a:off x="646111" y="452718"/>
+            <a:ext cx="9404723" cy="699807"/>
+          </a:xfrm>
+        </p:spPr>
+        <p:txBody>
+          <a:bodyPr/>
+          <a:lstStyle/>
+          <a:p>
+            <a:r>
+              <a:rPr lang="es-AR" dirty="0"/>
+              <a:t>Posicionamiento relativo</a:t>
+            </a:r>
+          </a:p>
+        </p:txBody>
+      </p:sp>
+      <p:sp>
+        <p:nvSpPr>
+          <p:cNvPr id="3" name="Marcador de contenido 2">
+            <a:extLst>
+              <a:ext uri="{FF2B5EF4-FFF2-40B4-BE49-F238E27FC236}">
+                <a16:creationId xmlns:a16="http://schemas.microsoft.com/office/drawing/2014/main" id="{7AF032B1-D451-4909-AAC7-A86B07535BCD}"/>
+              </a:ext>
+            </a:extLst>
+          </p:cNvPr>
+          <p:cNvSpPr>
+            <a:spLocks noGrp="1"/>
+          </p:cNvSpPr>
+          <p:nvPr>
+            <p:ph idx="1"/>
+          </p:nvPr>
+        </p:nvSpPr>
+        <p:spPr>
+          <a:xfrm>
+            <a:off x="419100" y="1352550"/>
+            <a:ext cx="11372849" cy="5052731"/>
+          </a:xfrm>
+        </p:spPr>
+        <p:txBody>
+          <a:bodyPr>
+            <a:normAutofit fontScale="92500" lnSpcReduction="20000"/>
+          </a:bodyPr>
+          <a:lstStyle/>
+          <a:p>
+            <a:pPr algn="just"/>
+            <a:r>
+              <a:rPr lang="es-AR" dirty="0"/>
+              <a:t>El posicionamiento relativo desplaza una caja respecto de su posición original establecida mediante el posicionamiento normal. El desplazamiento de la caja se controla con las propiedades top, right, bottom y left.</a:t>
+            </a:r>
+          </a:p>
+          <a:p>
+            <a:pPr algn="just"/>
+            <a:endParaRPr lang="es-AR" dirty="0"/>
+          </a:p>
+          <a:p>
+            <a:pPr algn="just"/>
+            <a:r>
+              <a:rPr lang="es-AR" dirty="0"/>
+              <a:t>El valor de la propiedad top se interpreta como el desplazamiento entre el borde superior de la caja en su posición final y el borde superior de la misma caja en su posición original.</a:t>
+            </a:r>
+          </a:p>
+          <a:p>
+            <a:pPr algn="just"/>
+            <a:endParaRPr lang="es-AR" dirty="0"/>
+          </a:p>
+          <a:p>
+            <a:pPr algn="just"/>
+            <a:r>
+              <a:rPr lang="es-AR" dirty="0"/>
+              <a:t>De la misma forma, el valor de las propiedades left, right y bottom indica respectivamente el desplazamiento entre el borde izquierdo/derecho/inferior de la caja en su posición final y el borde izquierdo/derecho/inferior de la caja original.</a:t>
+            </a:r>
+          </a:p>
+          <a:p>
+            <a:pPr algn="just"/>
+            <a:endParaRPr lang="es-AR" dirty="0"/>
+          </a:p>
+          <a:p>
+            <a:pPr algn="just"/>
+            <a:r>
+              <a:rPr lang="es-AR" dirty="0"/>
+              <a:t>Por tanto, la propiedad top se emplea para mover las cajas de forma descendente, la propiedad bottom mueve las cajas de forma ascendente, la propiedad left se utiliza para desplazar las cajas hacia la derecha y la propiedad right mueve las cajas hacia la izquierda. Este comportamiento parece poco intuitivo y es causa de errores cuando se empiezan a diseñar páginas con CSS. Si se utilizan valores negativos en las propiedades top, right, bottom y left, su efecto es justamente el inverso.</a:t>
+            </a:r>
+          </a:p>
+        </p:txBody>
+      </p:sp>
+    </p:spTree>
+    <p:extLst>
+      <p:ext uri="{BB962C8B-B14F-4D97-AF65-F5344CB8AC3E}">
+        <p14:creationId xmlns:p14="http://schemas.microsoft.com/office/powerpoint/2010/main" val="2258216943"/>
+      </p:ext>
+    </p:extLst>
+  </p:cSld>
+  <p:clrMapOvr>
+    <a:masterClrMapping/>
+  </p:clrMapOvr>
+</p:sld>
+</file>
+
+<file path=ppt/slides/slide61.xml><?xml version="1.0" encoding="utf-8"?>
+<p:sld xmlns:a="http://schemas.openxmlformats.org/drawingml/2006/main" xmlns:r="http://schemas.openxmlformats.org/officeDocument/2006/relationships" xmlns:p="http://schemas.openxmlformats.org/presentationml/2006/main">
+  <p:cSld>
+    <p:spTree>
+      <p:nvGrpSpPr>
+        <p:cNvPr id="1" name=""/>
+        <p:cNvGrpSpPr/>
+        <p:nvPr/>
+      </p:nvGrpSpPr>
+      <p:grpSpPr>
+        <a:xfrm>
+          <a:off x="0" y="0"/>
+          <a:ext cx="0" cy="0"/>
+          <a:chOff x="0" y="0"/>
+          <a:chExt cx="0" cy="0"/>
+        </a:xfrm>
+      </p:grpSpPr>
+      <p:sp>
+        <p:nvSpPr>
+          <p:cNvPr id="2" name="Título 1">
+            <a:extLst>
+              <a:ext uri="{FF2B5EF4-FFF2-40B4-BE49-F238E27FC236}">
+                <a16:creationId xmlns:a16="http://schemas.microsoft.com/office/drawing/2014/main" id="{24CBFE92-DC56-4995-AEA1-C0A2944B1B56}"/>
+              </a:ext>
+            </a:extLst>
+          </p:cNvPr>
+          <p:cNvSpPr>
+            <a:spLocks noGrp="1"/>
+          </p:cNvSpPr>
+          <p:nvPr>
+            <p:ph type="title"/>
+          </p:nvPr>
+        </p:nvSpPr>
+        <p:spPr>
+          <a:xfrm>
+            <a:off x="646111" y="452718"/>
+            <a:ext cx="9404723" cy="699807"/>
+          </a:xfrm>
+        </p:spPr>
+        <p:txBody>
+          <a:bodyPr/>
+          <a:lstStyle/>
+          <a:p>
+            <a:r>
+              <a:rPr lang="es-AR" dirty="0"/>
+              <a:t>Posicionamiento relativo II</a:t>
+            </a:r>
+          </a:p>
+        </p:txBody>
+      </p:sp>
+      <p:sp>
+        <p:nvSpPr>
+          <p:cNvPr id="3" name="Marcador de contenido 2">
+            <a:extLst>
+              <a:ext uri="{FF2B5EF4-FFF2-40B4-BE49-F238E27FC236}">
+                <a16:creationId xmlns:a16="http://schemas.microsoft.com/office/drawing/2014/main" id="{CDF78ED4-1A23-404D-853D-13DA3261A154}"/>
+              </a:ext>
+            </a:extLst>
+          </p:cNvPr>
+          <p:cNvSpPr>
+            <a:spLocks noGrp="1"/>
+          </p:cNvSpPr>
+          <p:nvPr>
+            <p:ph idx="1"/>
+          </p:nvPr>
+        </p:nvSpPr>
+        <p:spPr>
+          <a:xfrm>
+            <a:off x="409576" y="1600200"/>
+            <a:ext cx="11439524" cy="5029200"/>
+          </a:xfrm>
+        </p:spPr>
+        <p:txBody>
+          <a:bodyPr>
+            <a:normAutofit fontScale="92500" lnSpcReduction="10000"/>
+          </a:bodyPr>
+          <a:lstStyle/>
+          <a:p>
+            <a:pPr algn="just"/>
+            <a:r>
+              <a:rPr lang="es-AR" dirty="0"/>
+              <a:t>El desplazamiento relativo de una caja no afecta al resto de cajas adyacentes, que se muestran en la misma posición que si la caja desplazada no se hubiera movido de su posición original.</a:t>
+            </a:r>
+          </a:p>
+          <a:p>
+            <a:pPr algn="just"/>
+            <a:endParaRPr lang="es-AR" dirty="0"/>
+          </a:p>
+          <a:p>
+            <a:pPr algn="just"/>
+            <a:endParaRPr lang="es-AR" dirty="0"/>
+          </a:p>
+          <a:p>
+            <a:pPr algn="just"/>
+            <a:endParaRPr lang="es-AR" dirty="0"/>
+          </a:p>
+          <a:p>
+            <a:pPr algn="just"/>
+            <a:endParaRPr lang="es-AR" dirty="0"/>
+          </a:p>
+          <a:p>
+            <a:pPr algn="just"/>
+            <a:endParaRPr lang="es-AR" dirty="0"/>
+          </a:p>
+          <a:p>
+            <a:pPr algn="just"/>
+            <a:endParaRPr lang="es-AR" dirty="0"/>
+          </a:p>
+          <a:p>
+            <a:pPr algn="just"/>
+            <a:endParaRPr lang="es-AR" dirty="0"/>
+          </a:p>
+          <a:p>
+            <a:pPr algn="just"/>
+            <a:r>
+              <a:rPr lang="es-AR" dirty="0"/>
+              <a:t>En la imagen anterior, la caja 2 se ha desplazado lateralmente hacia la derecha y verticalmente de forma descendente. Como el resto de cajas de la página no modifican su posición, se producen solapamientos entre los contenidos de las cajas.</a:t>
+            </a:r>
+          </a:p>
+          <a:p>
+            <a:pPr algn="just"/>
+            <a:r>
+              <a:rPr lang="es-AR" dirty="0"/>
+              <a:t>Las cajas desplazadas de forma relativa no modifican su tamaño</a:t>
+            </a:r>
+          </a:p>
+          <a:p>
+            <a:endParaRPr lang="es-AR" dirty="0"/>
+          </a:p>
+        </p:txBody>
+      </p:sp>
+      <p:pic>
+        <p:nvPicPr>
+          <p:cNvPr id="5" name="Imagen 4">
+            <a:extLst>
+              <a:ext uri="{FF2B5EF4-FFF2-40B4-BE49-F238E27FC236}">
+                <a16:creationId xmlns:a16="http://schemas.microsoft.com/office/drawing/2014/main" id="{E6587F1F-9937-4C01-A42B-14B85A5F0B0B}"/>
+              </a:ext>
+            </a:extLst>
+          </p:cNvPr>
+          <p:cNvPicPr>
+            <a:picLocks noChangeAspect="1"/>
+          </p:cNvPicPr>
+          <p:nvPr/>
+        </p:nvPicPr>
+        <p:blipFill>
+          <a:blip r:embed="rId2"/>
+          <a:stretch>
+            <a:fillRect/>
+          </a:stretch>
+        </p:blipFill>
+        <p:spPr>
+          <a:xfrm>
+            <a:off x="2664190" y="2581274"/>
+            <a:ext cx="6863619" cy="2428875"/>
+          </a:xfrm>
+          <a:prstGeom prst="rect">
+            <a:avLst/>
+          </a:prstGeom>
+        </p:spPr>
+      </p:pic>
+    </p:spTree>
+    <p:extLst>
+      <p:ext uri="{BB962C8B-B14F-4D97-AF65-F5344CB8AC3E}">
+        <p14:creationId xmlns:p14="http://schemas.microsoft.com/office/powerpoint/2010/main" val="3556985398"/>
+      </p:ext>
+    </p:extLst>
+  </p:cSld>
+  <p:clrMapOvr>
+    <a:masterClrMapping/>
+  </p:clrMapOvr>
+</p:sld>
+</file>
+
+<file path=ppt/slides/slide62.xml><?xml version="1.0" encoding="utf-8"?>
+<p:sld xmlns:a="http://schemas.openxmlformats.org/drawingml/2006/main" xmlns:r="http://schemas.openxmlformats.org/officeDocument/2006/relationships" xmlns:p="http://schemas.openxmlformats.org/presentationml/2006/main">
+  <p:cSld>
+    <p:spTree>
+      <p:nvGrpSpPr>
+        <p:cNvPr id="1" name=""/>
+        <p:cNvGrpSpPr/>
+        <p:nvPr/>
+      </p:nvGrpSpPr>
+      <p:grpSpPr>
+        <a:xfrm>
+          <a:off x="0" y="0"/>
+          <a:ext cx="0" cy="0"/>
+          <a:chOff x="0" y="0"/>
+          <a:chExt cx="0" cy="0"/>
+        </a:xfrm>
+      </p:grpSpPr>
+      <p:sp>
+        <p:nvSpPr>
+          <p:cNvPr id="2" name="Título 1">
+            <a:extLst>
+              <a:ext uri="{FF2B5EF4-FFF2-40B4-BE49-F238E27FC236}">
+                <a16:creationId xmlns:a16="http://schemas.microsoft.com/office/drawing/2014/main" id="{E3AB818C-BBCB-4FE9-9F6E-E282C7ACE6AF}"/>
+              </a:ext>
+            </a:extLst>
+          </p:cNvPr>
+          <p:cNvSpPr>
+            <a:spLocks noGrp="1"/>
+          </p:cNvSpPr>
+          <p:nvPr>
+            <p:ph type="title"/>
+          </p:nvPr>
+        </p:nvSpPr>
+        <p:spPr>
+          <a:xfrm>
+            <a:off x="646111" y="452718"/>
+            <a:ext cx="9404723" cy="804582"/>
+          </a:xfrm>
+        </p:spPr>
+        <p:txBody>
+          <a:bodyPr/>
+          <a:lstStyle/>
+          <a:p>
+            <a:r>
+              <a:rPr lang="es-AR" dirty="0"/>
+              <a:t>Posicionamiento absoluto</a:t>
+            </a:r>
+          </a:p>
+        </p:txBody>
+      </p:sp>
+      <p:sp>
+        <p:nvSpPr>
+          <p:cNvPr id="3" name="Marcador de contenido 2">
+            <a:extLst>
+              <a:ext uri="{FF2B5EF4-FFF2-40B4-BE49-F238E27FC236}">
+                <a16:creationId xmlns:a16="http://schemas.microsoft.com/office/drawing/2014/main" id="{38592B06-0751-4FD2-A09A-E5649F36D804}"/>
+              </a:ext>
+            </a:extLst>
+          </p:cNvPr>
+          <p:cNvSpPr>
+            <a:spLocks noGrp="1"/>
+          </p:cNvSpPr>
+          <p:nvPr>
+            <p:ph idx="1"/>
+          </p:nvPr>
+        </p:nvSpPr>
+        <p:spPr/>
+        <p:txBody>
+          <a:bodyPr>
+            <a:normAutofit lnSpcReduction="10000"/>
+          </a:bodyPr>
+          <a:lstStyle/>
+          <a:p>
+            <a:pPr algn="just"/>
+            <a:r>
+              <a:rPr lang="es-AR" dirty="0"/>
+              <a:t>El posicionamiento absoluto se emplea para establecer de forma exacta la posición en la que se muestra la caja de un elemento. La nueva posición de la caja se indica mediante las propiedades top, right, bottom y left. La interpretación de los valores de estas propiedades es mucho más compleja que en el posicionamiento relativo, ya que en este caso dependen del posicionamiento del elemento contenedor.</a:t>
+            </a:r>
+          </a:p>
+          <a:p>
+            <a:endParaRPr lang="es-AR" dirty="0"/>
+          </a:p>
+          <a:p>
+            <a:pPr algn="just"/>
+            <a:r>
+              <a:rPr lang="es-AR" dirty="0"/>
+              <a:t>Cuando una caja se posiciona de forma absoluta, el resto de elementos de la página se ven afectados y modifican su posición. Al igual que en el posicionamiento relativo, cuando se posiciona de forma absoluta una caja es probable que se produzcan solapamientos con otras cajas.</a:t>
+            </a:r>
+          </a:p>
+        </p:txBody>
+      </p:sp>
+    </p:spTree>
+    <p:extLst>
+      <p:ext uri="{BB962C8B-B14F-4D97-AF65-F5344CB8AC3E}">
+        <p14:creationId xmlns:p14="http://schemas.microsoft.com/office/powerpoint/2010/main" val="1711966773"/>
+      </p:ext>
+    </p:extLst>
+  </p:cSld>
+  <p:clrMapOvr>
+    <a:masterClrMapping/>
+  </p:clrMapOvr>
+</p:sld>
+</file>
+
+<file path=ppt/slides/slide63.xml><?xml version="1.0" encoding="utf-8"?>
+<p:sld xmlns:a="http://schemas.openxmlformats.org/drawingml/2006/main" xmlns:r="http://schemas.openxmlformats.org/officeDocument/2006/relationships" xmlns:p="http://schemas.openxmlformats.org/presentationml/2006/main">
+  <p:cSld>
+    <p:spTree>
+      <p:nvGrpSpPr>
+        <p:cNvPr id="1" name=""/>
+        <p:cNvGrpSpPr/>
+        <p:nvPr/>
+      </p:nvGrpSpPr>
+      <p:grpSpPr>
+        <a:xfrm>
+          <a:off x="0" y="0"/>
+          <a:ext cx="0" cy="0"/>
+          <a:chOff x="0" y="0"/>
+          <a:chExt cx="0" cy="0"/>
+        </a:xfrm>
+      </p:grpSpPr>
+      <p:sp>
+        <p:nvSpPr>
+          <p:cNvPr id="2" name="Título 1">
+            <a:extLst>
+              <a:ext uri="{FF2B5EF4-FFF2-40B4-BE49-F238E27FC236}">
+                <a16:creationId xmlns:a16="http://schemas.microsoft.com/office/drawing/2014/main" id="{B4BACBAA-7F9A-4C19-BFD7-6DD2DCFCB86B}"/>
+              </a:ext>
+            </a:extLst>
+          </p:cNvPr>
+          <p:cNvSpPr>
+            <a:spLocks noGrp="1"/>
+          </p:cNvSpPr>
+          <p:nvPr>
+            <p:ph type="title"/>
+          </p:nvPr>
+        </p:nvSpPr>
+        <p:spPr>
+          <a:xfrm>
+            <a:off x="646111" y="452718"/>
+            <a:ext cx="9404723" cy="728382"/>
+          </a:xfrm>
+        </p:spPr>
+        <p:txBody>
+          <a:bodyPr/>
+          <a:lstStyle/>
+          <a:p>
+            <a:r>
+              <a:rPr lang="es-AR" dirty="0"/>
+              <a:t>Posicionamiento absoluto II</a:t>
+            </a:r>
+          </a:p>
+        </p:txBody>
+      </p:sp>
+      <p:sp>
+        <p:nvSpPr>
+          <p:cNvPr id="3" name="Marcador de contenido 2">
+            <a:extLst>
+              <a:ext uri="{FF2B5EF4-FFF2-40B4-BE49-F238E27FC236}">
+                <a16:creationId xmlns:a16="http://schemas.microsoft.com/office/drawing/2014/main" id="{D05F55DC-AA91-48A0-88FE-2E361E400309}"/>
+              </a:ext>
+            </a:extLst>
+          </p:cNvPr>
+          <p:cNvSpPr>
+            <a:spLocks noGrp="1"/>
+          </p:cNvSpPr>
+          <p:nvPr>
+            <p:ph idx="1"/>
+          </p:nvPr>
+        </p:nvSpPr>
+        <p:spPr>
+          <a:xfrm>
+            <a:off x="645130" y="1400176"/>
+            <a:ext cx="11070620" cy="5457824"/>
+          </a:xfrm>
+        </p:spPr>
+        <p:txBody>
+          <a:bodyPr>
+            <a:normAutofit fontScale="92500" lnSpcReduction="10000"/>
+          </a:bodyPr>
+          <a:lstStyle/>
+          <a:p>
+            <a:r>
+              <a:rPr lang="es-AR" dirty="0"/>
+              <a:t>En el siguiente ejemplo, se posiciona de forma absoluta la caja 2:</a:t>
+            </a:r>
+          </a:p>
+          <a:p>
+            <a:endParaRPr lang="es-AR" dirty="0"/>
+          </a:p>
+          <a:p>
+            <a:endParaRPr lang="es-AR" dirty="0"/>
+          </a:p>
+          <a:p>
+            <a:endParaRPr lang="es-AR" dirty="0"/>
+          </a:p>
+          <a:p>
+            <a:endParaRPr lang="es-AR" dirty="0"/>
+          </a:p>
+          <a:p>
+            <a:endParaRPr lang="es-AR" dirty="0"/>
+          </a:p>
+          <a:p>
+            <a:pPr algn="just"/>
+            <a:r>
+              <a:rPr lang="es-AR" dirty="0"/>
+              <a:t>La caja 2 está posicionada de forma absoluta, lo que provoca que el resto de elementos de la página modifiquen su posición. En concreto, la caja 3 deja su lugar original y pasa a ocupar el hueco dejado por la caja 2.</a:t>
+            </a:r>
+          </a:p>
+          <a:p>
+            <a:pPr algn="just"/>
+            <a:r>
+              <a:rPr lang="es-AR" dirty="0"/>
+              <a:t>Las cajas posicionadas de forma absoluta "salen del flujo normal de la página", lo que provoca que el resto de elementos de la página se muevan y en ocasiones, ocupen la posición original en la que se encontraba la caja.</a:t>
+            </a:r>
+          </a:p>
+          <a:p>
+            <a:pPr algn="just"/>
+            <a:r>
+              <a:rPr lang="es-AR" dirty="0"/>
+              <a:t>El desplazamiento de una caja posicionada de forma absoluta se controla mediante las propiedades top, right, bottom y left. A diferencia del posicionamiento relativo, la interpretación de los valores de estas propiedades depende del elemento contenedor de la caja posicionada.</a:t>
+            </a:r>
+          </a:p>
+          <a:p>
+            <a:endParaRPr lang="es-AR" dirty="0"/>
+          </a:p>
+        </p:txBody>
+      </p:sp>
+      <p:pic>
+        <p:nvPicPr>
+          <p:cNvPr id="5" name="Imagen 4">
+            <a:extLst>
+              <a:ext uri="{FF2B5EF4-FFF2-40B4-BE49-F238E27FC236}">
+                <a16:creationId xmlns:a16="http://schemas.microsoft.com/office/drawing/2014/main" id="{3738BAF3-929D-4C5D-92AC-7AFF41C3F433}"/>
+              </a:ext>
+            </a:extLst>
+          </p:cNvPr>
+          <p:cNvPicPr>
+            <a:picLocks noChangeAspect="1"/>
+          </p:cNvPicPr>
+          <p:nvPr/>
+        </p:nvPicPr>
+        <p:blipFill>
+          <a:blip r:embed="rId2"/>
+          <a:stretch>
+            <a:fillRect/>
+          </a:stretch>
+        </p:blipFill>
+        <p:spPr>
+          <a:xfrm>
+            <a:off x="3776662" y="1885950"/>
+            <a:ext cx="4791075" cy="1695450"/>
+          </a:xfrm>
+          <a:prstGeom prst="rect">
+            <a:avLst/>
+          </a:prstGeom>
+        </p:spPr>
+      </p:pic>
+    </p:spTree>
+    <p:extLst>
+      <p:ext uri="{BB962C8B-B14F-4D97-AF65-F5344CB8AC3E}">
+        <p14:creationId xmlns:p14="http://schemas.microsoft.com/office/powerpoint/2010/main" val="1276228038"/>
+      </p:ext>
+    </p:extLst>
+  </p:cSld>
+  <p:clrMapOvr>
+    <a:masterClrMapping/>
+  </p:clrMapOvr>
+</p:sld>
+</file>
+
+<file path=ppt/slides/slide64.xml><?xml version="1.0" encoding="utf-8"?>
+<p:sld xmlns:a="http://schemas.openxmlformats.org/drawingml/2006/main" xmlns:r="http://schemas.openxmlformats.org/officeDocument/2006/relationships" xmlns:p="http://schemas.openxmlformats.org/presentationml/2006/main">
+  <p:cSld>
+    <p:spTree>
+      <p:nvGrpSpPr>
+        <p:cNvPr id="1" name=""/>
+        <p:cNvGrpSpPr/>
+        <p:nvPr/>
+      </p:nvGrpSpPr>
+      <p:grpSpPr>
+        <a:xfrm>
+          <a:off x="0" y="0"/>
+          <a:ext cx="0" cy="0"/>
+          <a:chOff x="0" y="0"/>
+          <a:chExt cx="0" cy="0"/>
+        </a:xfrm>
+      </p:grpSpPr>
+      <p:sp>
+        <p:nvSpPr>
+          <p:cNvPr id="2" name="Título 1">
+            <a:extLst>
+              <a:ext uri="{FF2B5EF4-FFF2-40B4-BE49-F238E27FC236}">
+                <a16:creationId xmlns:a16="http://schemas.microsoft.com/office/drawing/2014/main" id="{0A5C86CE-6841-4BBA-B224-9A93C3792684}"/>
+              </a:ext>
+            </a:extLst>
+          </p:cNvPr>
+          <p:cNvSpPr>
+            <a:spLocks noGrp="1"/>
+          </p:cNvSpPr>
+          <p:nvPr>
+            <p:ph type="title"/>
+          </p:nvPr>
+        </p:nvSpPr>
+        <p:spPr>
+          <a:xfrm>
+            <a:off x="646111" y="452718"/>
+            <a:ext cx="9404723" cy="690282"/>
+          </a:xfrm>
+        </p:spPr>
+        <p:txBody>
+          <a:bodyPr/>
+          <a:lstStyle/>
+          <a:p>
+            <a:r>
+              <a:rPr lang="es-AR" dirty="0"/>
+              <a:t>Posicionamiento absoluto III</a:t>
+            </a:r>
+          </a:p>
+        </p:txBody>
+      </p:sp>
+      <p:sp>
+        <p:nvSpPr>
+          <p:cNvPr id="3" name="Marcador de contenido 2">
+            <a:extLst>
+              <a:ext uri="{FF2B5EF4-FFF2-40B4-BE49-F238E27FC236}">
+                <a16:creationId xmlns:a16="http://schemas.microsoft.com/office/drawing/2014/main" id="{DC970B4D-47DA-447F-89BB-D386943A36B2}"/>
+              </a:ext>
+            </a:extLst>
+          </p:cNvPr>
+          <p:cNvSpPr>
+            <a:spLocks noGrp="1"/>
+          </p:cNvSpPr>
+          <p:nvPr>
+            <p:ph idx="1"/>
+          </p:nvPr>
+        </p:nvSpPr>
+        <p:spPr>
+          <a:xfrm>
+            <a:off x="366713" y="1704975"/>
+            <a:ext cx="11458574" cy="5238750"/>
+          </a:xfrm>
+        </p:spPr>
+        <p:txBody>
+          <a:bodyPr/>
+          <a:lstStyle/>
+          <a:p>
+            <a:pPr algn="just"/>
+            <a:r>
+              <a:rPr lang="es-AR" dirty="0"/>
+              <a:t>Determinar la referencia utilizada para interpretar los valores de top, right, bottom y left de una caja posicionada de forma absoluta es un proceso complejo que se compone de los siguientes pasos:</a:t>
+            </a:r>
+          </a:p>
+          <a:p>
+            <a:pPr algn="just"/>
+            <a:endParaRPr lang="es-AR" dirty="0"/>
+          </a:p>
+          <a:p>
+            <a:pPr algn="just"/>
+            <a:r>
+              <a:rPr lang="es-AR" dirty="0"/>
+              <a:t>Se buscan todos los elementos contenedores de la caja hasta llegar al elemento &lt;body&gt; de la página.</a:t>
+            </a:r>
+          </a:p>
+          <a:p>
+            <a:pPr algn="just"/>
+            <a:r>
+              <a:rPr lang="es-AR" dirty="0"/>
+              <a:t>Se recorren todos los elementos contenedores empezando por el más cercano a la caja y llegando hasta el &lt;body&gt;</a:t>
+            </a:r>
+          </a:p>
+          <a:p>
+            <a:pPr algn="just"/>
+            <a:r>
+              <a:rPr lang="es-AR" dirty="0"/>
+              <a:t>El primer elemento contenedor que esté posicionado de cualquier forma diferente a position: </a:t>
+            </a:r>
+            <a:r>
+              <a:rPr lang="es-AR" dirty="0" err="1"/>
+              <a:t>static</a:t>
+            </a:r>
+            <a:r>
+              <a:rPr lang="es-AR" dirty="0"/>
+              <a:t> se convierte en la referencia que determina la posición de la caja posicionada de forma absoluta.</a:t>
+            </a:r>
+          </a:p>
+          <a:p>
+            <a:pPr algn="just"/>
+            <a:r>
+              <a:rPr lang="es-AR" dirty="0"/>
+              <a:t>Si ningún elemento contenedor está posicionado, la referencia es la ventana del navegador, que no debe confundirse con el elemento &lt;body&gt; de la página.</a:t>
+            </a:r>
+          </a:p>
+        </p:txBody>
+      </p:sp>
+    </p:spTree>
+    <p:extLst>
+      <p:ext uri="{BB962C8B-B14F-4D97-AF65-F5344CB8AC3E}">
+        <p14:creationId xmlns:p14="http://schemas.microsoft.com/office/powerpoint/2010/main" val="4131500443"/>
+      </p:ext>
+    </p:extLst>
+  </p:cSld>
+  <p:clrMapOvr>
+    <a:masterClrMapping/>
+  </p:clrMapOvr>
+</p:sld>
+</file>
+
+<file path=ppt/slides/slide65.xml><?xml version="1.0" encoding="utf-8"?>
+<p:sld xmlns:a="http://schemas.openxmlformats.org/drawingml/2006/main" xmlns:r="http://schemas.openxmlformats.org/officeDocument/2006/relationships" xmlns:p="http://schemas.openxmlformats.org/presentationml/2006/main">
+  <p:cSld>
+    <p:spTree>
+      <p:nvGrpSpPr>
+        <p:cNvPr id="1" name=""/>
+        <p:cNvGrpSpPr/>
+        <p:nvPr/>
+      </p:nvGrpSpPr>
+      <p:grpSpPr>
+        <a:xfrm>
+          <a:off x="0" y="0"/>
+          <a:ext cx="0" cy="0"/>
+          <a:chOff x="0" y="0"/>
+          <a:chExt cx="0" cy="0"/>
+        </a:xfrm>
+      </p:grpSpPr>
+      <p:sp>
+        <p:nvSpPr>
+          <p:cNvPr id="2" name="Título 1">
+            <a:extLst>
+              <a:ext uri="{FF2B5EF4-FFF2-40B4-BE49-F238E27FC236}">
+                <a16:creationId xmlns:a16="http://schemas.microsoft.com/office/drawing/2014/main" id="{1D53584A-5D81-4CD3-AC42-5A35ADF76172}"/>
+              </a:ext>
+            </a:extLst>
+          </p:cNvPr>
+          <p:cNvSpPr>
+            <a:spLocks noGrp="1"/>
+          </p:cNvSpPr>
+          <p:nvPr>
+            <p:ph type="title"/>
+          </p:nvPr>
+        </p:nvSpPr>
+        <p:spPr>
+          <a:xfrm>
+            <a:off x="646111" y="452718"/>
+            <a:ext cx="9404723" cy="737907"/>
+          </a:xfrm>
+        </p:spPr>
+        <p:txBody>
+          <a:bodyPr/>
+          <a:lstStyle/>
+          <a:p>
+            <a:r>
+              <a:rPr lang="es-AR" dirty="0"/>
+              <a:t>Posicionamiento absoluto IV</a:t>
+            </a:r>
+          </a:p>
+        </p:txBody>
+      </p:sp>
+      <p:sp>
+        <p:nvSpPr>
+          <p:cNvPr id="3" name="Marcador de contenido 2">
+            <a:extLst>
+              <a:ext uri="{FF2B5EF4-FFF2-40B4-BE49-F238E27FC236}">
+                <a16:creationId xmlns:a16="http://schemas.microsoft.com/office/drawing/2014/main" id="{80EE6FA3-B425-4A86-AF54-C183BFB3E8A7}"/>
+              </a:ext>
+            </a:extLst>
+          </p:cNvPr>
+          <p:cNvSpPr>
+            <a:spLocks noGrp="1"/>
+          </p:cNvSpPr>
+          <p:nvPr>
+            <p:ph idx="1"/>
+          </p:nvPr>
+        </p:nvSpPr>
+        <p:spPr>
+          <a:xfrm>
+            <a:off x="352425" y="1295401"/>
+            <a:ext cx="11487149" cy="5353049"/>
+          </a:xfrm>
+        </p:spPr>
+        <p:txBody>
+          <a:bodyPr>
+            <a:normAutofit fontScale="92500" lnSpcReduction="10000"/>
+          </a:bodyPr>
+          <a:lstStyle/>
+          <a:p>
+            <a:pPr algn="just"/>
+            <a:r>
+              <a:rPr lang="es-AR" dirty="0"/>
+              <a:t>Una vez determinada la referencia del posicionamiento absoluto, la interpretación de los valores de las propiedades top, right, bottom y left se realiza como sigue:</a:t>
+            </a:r>
+          </a:p>
+          <a:p>
+            <a:pPr algn="just"/>
+            <a:endParaRPr lang="es-AR" dirty="0"/>
+          </a:p>
+          <a:p>
+            <a:pPr algn="just"/>
+            <a:r>
+              <a:rPr lang="es-AR" dirty="0"/>
+              <a:t>top indica el desplazamiento desde el borde superior de la caja hasta el borde superior del elemento contenedor que se utiliza como referencia.</a:t>
+            </a:r>
+          </a:p>
+          <a:p>
+            <a:pPr algn="just"/>
+            <a:r>
+              <a:rPr lang="es-AR" dirty="0"/>
+              <a:t>right indica el desplazamiento desde el borde derecho de la caja hasta el borde derecho del elemento contenedor que se utiliza como referencia.</a:t>
+            </a:r>
+          </a:p>
+          <a:p>
+            <a:pPr algn="just"/>
+            <a:r>
+              <a:rPr lang="es-AR" dirty="0"/>
+              <a:t>bottom indica el desplazamiento desde el borde inferior de la caja hasta el borde inferior del elemento contenedor que se utiliza como referencia.</a:t>
+            </a:r>
+          </a:p>
+          <a:p>
+            <a:pPr algn="just"/>
+            <a:r>
+              <a:rPr lang="es-AR" dirty="0"/>
+              <a:t>left indica el desplazamiento desde el borde izquierdo de la caja hasta el borde izquierdo del elemento contenedor que se utiliza como referencia.</a:t>
+            </a:r>
+          </a:p>
+          <a:p>
+            <a:pPr algn="just"/>
+            <a:endParaRPr lang="es-AR" dirty="0"/>
+          </a:p>
+          <a:p>
+            <a:pPr algn="just"/>
+            <a:r>
+              <a:rPr lang="es-AR" dirty="0"/>
+              <a:t>Si se quiere posicionar un elemento de forma absoluta respecto de su elemento contenedor, es imprescindible posicionar este último. Para ello, sólo es necesario añadir la propiedad position: </a:t>
+            </a:r>
+            <a:r>
+              <a:rPr lang="es-AR" dirty="0" err="1"/>
+              <a:t>relative</a:t>
+            </a:r>
+            <a:r>
+              <a:rPr lang="es-AR" dirty="0"/>
+              <a:t>, por lo que no es obligatorio desplazar el elemento contenedor respecto de su posición original. </a:t>
+            </a:r>
+          </a:p>
+          <a:p>
+            <a:pPr algn="just"/>
+            <a:endParaRPr lang="es-AR" dirty="0"/>
+          </a:p>
+        </p:txBody>
+      </p:sp>
+    </p:spTree>
+    <p:extLst>
+      <p:ext uri="{BB962C8B-B14F-4D97-AF65-F5344CB8AC3E}">
+        <p14:creationId xmlns:p14="http://schemas.microsoft.com/office/powerpoint/2010/main" val="2158528708"/>
+      </p:ext>
+    </p:extLst>
+  </p:cSld>
+  <p:clrMapOvr>
+    <a:masterClrMapping/>
+  </p:clrMapOvr>
+</p:sld>
+</file>
+
+<file path=ppt/slides/slide66.xml><?xml version="1.0" encoding="utf-8"?>
+<p:sld xmlns:a="http://schemas.openxmlformats.org/drawingml/2006/main" xmlns:r="http://schemas.openxmlformats.org/officeDocument/2006/relationships" xmlns:p="http://schemas.openxmlformats.org/presentationml/2006/main">
+  <p:cSld>
+    <p:spTree>
+      <p:nvGrpSpPr>
+        <p:cNvPr id="1" name=""/>
+        <p:cNvGrpSpPr/>
+        <p:nvPr/>
+      </p:nvGrpSpPr>
+      <p:grpSpPr>
+        <a:xfrm>
+          <a:off x="0" y="0"/>
+          <a:ext cx="0" cy="0"/>
+          <a:chOff x="0" y="0"/>
+          <a:chExt cx="0" cy="0"/>
+        </a:xfrm>
+      </p:grpSpPr>
+      <p:sp>
+        <p:nvSpPr>
+          <p:cNvPr id="2" name="Título 1">
+            <a:extLst>
+              <a:ext uri="{FF2B5EF4-FFF2-40B4-BE49-F238E27FC236}">
+                <a16:creationId xmlns:a16="http://schemas.microsoft.com/office/drawing/2014/main" id="{D3B3EFB0-CC4C-4CD9-A78F-5FE8BEFA3B52}"/>
+              </a:ext>
+            </a:extLst>
+          </p:cNvPr>
+          <p:cNvSpPr>
+            <a:spLocks noGrp="1"/>
+          </p:cNvSpPr>
+          <p:nvPr>
+            <p:ph type="title"/>
+          </p:nvPr>
+        </p:nvSpPr>
+        <p:spPr>
+          <a:xfrm>
+            <a:off x="646111" y="452718"/>
+            <a:ext cx="9404723" cy="747432"/>
+          </a:xfrm>
+        </p:spPr>
+        <p:txBody>
+          <a:bodyPr/>
+          <a:lstStyle/>
+          <a:p>
+            <a:r>
+              <a:rPr lang="es-AR" dirty="0"/>
+              <a:t>Posicionamiento fijo</a:t>
+            </a:r>
+          </a:p>
+        </p:txBody>
+      </p:sp>
+      <p:sp>
+        <p:nvSpPr>
+          <p:cNvPr id="3" name="Marcador de contenido 2">
+            <a:extLst>
+              <a:ext uri="{FF2B5EF4-FFF2-40B4-BE49-F238E27FC236}">
+                <a16:creationId xmlns:a16="http://schemas.microsoft.com/office/drawing/2014/main" id="{6B94163D-F31C-414A-A2C8-2EFCD560FB73}"/>
+              </a:ext>
+            </a:extLst>
+          </p:cNvPr>
+          <p:cNvSpPr>
+            <a:spLocks noGrp="1"/>
+          </p:cNvSpPr>
+          <p:nvPr>
+            <p:ph idx="1"/>
+          </p:nvPr>
+        </p:nvSpPr>
+        <p:spPr>
+          <a:xfrm>
+            <a:off x="314325" y="1457325"/>
+            <a:ext cx="11487149" cy="5086349"/>
+          </a:xfrm>
+        </p:spPr>
+        <p:txBody>
+          <a:bodyPr/>
+          <a:lstStyle/>
+          <a:p>
+            <a:pPr algn="just"/>
+            <a:r>
+              <a:rPr lang="es-AR" dirty="0"/>
+              <a:t>El estándar CSS considera que el posicionamiento fijo es un caso particular del posicionamiento absoluto, ya que sólo se diferencian en el comportamiento de las cajas posicionadas.</a:t>
+            </a:r>
+          </a:p>
+          <a:p>
+            <a:pPr algn="just"/>
+            <a:r>
+              <a:rPr lang="es-AR" dirty="0"/>
+              <a:t>Cuando una caja se posiciona de forma fija, la forma de obtener el origen de coordenadas para interpretar su desplazamiento es idéntica al posicionamiento absoluto. De hecho, si el usuario no mueve la página HTML en la ventana del navegador, no existe ninguna diferencia entre estos dos modelos de posicionamiento.</a:t>
+            </a:r>
+          </a:p>
+          <a:p>
+            <a:pPr algn="just"/>
+            <a:r>
+              <a:rPr lang="es-AR" dirty="0"/>
+              <a:t>La principal característica de una caja posicionada de forma fija es que su posición es inamovible dentro de la ventana del navegador. El posicionamiento fijo hace que las cajas no modifiquen su posición ni aunque el usuario suba o baje la página en la ventana de su navegador.</a:t>
+            </a:r>
+          </a:p>
+          <a:p>
+            <a:pPr algn="just"/>
+            <a:r>
+              <a:rPr lang="es-AR" dirty="0"/>
+              <a:t>Si la página se visualiza en un medio paginado (por ejemplo en una impresora) las cajas posicionadas de forma fija se repiten en todas las páginas. Esta característica puede ser útil para crear encabezados o pies de página en páginas HTML preparadas para imprimir.</a:t>
+            </a:r>
+          </a:p>
+          <a:p>
+            <a:endParaRPr lang="es-AR" dirty="0"/>
+          </a:p>
+        </p:txBody>
+      </p:sp>
+    </p:spTree>
+    <p:extLst>
+      <p:ext uri="{BB962C8B-B14F-4D97-AF65-F5344CB8AC3E}">
+        <p14:creationId xmlns:p14="http://schemas.microsoft.com/office/powerpoint/2010/main" val="506931689"/>
+      </p:ext>
+    </p:extLst>
+  </p:cSld>
+  <p:clrMapOvr>
+    <a:masterClrMapping/>
+  </p:clrMapOvr>
+</p:sld>
+</file>
+
+<file path=ppt/slides/slide67.xml><?xml version="1.0" encoding="utf-8"?>
+<p:sld xmlns:a="http://schemas.openxmlformats.org/drawingml/2006/main" xmlns:r="http://schemas.openxmlformats.org/officeDocument/2006/relationships" xmlns:p="http://schemas.openxmlformats.org/presentationml/2006/main">
+  <p:cSld>
+    <p:spTree>
+      <p:nvGrpSpPr>
+        <p:cNvPr id="1" name=""/>
+        <p:cNvGrpSpPr/>
+        <p:nvPr/>
+      </p:nvGrpSpPr>
+      <p:grpSpPr>
+        <a:xfrm>
+          <a:off x="0" y="0"/>
+          <a:ext cx="0" cy="0"/>
+          <a:chOff x="0" y="0"/>
+          <a:chExt cx="0" cy="0"/>
+        </a:xfrm>
+      </p:grpSpPr>
+      <p:sp>
+        <p:nvSpPr>
+          <p:cNvPr id="2" name="Título 1">
+            <a:extLst>
+              <a:ext uri="{FF2B5EF4-FFF2-40B4-BE49-F238E27FC236}">
+                <a16:creationId xmlns:a16="http://schemas.microsoft.com/office/drawing/2014/main" id="{CB65F546-2C6A-41CE-8FDE-A054241DEFBC}"/>
+              </a:ext>
+            </a:extLst>
+          </p:cNvPr>
+          <p:cNvSpPr>
+            <a:spLocks noGrp="1"/>
+          </p:cNvSpPr>
+          <p:nvPr>
+            <p:ph type="title"/>
+          </p:nvPr>
+        </p:nvSpPr>
+        <p:spPr>
+          <a:xfrm>
+            <a:off x="646111" y="452718"/>
+            <a:ext cx="9404723" cy="728382"/>
+          </a:xfrm>
+        </p:spPr>
+        <p:txBody>
+          <a:bodyPr/>
+          <a:lstStyle/>
+          <a:p>
+            <a:r>
+              <a:rPr lang="es-AR" dirty="0"/>
+              <a:t>Posicionamiento flotante</a:t>
+            </a:r>
+          </a:p>
+        </p:txBody>
+      </p:sp>
+      <p:sp>
+        <p:nvSpPr>
+          <p:cNvPr id="3" name="Marcador de contenido 2">
+            <a:extLst>
+              <a:ext uri="{FF2B5EF4-FFF2-40B4-BE49-F238E27FC236}">
+                <a16:creationId xmlns:a16="http://schemas.microsoft.com/office/drawing/2014/main" id="{8CF0F3F1-494E-4D48-9CD7-0CEFA73E003C}"/>
+              </a:ext>
+            </a:extLst>
+          </p:cNvPr>
+          <p:cNvSpPr>
+            <a:spLocks noGrp="1"/>
+          </p:cNvSpPr>
+          <p:nvPr>
+            <p:ph idx="1"/>
+          </p:nvPr>
+        </p:nvSpPr>
+        <p:spPr>
+          <a:xfrm>
+            <a:off x="645130" y="1438276"/>
+            <a:ext cx="11089670" cy="5076824"/>
+          </a:xfrm>
+        </p:spPr>
+        <p:txBody>
+          <a:bodyPr/>
+          <a:lstStyle/>
+          <a:p>
+            <a:pPr algn="just"/>
+            <a:r>
+              <a:rPr lang="es-AR" dirty="0"/>
+              <a:t>El posicionamiento flotante es el más difícil de comprender pero al mismo tiempo es el más utilizado. La mayoría de estructuras de las páginas web complejas están diseñadas con el posicionamiento flotante, como se verá más adelante.</a:t>
+            </a:r>
+          </a:p>
+          <a:p>
+            <a:pPr algn="just"/>
+            <a:r>
+              <a:rPr lang="es-AR" dirty="0"/>
+              <a:t>Cuando una caja se posiciona con el modelo de posicionamiento flotante, automáticamente se convierte en una </a:t>
+            </a:r>
+            <a:r>
+              <a:rPr lang="es-AR" i="1" dirty="0"/>
+              <a:t>caja flotante</a:t>
+            </a:r>
+            <a:r>
+              <a:rPr lang="es-AR" dirty="0"/>
+              <a:t>, lo que significa que se desplaza hasta la zona más a la izquierda o más a la derecha de la posición en la que originalmente se encontraba.</a:t>
+            </a:r>
+          </a:p>
+          <a:p>
+            <a:pPr algn="just"/>
+            <a:r>
+              <a:rPr lang="es-AR" dirty="0"/>
+              <a:t>La siguiente imagen muestra el resultado de posicionar de forma flotante hacia la derecha la caja 1:</a:t>
+            </a:r>
+          </a:p>
+          <a:p>
+            <a:endParaRPr lang="es-AR" dirty="0"/>
+          </a:p>
+        </p:txBody>
+      </p:sp>
+      <p:pic>
+        <p:nvPicPr>
+          <p:cNvPr id="5" name="Imagen 4">
+            <a:extLst>
+              <a:ext uri="{FF2B5EF4-FFF2-40B4-BE49-F238E27FC236}">
+                <a16:creationId xmlns:a16="http://schemas.microsoft.com/office/drawing/2014/main" id="{17C69B9E-00F9-4C55-8FFC-496A368749A2}"/>
+              </a:ext>
+            </a:extLst>
+          </p:cNvPr>
+          <p:cNvPicPr>
+            <a:picLocks noChangeAspect="1"/>
+          </p:cNvPicPr>
+          <p:nvPr/>
+        </p:nvPicPr>
+        <p:blipFill>
+          <a:blip r:embed="rId2"/>
+          <a:stretch>
+            <a:fillRect/>
+          </a:stretch>
+        </p:blipFill>
+        <p:spPr>
+          <a:xfrm>
+            <a:off x="3700462" y="4162426"/>
+            <a:ext cx="4791075" cy="2609850"/>
+          </a:xfrm>
+          <a:prstGeom prst="rect">
+            <a:avLst/>
+          </a:prstGeom>
+        </p:spPr>
+      </p:pic>
+    </p:spTree>
+    <p:extLst>
+      <p:ext uri="{BB962C8B-B14F-4D97-AF65-F5344CB8AC3E}">
+        <p14:creationId xmlns:p14="http://schemas.microsoft.com/office/powerpoint/2010/main" val="1153087437"/>
+      </p:ext>
+    </p:extLst>
+  </p:cSld>
+  <p:clrMapOvr>
+    <a:masterClrMapping/>
+  </p:clrMapOvr>
+</p:sld>
+</file>
+
+<file path=ppt/slides/slide68.xml><?xml version="1.0" encoding="utf-8"?>
+<p:sld xmlns:a="http://schemas.openxmlformats.org/drawingml/2006/main" xmlns:r="http://schemas.openxmlformats.org/officeDocument/2006/relationships" xmlns:p="http://schemas.openxmlformats.org/presentationml/2006/main">
+  <p:cSld>
+    <p:spTree>
+      <p:nvGrpSpPr>
+        <p:cNvPr id="1" name=""/>
+        <p:cNvGrpSpPr/>
+        <p:nvPr/>
+      </p:nvGrpSpPr>
+      <p:grpSpPr>
+        <a:xfrm>
+          <a:off x="0" y="0"/>
+          <a:ext cx="0" cy="0"/>
+          <a:chOff x="0" y="0"/>
+          <a:chExt cx="0" cy="0"/>
+        </a:xfrm>
+      </p:grpSpPr>
+      <p:sp>
+        <p:nvSpPr>
+          <p:cNvPr id="2" name="Título 1">
+            <a:extLst>
+              <a:ext uri="{FF2B5EF4-FFF2-40B4-BE49-F238E27FC236}">
+                <a16:creationId xmlns:a16="http://schemas.microsoft.com/office/drawing/2014/main" id="{1EB2D12A-778B-403E-8A49-D10DE04D0C5C}"/>
+              </a:ext>
+            </a:extLst>
+          </p:cNvPr>
+          <p:cNvSpPr>
+            <a:spLocks noGrp="1"/>
+          </p:cNvSpPr>
+          <p:nvPr>
+            <p:ph type="title"/>
+          </p:nvPr>
+        </p:nvSpPr>
+        <p:spPr>
+          <a:xfrm>
+            <a:off x="646111" y="452718"/>
+            <a:ext cx="9404723" cy="756957"/>
+          </a:xfrm>
+        </p:spPr>
+        <p:txBody>
+          <a:bodyPr/>
+          <a:lstStyle/>
+          <a:p>
+            <a:r>
+              <a:rPr lang="es-AR" dirty="0"/>
+              <a:t>Posicionamiento flotante II</a:t>
+            </a:r>
+          </a:p>
+        </p:txBody>
+      </p:sp>
+      <p:sp>
+        <p:nvSpPr>
+          <p:cNvPr id="3" name="Marcador de contenido 2">
+            <a:extLst>
+              <a:ext uri="{FF2B5EF4-FFF2-40B4-BE49-F238E27FC236}">
+                <a16:creationId xmlns:a16="http://schemas.microsoft.com/office/drawing/2014/main" id="{D8C06677-8241-46A5-9B79-49FBF179E118}"/>
+              </a:ext>
+            </a:extLst>
+          </p:cNvPr>
+          <p:cNvSpPr>
+            <a:spLocks noGrp="1"/>
+          </p:cNvSpPr>
+          <p:nvPr>
+            <p:ph idx="1"/>
+          </p:nvPr>
+        </p:nvSpPr>
+        <p:spPr>
+          <a:xfrm>
+            <a:off x="342900" y="1209676"/>
+            <a:ext cx="11477625" cy="5381624"/>
+          </a:xfrm>
+        </p:spPr>
+        <p:txBody>
+          <a:bodyPr/>
+          <a:lstStyle/>
+          <a:p>
+            <a:r>
+              <a:rPr lang="es-AR" dirty="0"/>
+              <a:t>Cuando se posiciona una caja de forma flotante: * La caja deja de pertenecer al flujo normal de la página, lo que significa que el resto de cajas ocupan el lugar dejado por la caja flotante. * La caja flotante se posiciona lo más a la izquierda o lo más a la derecha posible de la posición en la que se encontraba originalmente.</a:t>
+            </a:r>
+          </a:p>
+          <a:p>
+            <a:r>
+              <a:rPr lang="es-AR" dirty="0"/>
+              <a:t>Si en el anterior ejemplo la caja 1 se posiciona de forma flotante hacia la izquierda, el resultado es el que muestra la siguiente imagen:</a:t>
+            </a:r>
+          </a:p>
+          <a:p>
+            <a:pPr marL="0" indent="0">
+              <a:buNone/>
+            </a:pPr>
+            <a:endParaRPr lang="es-AR" dirty="0"/>
+          </a:p>
+        </p:txBody>
+      </p:sp>
+      <p:pic>
+        <p:nvPicPr>
+          <p:cNvPr id="5" name="Imagen 4">
+            <a:extLst>
+              <a:ext uri="{FF2B5EF4-FFF2-40B4-BE49-F238E27FC236}">
+                <a16:creationId xmlns:a16="http://schemas.microsoft.com/office/drawing/2014/main" id="{28567D6E-0DF8-4537-BF92-81E5B4D396C4}"/>
+              </a:ext>
+            </a:extLst>
+          </p:cNvPr>
+          <p:cNvPicPr>
+            <a:picLocks noChangeAspect="1"/>
+          </p:cNvPicPr>
+          <p:nvPr/>
+        </p:nvPicPr>
+        <p:blipFill>
+          <a:blip r:embed="rId2"/>
+          <a:stretch>
+            <a:fillRect/>
+          </a:stretch>
+        </p:blipFill>
+        <p:spPr>
+          <a:xfrm>
+            <a:off x="3116622" y="3429000"/>
+            <a:ext cx="5717816" cy="3114675"/>
+          </a:xfrm>
+          <a:prstGeom prst="rect">
+            <a:avLst/>
+          </a:prstGeom>
+        </p:spPr>
+      </p:pic>
+    </p:spTree>
+    <p:extLst>
+      <p:ext uri="{BB962C8B-B14F-4D97-AF65-F5344CB8AC3E}">
+        <p14:creationId xmlns:p14="http://schemas.microsoft.com/office/powerpoint/2010/main" val="3430383256"/>
+      </p:ext>
+    </p:extLst>
+  </p:cSld>
+  <p:clrMapOvr>
+    <a:masterClrMapping/>
+  </p:clrMapOvr>
+</p:sld>
+</file>
+
+<file path=ppt/slides/slide69.xml><?xml version="1.0" encoding="utf-8"?>
+<p:sld xmlns:a="http://schemas.openxmlformats.org/drawingml/2006/main" xmlns:r="http://schemas.openxmlformats.org/officeDocument/2006/relationships" xmlns:p="http://schemas.openxmlformats.org/presentationml/2006/main">
+  <p:cSld>
+    <p:spTree>
+      <p:nvGrpSpPr>
+        <p:cNvPr id="1" name=""/>
+        <p:cNvGrpSpPr/>
+        <p:nvPr/>
+      </p:nvGrpSpPr>
+      <p:grpSpPr>
+        <a:xfrm>
+          <a:off x="0" y="0"/>
+          <a:ext cx="0" cy="0"/>
+          <a:chOff x="0" y="0"/>
+          <a:chExt cx="0" cy="0"/>
+        </a:xfrm>
+      </p:grpSpPr>
+      <p:sp>
+        <p:nvSpPr>
+          <p:cNvPr id="2" name="Título 1">
+            <a:extLst>
+              <a:ext uri="{FF2B5EF4-FFF2-40B4-BE49-F238E27FC236}">
+                <a16:creationId xmlns:a16="http://schemas.microsoft.com/office/drawing/2014/main" id="{F92474F6-C17C-40DC-933D-84B1B293C89E}"/>
+              </a:ext>
+            </a:extLst>
+          </p:cNvPr>
+          <p:cNvSpPr>
+            <a:spLocks noGrp="1"/>
+          </p:cNvSpPr>
+          <p:nvPr>
+            <p:ph type="title"/>
+          </p:nvPr>
+        </p:nvSpPr>
+        <p:spPr>
+          <a:xfrm>
+            <a:off x="646111" y="452718"/>
+            <a:ext cx="9404723" cy="699807"/>
+          </a:xfrm>
+        </p:spPr>
+        <p:txBody>
+          <a:bodyPr/>
+          <a:lstStyle/>
+          <a:p>
+            <a:r>
+              <a:rPr lang="es-AR" dirty="0"/>
+              <a:t>Posicionamiento flotante III</a:t>
+            </a:r>
+          </a:p>
+        </p:txBody>
+      </p:sp>
+      <p:sp>
+        <p:nvSpPr>
+          <p:cNvPr id="3" name="Marcador de contenido 2">
+            <a:extLst>
+              <a:ext uri="{FF2B5EF4-FFF2-40B4-BE49-F238E27FC236}">
+                <a16:creationId xmlns:a16="http://schemas.microsoft.com/office/drawing/2014/main" id="{94741C93-D39E-43B9-B23A-72CF836EEC43}"/>
+              </a:ext>
+            </a:extLst>
+          </p:cNvPr>
+          <p:cNvSpPr>
+            <a:spLocks noGrp="1"/>
+          </p:cNvSpPr>
+          <p:nvPr>
+            <p:ph idx="1"/>
+          </p:nvPr>
+        </p:nvSpPr>
+        <p:spPr>
+          <a:xfrm>
+            <a:off x="828675" y="2028825"/>
+            <a:ext cx="10315575" cy="4000500"/>
+          </a:xfrm>
+        </p:spPr>
+        <p:txBody>
+          <a:bodyPr/>
+          <a:lstStyle/>
+          <a:p>
+            <a:r>
+              <a:rPr lang="es-AR" dirty="0"/>
+              <a:t>La caja 1 es de tipo flotante, por lo que </a:t>
+            </a:r>
+            <a:r>
+              <a:rPr lang="es-AR" i="1" dirty="0"/>
+              <a:t>desaparece del flujo normal</a:t>
+            </a:r>
+            <a:r>
+              <a:rPr lang="es-AR" dirty="0"/>
+              <a:t> de la página y el resto de cajas ocupan su lugar. El resultado es que la caja 2 ahora se muestra donde estaba la caja 1 y la caja 3 se muestra donde estaba la caja 2.</a:t>
+            </a:r>
+          </a:p>
+          <a:p>
+            <a:r>
+              <a:rPr lang="es-AR" dirty="0"/>
+              <a:t>Al mismo tiempo, la caja 1 se desplaza todo lo posible hacia la izquierda de la posición en la que se encontraba. El resultado es que la caja 1 se muestra encima de la nueva posición de la caja 2 y tapa todos sus contenidos.</a:t>
+            </a:r>
+          </a:p>
+          <a:p>
+            <a:r>
+              <a:rPr lang="es-AR" dirty="0"/>
+              <a:t>Si existen otras cajas flotantes, al posicionar de forma flotante otra caja, se tiene en cuenta el sitio disponible. </a:t>
+            </a:r>
+          </a:p>
+          <a:p>
+            <a:endParaRPr lang="es-AR" dirty="0"/>
+          </a:p>
+        </p:txBody>
+      </p:sp>
+    </p:spTree>
+    <p:extLst>
+      <p:ext uri="{BB962C8B-B14F-4D97-AF65-F5344CB8AC3E}">
+        <p14:creationId xmlns:p14="http://schemas.microsoft.com/office/powerpoint/2010/main" val="3278726708"/>
+      </p:ext>
+    </p:extLst>
+  </p:cSld>
+  <p:clrMapOvr>
+    <a:masterClrMapping/>
+  </p:clrMapOvr>
 </p:sld>
 </file>
 
@@ -13570,10 +17777,9 @@
           <a:lstStyle/>
           <a:p>
             <a:r>
-              <a:rPr lang="es-AR" dirty="0" smtClean="0"/>
+              <a:rPr lang="es-AR" dirty="0"/>
               <a:t>Glosario básico</a:t>
             </a:r>
-            <a:endParaRPr lang="es-AR" dirty="0"/>
           </a:p>
         </p:txBody>
       </p:sp>
@@ -13604,36 +17810,32 @@
             </a:pPr>
             <a:r>
               <a:rPr lang="es-AR" dirty="0"/>
-              <a:t>CSS define una serie de términos que permiten describir cada una de las partes que componen los estilos CSS. El siguiente esquema muestra las partes que forman un estilo CSS muy básico</a:t>
-            </a:r>
-            <a:r>
-              <a:rPr lang="es-AR" dirty="0" smtClean="0"/>
-              <a:t>:</a:t>
+              <a:t>CSS define una serie de términos que permiten describir cada una de las partes que componen los estilos CSS. El siguiente esquema muestra las partes que forman un estilo CSS muy básico:</a:t>
             </a:r>
           </a:p>
           <a:p>
             <a:pPr marL="0" indent="0">
               <a:buNone/>
             </a:pPr>
-            <a:endParaRPr lang="es-AR" dirty="0" smtClean="0"/>
+            <a:endParaRPr lang="es-AR" dirty="0"/>
           </a:p>
           <a:p>
             <a:pPr marL="0" indent="0">
               <a:buNone/>
             </a:pPr>
-            <a:endParaRPr lang="es-AR" dirty="0" smtClean="0"/>
+            <a:endParaRPr lang="es-AR" dirty="0"/>
           </a:p>
           <a:p>
             <a:pPr marL="0" indent="0">
               <a:buNone/>
             </a:pPr>
-            <a:endParaRPr lang="es-AR" dirty="0" smtClean="0"/>
+            <a:endParaRPr lang="es-AR" dirty="0"/>
           </a:p>
           <a:p>
             <a:pPr marL="0" indent="0">
               <a:buNone/>
             </a:pPr>
-            <a:endParaRPr lang="es-AR" dirty="0" smtClean="0"/>
+            <a:endParaRPr lang="es-AR" dirty="0"/>
           </a:p>
           <a:p>
             <a:pPr marL="0" indent="0">
@@ -13698,7 +17900,7 @@
             <a:pPr marL="0" indent="0">
               <a:buNone/>
             </a:pPr>
-            <a:endParaRPr lang="es-AR" dirty="0" smtClean="0"/>
+            <a:endParaRPr lang="es-AR" dirty="0"/>
           </a:p>
           <a:p>
             <a:pPr marL="0" indent="0">
@@ -13759,13 +17961,712 @@
   <p:clrMapOvr>
     <a:masterClrMapping/>
   </p:clrMapOvr>
-  <p:timing>
-    <p:tnLst>
-      <p:par>
-        <p:cTn id="1" dur="indefinite" restart="never" nodeType="tmRoot"/>
-      </p:par>
-    </p:tnLst>
-  </p:timing>
+</p:sld>
+</file>
+
+<file path=ppt/slides/slide70.xml><?xml version="1.0" encoding="utf-8"?>
+<p:sld xmlns:a="http://schemas.openxmlformats.org/drawingml/2006/main" xmlns:r="http://schemas.openxmlformats.org/officeDocument/2006/relationships" xmlns:p="http://schemas.openxmlformats.org/presentationml/2006/main">
+  <p:cSld>
+    <p:spTree>
+      <p:nvGrpSpPr>
+        <p:cNvPr id="1" name=""/>
+        <p:cNvGrpSpPr/>
+        <p:nvPr/>
+      </p:nvGrpSpPr>
+      <p:grpSpPr>
+        <a:xfrm>
+          <a:off x="0" y="0"/>
+          <a:ext cx="0" cy="0"/>
+          <a:chOff x="0" y="0"/>
+          <a:chExt cx="0" cy="0"/>
+        </a:xfrm>
+      </p:grpSpPr>
+      <p:sp>
+        <p:nvSpPr>
+          <p:cNvPr id="2" name="Título 1">
+            <a:extLst>
+              <a:ext uri="{FF2B5EF4-FFF2-40B4-BE49-F238E27FC236}">
+                <a16:creationId xmlns:a16="http://schemas.microsoft.com/office/drawing/2014/main" id="{8BDE0FAE-1A50-4E5B-89AE-6FDF196DB48C}"/>
+              </a:ext>
+            </a:extLst>
+          </p:cNvPr>
+          <p:cNvSpPr>
+            <a:spLocks noGrp="1"/>
+          </p:cNvSpPr>
+          <p:nvPr>
+            <p:ph type="title"/>
+          </p:nvPr>
+        </p:nvSpPr>
+        <p:spPr>
+          <a:xfrm>
+            <a:off x="646111" y="452718"/>
+            <a:ext cx="9404723" cy="795057"/>
+          </a:xfrm>
+        </p:spPr>
+        <p:txBody>
+          <a:bodyPr/>
+          <a:lstStyle/>
+          <a:p>
+            <a:r>
+              <a:rPr lang="es-AR" dirty="0"/>
+              <a:t>Posicionamiento flotante IV</a:t>
+            </a:r>
+          </a:p>
+        </p:txBody>
+      </p:sp>
+      <p:sp>
+        <p:nvSpPr>
+          <p:cNvPr id="3" name="Marcador de contenido 2">
+            <a:extLst>
+              <a:ext uri="{FF2B5EF4-FFF2-40B4-BE49-F238E27FC236}">
+                <a16:creationId xmlns:a16="http://schemas.microsoft.com/office/drawing/2014/main" id="{4D230071-26A9-4362-BE68-30880D3C715B}"/>
+              </a:ext>
+            </a:extLst>
+          </p:cNvPr>
+          <p:cNvSpPr>
+            <a:spLocks noGrp="1"/>
+          </p:cNvSpPr>
+          <p:nvPr>
+            <p:ph idx="1"/>
+          </p:nvPr>
+        </p:nvSpPr>
+        <p:spPr>
+          <a:xfrm>
+            <a:off x="342900" y="1714501"/>
+            <a:ext cx="11220449" cy="5143499"/>
+          </a:xfrm>
+        </p:spPr>
+        <p:txBody>
+          <a:bodyPr/>
+          <a:lstStyle/>
+          <a:p>
+            <a:r>
+              <a:rPr lang="es-AR" dirty="0"/>
+              <a:t>En el siguiente ejemplo se posicionan de forma flotante hacia la izquierda las tres cajas:</a:t>
+            </a:r>
+          </a:p>
+          <a:p>
+            <a:endParaRPr lang="es-AR" dirty="0"/>
+          </a:p>
+          <a:p>
+            <a:endParaRPr lang="es-AR" dirty="0"/>
+          </a:p>
+          <a:p>
+            <a:endParaRPr lang="es-AR" dirty="0"/>
+          </a:p>
+          <a:p>
+            <a:endParaRPr lang="es-AR" dirty="0"/>
+          </a:p>
+          <a:p>
+            <a:endParaRPr lang="es-AR" dirty="0"/>
+          </a:p>
+          <a:p>
+            <a:endParaRPr lang="es-AR" dirty="0"/>
+          </a:p>
+          <a:p>
+            <a:pPr algn="just"/>
+            <a:r>
+              <a:rPr lang="es-AR" dirty="0"/>
+              <a:t>Las cajas no se superponen entre sí porque las cajas flotantes tienen en cuenta las otras cajas flotantes existentes. Como la caja 1 ya estaba posicionada lo más a la izquierda posible, la caja 2 sólo puede colocarse al lado del borde derecho de la caja 1, que es el sitio más a la izquierda posible respecto de la zona en la que se encontraba.</a:t>
+            </a:r>
+          </a:p>
+        </p:txBody>
+      </p:sp>
+      <p:pic>
+        <p:nvPicPr>
+          <p:cNvPr id="5" name="Imagen 4">
+            <a:extLst>
+              <a:ext uri="{FF2B5EF4-FFF2-40B4-BE49-F238E27FC236}">
+                <a16:creationId xmlns:a16="http://schemas.microsoft.com/office/drawing/2014/main" id="{E73121EF-FDF1-416B-946D-B625AB369057}"/>
+              </a:ext>
+            </a:extLst>
+          </p:cNvPr>
+          <p:cNvPicPr>
+            <a:picLocks noChangeAspect="1"/>
+          </p:cNvPicPr>
+          <p:nvPr/>
+        </p:nvPicPr>
+        <p:blipFill>
+          <a:blip r:embed="rId2"/>
+          <a:stretch>
+            <a:fillRect/>
+          </a:stretch>
+        </p:blipFill>
+        <p:spPr>
+          <a:xfrm>
+            <a:off x="3115127" y="2247900"/>
+            <a:ext cx="5961745" cy="2619375"/>
+          </a:xfrm>
+          <a:prstGeom prst="rect">
+            <a:avLst/>
+          </a:prstGeom>
+        </p:spPr>
+      </p:pic>
+    </p:spTree>
+    <p:extLst>
+      <p:ext uri="{BB962C8B-B14F-4D97-AF65-F5344CB8AC3E}">
+        <p14:creationId xmlns:p14="http://schemas.microsoft.com/office/powerpoint/2010/main" val="139828149"/>
+      </p:ext>
+    </p:extLst>
+  </p:cSld>
+  <p:clrMapOvr>
+    <a:masterClrMapping/>
+  </p:clrMapOvr>
+</p:sld>
+</file>
+
+<file path=ppt/slides/slide71.xml><?xml version="1.0" encoding="utf-8"?>
+<p:sld xmlns:a="http://schemas.openxmlformats.org/drawingml/2006/main" xmlns:r="http://schemas.openxmlformats.org/officeDocument/2006/relationships" xmlns:p="http://schemas.openxmlformats.org/presentationml/2006/main">
+  <p:cSld>
+    <p:spTree>
+      <p:nvGrpSpPr>
+        <p:cNvPr id="1" name=""/>
+        <p:cNvGrpSpPr/>
+        <p:nvPr/>
+      </p:nvGrpSpPr>
+      <p:grpSpPr>
+        <a:xfrm>
+          <a:off x="0" y="0"/>
+          <a:ext cx="0" cy="0"/>
+          <a:chOff x="0" y="0"/>
+          <a:chExt cx="0" cy="0"/>
+        </a:xfrm>
+      </p:grpSpPr>
+      <p:sp>
+        <p:nvSpPr>
+          <p:cNvPr id="2" name="Título 1">
+            <a:extLst>
+              <a:ext uri="{FF2B5EF4-FFF2-40B4-BE49-F238E27FC236}">
+                <a16:creationId xmlns:a16="http://schemas.microsoft.com/office/drawing/2014/main" id="{29359E59-72CF-4D58-B43C-3D9A001A8694}"/>
+              </a:ext>
+            </a:extLst>
+          </p:cNvPr>
+          <p:cNvSpPr>
+            <a:spLocks noGrp="1"/>
+          </p:cNvSpPr>
+          <p:nvPr>
+            <p:ph type="title"/>
+          </p:nvPr>
+        </p:nvSpPr>
+        <p:spPr>
+          <a:xfrm>
+            <a:off x="646111" y="452718"/>
+            <a:ext cx="9404723" cy="680757"/>
+          </a:xfrm>
+        </p:spPr>
+        <p:txBody>
+          <a:bodyPr/>
+          <a:lstStyle/>
+          <a:p>
+            <a:r>
+              <a:rPr lang="es-AR" dirty="0"/>
+              <a:t>Posicionamiento flotante V</a:t>
+            </a:r>
+          </a:p>
+        </p:txBody>
+      </p:sp>
+      <p:sp>
+        <p:nvSpPr>
+          <p:cNvPr id="3" name="Marcador de contenido 2">
+            <a:extLst>
+              <a:ext uri="{FF2B5EF4-FFF2-40B4-BE49-F238E27FC236}">
+                <a16:creationId xmlns:a16="http://schemas.microsoft.com/office/drawing/2014/main" id="{3529E63F-86E4-4456-8F5A-1E7F06B0E26D}"/>
+              </a:ext>
+            </a:extLst>
+          </p:cNvPr>
+          <p:cNvSpPr>
+            <a:spLocks noGrp="1"/>
+          </p:cNvSpPr>
+          <p:nvPr>
+            <p:ph idx="1"/>
+          </p:nvPr>
+        </p:nvSpPr>
+        <p:spPr>
+          <a:xfrm>
+            <a:off x="276225" y="1257300"/>
+            <a:ext cx="11410949" cy="5147982"/>
+          </a:xfrm>
+        </p:spPr>
+        <p:txBody>
+          <a:bodyPr/>
+          <a:lstStyle/>
+          <a:p>
+            <a:r>
+              <a:rPr lang="es-AR" dirty="0"/>
+              <a:t>Si no existe sitio en la línea actual, la caja flotante baja a la línea inferior hasta que encuentra el sitio necesario para mostrarse lo más a la izquierda o lo más a la derecha posible en esa nueva línea:</a:t>
+            </a:r>
+          </a:p>
+          <a:p>
+            <a:endParaRPr lang="es-AR" dirty="0"/>
+          </a:p>
+          <a:p>
+            <a:endParaRPr lang="es-AR" dirty="0"/>
+          </a:p>
+          <a:p>
+            <a:endParaRPr lang="es-AR" dirty="0"/>
+          </a:p>
+          <a:p>
+            <a:endParaRPr lang="es-AR" dirty="0"/>
+          </a:p>
+          <a:p>
+            <a:endParaRPr lang="es-AR" dirty="0"/>
+          </a:p>
+          <a:p>
+            <a:endParaRPr lang="es-AR" dirty="0"/>
+          </a:p>
+          <a:p>
+            <a:r>
+              <a:rPr lang="es-AR" dirty="0"/>
+              <a:t>Las cajas flotantes influyen en la disposición de todas las demás cajas. Los elementos en línea </a:t>
+            </a:r>
+            <a:r>
+              <a:rPr lang="es-AR" i="1" dirty="0"/>
+              <a:t>hacen sitio</a:t>
+            </a:r>
+            <a:r>
+              <a:rPr lang="es-AR" dirty="0"/>
+              <a:t> a las cajas flotantes adaptando su anchura al espacio libre dejado por la caja desplazada. Los elementos de bloque no les hacen sitio, pero sí que adaptan sus contenidos para que no se solapen con las cajas flotantes.</a:t>
+            </a:r>
+          </a:p>
+        </p:txBody>
+      </p:sp>
+      <p:pic>
+        <p:nvPicPr>
+          <p:cNvPr id="5" name="Imagen 4">
+            <a:extLst>
+              <a:ext uri="{FF2B5EF4-FFF2-40B4-BE49-F238E27FC236}">
+                <a16:creationId xmlns:a16="http://schemas.microsoft.com/office/drawing/2014/main" id="{FDC4B1FB-2EE1-4605-9DB3-104BA546D277}"/>
+              </a:ext>
+            </a:extLst>
+          </p:cNvPr>
+          <p:cNvPicPr>
+            <a:picLocks noChangeAspect="1"/>
+          </p:cNvPicPr>
+          <p:nvPr/>
+        </p:nvPicPr>
+        <p:blipFill>
+          <a:blip r:embed="rId2"/>
+          <a:stretch>
+            <a:fillRect/>
+          </a:stretch>
+        </p:blipFill>
+        <p:spPr>
+          <a:xfrm>
+            <a:off x="3700462" y="2233612"/>
+            <a:ext cx="4791075" cy="2390775"/>
+          </a:xfrm>
+          <a:prstGeom prst="rect">
+            <a:avLst/>
+          </a:prstGeom>
+        </p:spPr>
+      </p:pic>
+    </p:spTree>
+    <p:extLst>
+      <p:ext uri="{BB962C8B-B14F-4D97-AF65-F5344CB8AC3E}">
+        <p14:creationId xmlns:p14="http://schemas.microsoft.com/office/powerpoint/2010/main" val="2273786960"/>
+      </p:ext>
+    </p:extLst>
+  </p:cSld>
+  <p:clrMapOvr>
+    <a:masterClrMapping/>
+  </p:clrMapOvr>
+</p:sld>
+</file>
+
+<file path=ppt/slides/slide72.xml><?xml version="1.0" encoding="utf-8"?>
+<p:sld xmlns:a="http://schemas.openxmlformats.org/drawingml/2006/main" xmlns:r="http://schemas.openxmlformats.org/officeDocument/2006/relationships" xmlns:p="http://schemas.openxmlformats.org/presentationml/2006/main">
+  <p:cSld>
+    <p:spTree>
+      <p:nvGrpSpPr>
+        <p:cNvPr id="1" name=""/>
+        <p:cNvGrpSpPr/>
+        <p:nvPr/>
+      </p:nvGrpSpPr>
+      <p:grpSpPr>
+        <a:xfrm>
+          <a:off x="0" y="0"/>
+          <a:ext cx="0" cy="0"/>
+          <a:chOff x="0" y="0"/>
+          <a:chExt cx="0" cy="0"/>
+        </a:xfrm>
+      </p:grpSpPr>
+      <p:sp>
+        <p:nvSpPr>
+          <p:cNvPr id="2" name="Título 1">
+            <a:extLst>
+              <a:ext uri="{FF2B5EF4-FFF2-40B4-BE49-F238E27FC236}">
+                <a16:creationId xmlns:a16="http://schemas.microsoft.com/office/drawing/2014/main" id="{96D52942-3D7C-41D8-B565-B67BDB8EF40F}"/>
+              </a:ext>
+            </a:extLst>
+          </p:cNvPr>
+          <p:cNvSpPr>
+            <a:spLocks noGrp="1"/>
+          </p:cNvSpPr>
+          <p:nvPr>
+            <p:ph type="title"/>
+          </p:nvPr>
+        </p:nvSpPr>
+        <p:spPr>
+          <a:xfrm>
+            <a:off x="646111" y="452718"/>
+            <a:ext cx="9404723" cy="690282"/>
+          </a:xfrm>
+        </p:spPr>
+        <p:txBody>
+          <a:bodyPr/>
+          <a:lstStyle/>
+          <a:p>
+            <a:r>
+              <a:rPr lang="es-AR" dirty="0"/>
+              <a:t>Clear</a:t>
+            </a:r>
+          </a:p>
+        </p:txBody>
+      </p:sp>
+      <p:sp>
+        <p:nvSpPr>
+          <p:cNvPr id="3" name="Marcador de contenido 2">
+            <a:extLst>
+              <a:ext uri="{FF2B5EF4-FFF2-40B4-BE49-F238E27FC236}">
+                <a16:creationId xmlns:a16="http://schemas.microsoft.com/office/drawing/2014/main" id="{9F3B136E-6295-4993-92C3-6A627245DDB6}"/>
+              </a:ext>
+            </a:extLst>
+          </p:cNvPr>
+          <p:cNvSpPr>
+            <a:spLocks noGrp="1"/>
+          </p:cNvSpPr>
+          <p:nvPr>
+            <p:ph idx="1"/>
+          </p:nvPr>
+        </p:nvSpPr>
+        <p:spPr>
+          <a:xfrm>
+            <a:off x="381000" y="1238250"/>
+            <a:ext cx="11420475" cy="5167032"/>
+          </a:xfrm>
+        </p:spPr>
+        <p:txBody>
+          <a:bodyPr>
+            <a:normAutofit fontScale="85000" lnSpcReduction="10000"/>
+          </a:bodyPr>
+          <a:lstStyle/>
+          <a:p>
+            <a:pPr algn="just"/>
+            <a:r>
+              <a:rPr lang="es-AR" dirty="0"/>
+              <a:t>La propiedad clear indica el lado del elemento HTML que no debe ser adyacente a ninguna caja posicionada de forma flotante. Si se indica el valor left, el elemento se desplaza de forma descendente hasta que pueda colocarse en una línea en la que no haya ninguna caja flotante en el lado izquierdo.</a:t>
+            </a:r>
+          </a:p>
+          <a:p>
+            <a:pPr algn="just"/>
+            <a:endParaRPr lang="es-AR" dirty="0"/>
+          </a:p>
+          <a:p>
+            <a:pPr algn="just"/>
+            <a:r>
+              <a:rPr lang="es-AR" dirty="0"/>
+              <a:t>La especificación oficial de CSS explica este comportamiento como "un desplazamiento descendente hasta que el borde superior del elemento esté por debajo del borde inferior de cualquier elemento flotante hacia la izquierda".</a:t>
+            </a:r>
+          </a:p>
+          <a:p>
+            <a:pPr algn="just"/>
+            <a:endParaRPr lang="es-AR" dirty="0"/>
+          </a:p>
+          <a:p>
+            <a:pPr algn="just"/>
+            <a:r>
+              <a:rPr lang="es-AR" dirty="0"/>
+              <a:t>Si se indica el valor right, el comportamiento es análogo, salvo que en este caso se tienen en cuenta los elementos desplazados hacia la derecha.</a:t>
+            </a:r>
+          </a:p>
+          <a:p>
+            <a:pPr algn="just"/>
+            <a:endParaRPr lang="es-AR" dirty="0"/>
+          </a:p>
+          <a:p>
+            <a:pPr algn="just"/>
+            <a:r>
+              <a:rPr lang="es-AR" dirty="0"/>
+              <a:t>El valor </a:t>
+            </a:r>
+            <a:r>
+              <a:rPr lang="es-AR" dirty="0" err="1"/>
+              <a:t>both</a:t>
+            </a:r>
+            <a:r>
+              <a:rPr lang="es-AR" dirty="0"/>
+              <a:t> despeja los lados izquierdo y derecho del elemento, ya que desplaza el elemento de forma descendente hasta que el borde superior se encuentre por debajo del borde inferior de cualquier elemento flotante hacia la izquierda o hacia la derecha.</a:t>
+            </a:r>
+          </a:p>
+          <a:p>
+            <a:pPr algn="just"/>
+            <a:endParaRPr lang="es-AR" dirty="0"/>
+          </a:p>
+          <a:p>
+            <a:pPr algn="just"/>
+            <a:r>
+              <a:rPr lang="es-AR" dirty="0"/>
+              <a:t>Como se verá más adelante, la propiedad clear es imprescindible cuando se crean las estructuras de las páginas web complejas.</a:t>
+            </a:r>
+          </a:p>
+        </p:txBody>
+      </p:sp>
+    </p:spTree>
+    <p:extLst>
+      <p:ext uri="{BB962C8B-B14F-4D97-AF65-F5344CB8AC3E}">
+        <p14:creationId xmlns:p14="http://schemas.microsoft.com/office/powerpoint/2010/main" val="2565526391"/>
+      </p:ext>
+    </p:extLst>
+  </p:cSld>
+  <p:clrMapOvr>
+    <a:masterClrMapping/>
+  </p:clrMapOvr>
+</p:sld>
+</file>
+
+<file path=ppt/slides/slide73.xml><?xml version="1.0" encoding="utf-8"?>
+<p:sld xmlns:a="http://schemas.openxmlformats.org/drawingml/2006/main" xmlns:r="http://schemas.openxmlformats.org/officeDocument/2006/relationships" xmlns:p="http://schemas.openxmlformats.org/presentationml/2006/main">
+  <p:cSld>
+    <p:spTree>
+      <p:nvGrpSpPr>
+        <p:cNvPr id="1" name=""/>
+        <p:cNvGrpSpPr/>
+        <p:nvPr/>
+      </p:nvGrpSpPr>
+      <p:grpSpPr>
+        <a:xfrm>
+          <a:off x="0" y="0"/>
+          <a:ext cx="0" cy="0"/>
+          <a:chOff x="0" y="0"/>
+          <a:chExt cx="0" cy="0"/>
+        </a:xfrm>
+      </p:grpSpPr>
+      <p:sp>
+        <p:nvSpPr>
+          <p:cNvPr id="2" name="Título 1">
+            <a:extLst>
+              <a:ext uri="{FF2B5EF4-FFF2-40B4-BE49-F238E27FC236}">
+                <a16:creationId xmlns:a16="http://schemas.microsoft.com/office/drawing/2014/main" id="{5BAD8045-A5E0-45C0-957F-AA3644E7E351}"/>
+              </a:ext>
+            </a:extLst>
+          </p:cNvPr>
+          <p:cNvSpPr>
+            <a:spLocks noGrp="1"/>
+          </p:cNvSpPr>
+          <p:nvPr>
+            <p:ph type="title"/>
+          </p:nvPr>
+        </p:nvSpPr>
+        <p:spPr>
+          <a:xfrm>
+            <a:off x="646111" y="452718"/>
+            <a:ext cx="9404723" cy="766482"/>
+          </a:xfrm>
+        </p:spPr>
+        <p:txBody>
+          <a:bodyPr/>
+          <a:lstStyle/>
+          <a:p>
+            <a:r>
+              <a:rPr lang="es-AR" dirty="0"/>
+              <a:t>Display y Visibility</a:t>
+            </a:r>
+          </a:p>
+        </p:txBody>
+      </p:sp>
+      <p:sp>
+        <p:nvSpPr>
+          <p:cNvPr id="3" name="Marcador de contenido 2">
+            <a:extLst>
+              <a:ext uri="{FF2B5EF4-FFF2-40B4-BE49-F238E27FC236}">
+                <a16:creationId xmlns:a16="http://schemas.microsoft.com/office/drawing/2014/main" id="{13DB51FB-1A87-4075-9D53-ACE5E2C531A3}"/>
+              </a:ext>
+            </a:extLst>
+          </p:cNvPr>
+          <p:cNvSpPr>
+            <a:spLocks noGrp="1"/>
+          </p:cNvSpPr>
+          <p:nvPr>
+            <p:ph idx="1"/>
+          </p:nvPr>
+        </p:nvSpPr>
+        <p:spPr>
+          <a:xfrm>
+            <a:off x="352425" y="1733550"/>
+            <a:ext cx="11487149" cy="4810125"/>
+          </a:xfrm>
+        </p:spPr>
+        <p:txBody>
+          <a:bodyPr/>
+          <a:lstStyle/>
+          <a:p>
+            <a:r>
+              <a:rPr lang="es-AR" dirty="0"/>
+              <a:t>Las propiedades display y visibility controlan la visualización de los elementos. Las dos propiedades permiten ocultar cualquier elemento de la página. Habitualmente se utilizan junto con JavaScript para crear efectos dinámicos como mostrar y ocultar determinados textos o imágenes cuando el usuario pincha sobre ellos.</a:t>
+            </a:r>
+          </a:p>
+          <a:p>
+            <a:endParaRPr lang="es-AR" dirty="0"/>
+          </a:p>
+          <a:p>
+            <a:r>
+              <a:rPr lang="es-AR" dirty="0"/>
+              <a:t>La propiedad display permite ocultar completamente un elemento haciendo que desaparezca de la página. Como el elemento oculto no se muestra, el resto de elementos de la página se mueven para ocupar su lugar.</a:t>
+            </a:r>
+          </a:p>
+          <a:p>
+            <a:endParaRPr lang="es-AR" dirty="0"/>
+          </a:p>
+          <a:p>
+            <a:r>
+              <a:rPr lang="es-AR" dirty="0"/>
+              <a:t>Por otra parte, la propiedad visibility permite hacer invisible un elemento, lo que significa que el navegador crea la caja del elemento pero no la muestra. En este caso, el resto de elementos de la página no modifican su posición, ya que aunque la caja no se ve, sigue ocupando sitio.</a:t>
+            </a:r>
+          </a:p>
+        </p:txBody>
+      </p:sp>
+    </p:spTree>
+    <p:extLst>
+      <p:ext uri="{BB962C8B-B14F-4D97-AF65-F5344CB8AC3E}">
+        <p14:creationId xmlns:p14="http://schemas.microsoft.com/office/powerpoint/2010/main" val="2661900293"/>
+      </p:ext>
+    </p:extLst>
+  </p:cSld>
+  <p:clrMapOvr>
+    <a:masterClrMapping/>
+  </p:clrMapOvr>
+</p:sld>
+</file>
+
+<file path=ppt/slides/slide74.xml><?xml version="1.0" encoding="utf-8"?>
+<p:sld xmlns:a="http://schemas.openxmlformats.org/drawingml/2006/main" xmlns:r="http://schemas.openxmlformats.org/officeDocument/2006/relationships" xmlns:p="http://schemas.openxmlformats.org/presentationml/2006/main">
+  <p:cSld>
+    <p:spTree>
+      <p:nvGrpSpPr>
+        <p:cNvPr id="1" name=""/>
+        <p:cNvGrpSpPr/>
+        <p:nvPr/>
+      </p:nvGrpSpPr>
+      <p:grpSpPr>
+        <a:xfrm>
+          <a:off x="0" y="0"/>
+          <a:ext cx="0" cy="0"/>
+          <a:chOff x="0" y="0"/>
+          <a:chExt cx="0" cy="0"/>
+        </a:xfrm>
+      </p:grpSpPr>
+      <p:sp>
+        <p:nvSpPr>
+          <p:cNvPr id="2" name="Título 1">
+            <a:extLst>
+              <a:ext uri="{FF2B5EF4-FFF2-40B4-BE49-F238E27FC236}">
+                <a16:creationId xmlns:a16="http://schemas.microsoft.com/office/drawing/2014/main" id="{7A3962FE-7F2C-45C4-97F3-2D8294BDA736}"/>
+              </a:ext>
+            </a:extLst>
+          </p:cNvPr>
+          <p:cNvSpPr>
+            <a:spLocks noGrp="1"/>
+          </p:cNvSpPr>
+          <p:nvPr>
+            <p:ph type="title"/>
+          </p:nvPr>
+        </p:nvSpPr>
+        <p:spPr>
+          <a:xfrm>
+            <a:off x="646111" y="452718"/>
+            <a:ext cx="9404723" cy="918882"/>
+          </a:xfrm>
+        </p:spPr>
+        <p:txBody>
+          <a:bodyPr/>
+          <a:lstStyle/>
+          <a:p>
+            <a:r>
+              <a:rPr lang="es-AR" dirty="0"/>
+              <a:t>Display y Visibility II</a:t>
+            </a:r>
+          </a:p>
+        </p:txBody>
+      </p:sp>
+      <p:sp>
+        <p:nvSpPr>
+          <p:cNvPr id="3" name="Marcador de contenido 2">
+            <a:extLst>
+              <a:ext uri="{FF2B5EF4-FFF2-40B4-BE49-F238E27FC236}">
+                <a16:creationId xmlns:a16="http://schemas.microsoft.com/office/drawing/2014/main" id="{B8AAAC04-01EE-488A-A271-9514013942C1}"/>
+              </a:ext>
+            </a:extLst>
+          </p:cNvPr>
+          <p:cNvSpPr>
+            <a:spLocks noGrp="1"/>
+          </p:cNvSpPr>
+          <p:nvPr>
+            <p:ph idx="1"/>
+          </p:nvPr>
+        </p:nvSpPr>
+        <p:spPr>
+          <a:xfrm>
+            <a:off x="295275" y="1552576"/>
+            <a:ext cx="11534775" cy="5114924"/>
+          </a:xfrm>
+        </p:spPr>
+        <p:txBody>
+          <a:bodyPr/>
+          <a:lstStyle/>
+          <a:p>
+            <a:r>
+              <a:rPr lang="es-AR" dirty="0"/>
+              <a:t>La siguiente imagen muestra la diferencia entre ocultar la caja número 5 mediante la propiedad display o hacerla invisible mediante la propiedad visibility:</a:t>
+            </a:r>
+          </a:p>
+          <a:p>
+            <a:endParaRPr lang="es-AR" dirty="0"/>
+          </a:p>
+          <a:p>
+            <a:endParaRPr lang="es-AR" dirty="0"/>
+          </a:p>
+        </p:txBody>
+      </p:sp>
+      <p:pic>
+        <p:nvPicPr>
+          <p:cNvPr id="6" name="Imagen 5">
+            <a:extLst>
+              <a:ext uri="{FF2B5EF4-FFF2-40B4-BE49-F238E27FC236}">
+                <a16:creationId xmlns:a16="http://schemas.microsoft.com/office/drawing/2014/main" id="{3E4B3668-47B5-409B-8AA6-B4F6ED492AA9}"/>
+              </a:ext>
+            </a:extLst>
+          </p:cNvPr>
+          <p:cNvPicPr>
+            <a:picLocks noChangeAspect="1"/>
+          </p:cNvPicPr>
+          <p:nvPr/>
+        </p:nvPicPr>
+        <p:blipFill>
+          <a:blip r:embed="rId2"/>
+          <a:stretch>
+            <a:fillRect/>
+          </a:stretch>
+        </p:blipFill>
+        <p:spPr>
+          <a:xfrm>
+            <a:off x="2295525" y="2398707"/>
+            <a:ext cx="7029450" cy="4268793"/>
+          </a:xfrm>
+          <a:prstGeom prst="rect">
+            <a:avLst/>
+          </a:prstGeom>
+        </p:spPr>
+      </p:pic>
+    </p:spTree>
+    <p:extLst>
+      <p:ext uri="{BB962C8B-B14F-4D97-AF65-F5344CB8AC3E}">
+        <p14:creationId xmlns:p14="http://schemas.microsoft.com/office/powerpoint/2010/main" val="426671023"/>
+      </p:ext>
+    </p:extLst>
+  </p:cSld>
+  <p:clrMapOvr>
+    <a:masterClrMapping/>
+  </p:clrMapOvr>
 </p:sld>
 </file>
 
@@ -13802,10 +18703,9 @@
           <a:lstStyle/>
           <a:p>
             <a:r>
-              <a:rPr lang="es-AR" dirty="0" smtClean="0"/>
+              <a:rPr lang="es-AR" dirty="0"/>
               <a:t>Comentarios</a:t>
             </a:r>
-            <a:endParaRPr lang="es-AR" dirty="0"/>
           </a:p>
         </p:txBody>
       </p:sp>
@@ -13834,23 +18734,14 @@
             <a:pPr algn="just"/>
             <a:r>
               <a:rPr lang="es-AR" dirty="0"/>
-              <a:t>CSS permite incluir comentarios entre sus reglas y estilos. Los comentarios son contenidos de texto que el diseñador incluye en el archivo CSS para su propia información y utilidad. Los navegadores ignoran por completo cualquier comentario de los archivos CSS, por lo que es común utilizarlos para estructurar de forma clara los archivos CSS complejos</a:t>
-            </a:r>
-            <a:r>
-              <a:rPr lang="es-AR" dirty="0" smtClean="0"/>
-              <a:t>.</a:t>
-            </a:r>
-            <a:endParaRPr lang="es-AR" dirty="0"/>
+              <a:t>CSS permite incluir comentarios entre sus reglas y estilos. Los comentarios son contenidos de texto que el diseñador incluye en el archivo CSS para su propia información y utilidad. Los navegadores ignoran por completo cualquier comentario de los archivos CSS, por lo que es común utilizarlos para estructurar de forma clara los archivos CSS complejos.</a:t>
+            </a:r>
           </a:p>
           <a:p>
             <a:pPr algn="just"/>
             <a:r>
               <a:rPr lang="es-AR" dirty="0"/>
-              <a:t>El comienzo de un comentario se indica mediante los caracteres /* y el final del comentario se indica mediante */, tal y como se muestra en el siguiente ejemplo</a:t>
-            </a:r>
-            <a:r>
-              <a:rPr lang="es-AR" dirty="0" smtClean="0"/>
-              <a:t>:</a:t>
+              <a:t>El comienzo de un comentario se indica mediante los caracteres /* y el final del comentario se indica mediante */, tal y como se muestra en el siguiente ejemplo:</a:t>
             </a:r>
           </a:p>
           <a:p>
@@ -13859,21 +18750,13 @@
           </a:p>
           <a:p>
             <a:pPr algn="just"/>
-            <a:endParaRPr lang="es-AR" dirty="0" smtClean="0"/>
+            <a:endParaRPr lang="es-AR" dirty="0"/>
           </a:p>
           <a:p>
             <a:pPr algn="just"/>
             <a:r>
-              <a:rPr lang="es-AR" dirty="0" smtClean="0"/>
-              <a:t>Los </a:t>
-            </a:r>
-            <a:r>
-              <a:rPr lang="es-AR" dirty="0"/>
-              <a:t>comentarios pueden ocupar tantas líneas como sea necesario, pero no se puede incluir un comentario dentro de otro comentario</a:t>
-            </a:r>
-            <a:r>
-              <a:rPr lang="es-AR" dirty="0" smtClean="0"/>
-              <a:t>:</a:t>
+              <a:rPr lang="es-AR" dirty="0"/>
+              <a:t>Los comentarios pueden ocupar tantas líneas como sea necesario, pero no se puede incluir un comentario dentro de otro comentario:</a:t>
             </a:r>
           </a:p>
           <a:p>
@@ -13969,13 +18852,6 @@
   <p:clrMapOvr>
     <a:masterClrMapping/>
   </p:clrMapOvr>
-  <p:timing>
-    <p:tnLst>
-      <p:par>
-        <p:cTn id="1" dur="indefinite" restart="never" nodeType="tmRoot"/>
-      </p:par>
-    </p:tnLst>
-  </p:timing>
 </p:sld>
 </file>
 
@@ -14012,10 +18888,9 @@
           <a:lstStyle/>
           <a:p>
             <a:r>
-              <a:rPr lang="es-AR" dirty="0" smtClean="0"/>
+              <a:rPr lang="es-AR" dirty="0"/>
               <a:t>Selectores</a:t>
             </a:r>
-            <a:endParaRPr lang="es-AR" dirty="0"/>
           </a:p>
         </p:txBody>
       </p:sp>
@@ -14043,15 +18918,7 @@
           <a:p>
             <a:r>
               <a:rPr lang="es-AR" dirty="0"/>
-              <a:t>U</a:t>
-            </a:r>
-            <a:r>
-              <a:rPr lang="es-AR" dirty="0" smtClean="0"/>
-              <a:t>na </a:t>
-            </a:r>
-            <a:r>
-              <a:rPr lang="es-AR" dirty="0"/>
-              <a:t>regla de CSS está formada por una parte llamada "selector" y otra parte llamada "declaración".</a:t>
+              <a:t>Una regla de CSS está formada por una parte llamada "selector" y otra parte llamada "declaración".</a:t>
             </a:r>
           </a:p>
           <a:p>
@@ -14109,13 +18976,6 @@
   <p:clrMapOvr>
     <a:masterClrMapping/>
   </p:clrMapOvr>
-  <p:timing>
-    <p:tnLst>
-      <p:par>
-        <p:cTn id="1" dur="indefinite" restart="never" nodeType="tmRoot"/>
-      </p:par>
-    </p:tnLst>
-  </p:timing>
 </p:sld>
 </file>
 
